--- a/doc/Kotlin入门.pptx
+++ b/doc/Kotlin入门.pptx
@@ -5,23 +5,27 @@
     <p:sldMasterId id="2147483648" r:id="rId1"/>
   </p:sldMasterIdLst>
   <p:notesMasterIdLst>
-    <p:notesMasterId r:id="rId16"/>
+    <p:notesMasterId r:id="rId20"/>
   </p:notesMasterIdLst>
   <p:sldIdLst>
     <p:sldId id="314" r:id="rId2"/>
     <p:sldId id="908" r:id="rId3"/>
-    <p:sldId id="909" r:id="rId4"/>
-    <p:sldId id="910" r:id="rId5"/>
-    <p:sldId id="911" r:id="rId6"/>
-    <p:sldId id="912" r:id="rId7"/>
-    <p:sldId id="913" r:id="rId8"/>
-    <p:sldId id="914" r:id="rId9"/>
-    <p:sldId id="915" r:id="rId10"/>
-    <p:sldId id="916" r:id="rId11"/>
-    <p:sldId id="917" r:id="rId12"/>
-    <p:sldId id="918" r:id="rId13"/>
-    <p:sldId id="919" r:id="rId14"/>
-    <p:sldId id="920" r:id="rId15"/>
+    <p:sldId id="921" r:id="rId4"/>
+    <p:sldId id="909" r:id="rId5"/>
+    <p:sldId id="924" r:id="rId6"/>
+    <p:sldId id="910" r:id="rId7"/>
+    <p:sldId id="911" r:id="rId8"/>
+    <p:sldId id="912" r:id="rId9"/>
+    <p:sldId id="913" r:id="rId10"/>
+    <p:sldId id="914" r:id="rId11"/>
+    <p:sldId id="922" r:id="rId12"/>
+    <p:sldId id="915" r:id="rId13"/>
+    <p:sldId id="916" r:id="rId14"/>
+    <p:sldId id="917" r:id="rId15"/>
+    <p:sldId id="918" r:id="rId16"/>
+    <p:sldId id="919" r:id="rId17"/>
+    <p:sldId id="923" r:id="rId18"/>
+    <p:sldId id="920" r:id="rId19"/>
   </p:sldIdLst>
   <p:sldSz cx="12192000" cy="6858000"/>
   <p:notesSz cx="6858000" cy="9144000"/>
@@ -127,17 +131,21 @@
           <p14:sldIdLst>
             <p14:sldId id="314"/>
             <p14:sldId id="908"/>
+            <p14:sldId id="921"/>
             <p14:sldId id="909"/>
+            <p14:sldId id="924"/>
             <p14:sldId id="910"/>
             <p14:sldId id="911"/>
             <p14:sldId id="912"/>
             <p14:sldId id="913"/>
             <p14:sldId id="914"/>
+            <p14:sldId id="922"/>
             <p14:sldId id="915"/>
             <p14:sldId id="916"/>
             <p14:sldId id="917"/>
             <p14:sldId id="918"/>
             <p14:sldId id="919"/>
+            <p14:sldId id="923"/>
             <p14:sldId id="920"/>
           </p14:sldIdLst>
         </p14:section>
@@ -249,7 +257,7 @@
           <a:p>
             <a:fld id="{DFD9F26D-5286-4A16-A34F-B8F5162795AE}" type="datetimeFigureOut">
               <a:rPr lang="zh-CN" altLang="en-US" smtClean="0"/>
-              <a:t>2019/6/1</a:t>
+              <a:t>2019/8/27</a:t>
             </a:fld>
             <a:endParaRPr lang="zh-CN" altLang="en-US"/>
           </a:p>
@@ -577,6 +585,189 @@
 </p:notes>
 </file>
 
+<file path=ppt/notesSlides/notesSlide10.xml><?xml version="1.0" encoding="utf-8"?>
+<p:notes xmlns:a="http://schemas.openxmlformats.org/drawingml/2006/main" xmlns:r="http://schemas.openxmlformats.org/officeDocument/2006/relationships" xmlns:p="http://schemas.openxmlformats.org/presentationml/2006/main">
+  <p:cSld>
+    <p:spTree>
+      <p:nvGrpSpPr>
+        <p:cNvPr id="1" name=""/>
+        <p:cNvGrpSpPr/>
+        <p:nvPr/>
+      </p:nvGrpSpPr>
+      <p:grpSpPr>
+        <a:xfrm>
+          <a:off x="0" y="0"/>
+          <a:ext cx="0" cy="0"/>
+          <a:chOff x="0" y="0"/>
+          <a:chExt cx="0" cy="0"/>
+        </a:xfrm>
+      </p:grpSpPr>
+      <p:sp>
+        <p:nvSpPr>
+          <p:cNvPr id="2" name="幻灯片图像占位符 1"/>
+          <p:cNvSpPr>
+            <a:spLocks noGrp="1" noRot="1" noChangeAspect="1"/>
+          </p:cNvSpPr>
+          <p:nvPr>
+            <p:ph type="sldImg" idx="2"/>
+          </p:nvPr>
+        </p:nvSpPr>
+        <p:spPr/>
+      </p:sp>
+      <p:sp>
+        <p:nvSpPr>
+          <p:cNvPr id="3" name="文本占位符 2"/>
+          <p:cNvSpPr>
+            <a:spLocks noGrp="1"/>
+          </p:cNvSpPr>
+          <p:nvPr>
+            <p:ph type="body" idx="3"/>
+          </p:nvPr>
+        </p:nvSpPr>
+        <p:spPr/>
+        <p:txBody>
+          <a:bodyPr/>
+          <a:lstStyle/>
+          <a:p>
+            <a:endParaRPr lang="zh-CN" altLang="en-US" dirty="0"/>
+          </a:p>
+        </p:txBody>
+      </p:sp>
+    </p:spTree>
+    <p:extLst>
+      <p:ext uri="{BB962C8B-B14F-4D97-AF65-F5344CB8AC3E}">
+        <p14:creationId xmlns:p14="http://schemas.microsoft.com/office/powerpoint/2010/main" val="4281056850"/>
+      </p:ext>
+    </p:extLst>
+  </p:cSld>
+  <p:clrMapOvr>
+    <a:masterClrMapping/>
+  </p:clrMapOvr>
+</p:notes>
+</file>
+
+<file path=ppt/notesSlides/notesSlide11.xml><?xml version="1.0" encoding="utf-8"?>
+<p:notes xmlns:a="http://schemas.openxmlformats.org/drawingml/2006/main" xmlns:r="http://schemas.openxmlformats.org/officeDocument/2006/relationships" xmlns:p="http://schemas.openxmlformats.org/presentationml/2006/main">
+  <p:cSld>
+    <p:spTree>
+      <p:nvGrpSpPr>
+        <p:cNvPr id="1" name=""/>
+        <p:cNvGrpSpPr/>
+        <p:nvPr/>
+      </p:nvGrpSpPr>
+      <p:grpSpPr>
+        <a:xfrm>
+          <a:off x="0" y="0"/>
+          <a:ext cx="0" cy="0"/>
+          <a:chOff x="0" y="0"/>
+          <a:chExt cx="0" cy="0"/>
+        </a:xfrm>
+      </p:grpSpPr>
+      <p:sp>
+        <p:nvSpPr>
+          <p:cNvPr id="2" name="幻灯片图像占位符 1"/>
+          <p:cNvSpPr>
+            <a:spLocks noGrp="1" noRot="1" noChangeAspect="1"/>
+          </p:cNvSpPr>
+          <p:nvPr>
+            <p:ph type="sldImg" idx="2"/>
+          </p:nvPr>
+        </p:nvSpPr>
+        <p:spPr/>
+      </p:sp>
+      <p:sp>
+        <p:nvSpPr>
+          <p:cNvPr id="3" name="文本占位符 2"/>
+          <p:cNvSpPr>
+            <a:spLocks noGrp="1"/>
+          </p:cNvSpPr>
+          <p:nvPr>
+            <p:ph type="body" idx="3"/>
+          </p:nvPr>
+        </p:nvSpPr>
+        <p:spPr/>
+        <p:txBody>
+          <a:bodyPr/>
+          <a:lstStyle/>
+          <a:p>
+            <a:endParaRPr lang="zh-CN" altLang="en-US" dirty="0"/>
+          </a:p>
+        </p:txBody>
+      </p:sp>
+    </p:spTree>
+    <p:extLst>
+      <p:ext uri="{BB962C8B-B14F-4D97-AF65-F5344CB8AC3E}">
+        <p14:creationId xmlns:p14="http://schemas.microsoft.com/office/powerpoint/2010/main" val="3688632809"/>
+      </p:ext>
+    </p:extLst>
+  </p:cSld>
+  <p:clrMapOvr>
+    <a:masterClrMapping/>
+  </p:clrMapOvr>
+</p:notes>
+</file>
+
+<file path=ppt/notesSlides/notesSlide12.xml><?xml version="1.0" encoding="utf-8"?>
+<p:notes xmlns:a="http://schemas.openxmlformats.org/drawingml/2006/main" xmlns:r="http://schemas.openxmlformats.org/officeDocument/2006/relationships" xmlns:p="http://schemas.openxmlformats.org/presentationml/2006/main">
+  <p:cSld>
+    <p:spTree>
+      <p:nvGrpSpPr>
+        <p:cNvPr id="1" name=""/>
+        <p:cNvGrpSpPr/>
+        <p:nvPr/>
+      </p:nvGrpSpPr>
+      <p:grpSpPr>
+        <a:xfrm>
+          <a:off x="0" y="0"/>
+          <a:ext cx="0" cy="0"/>
+          <a:chOff x="0" y="0"/>
+          <a:chExt cx="0" cy="0"/>
+        </a:xfrm>
+      </p:grpSpPr>
+      <p:sp>
+        <p:nvSpPr>
+          <p:cNvPr id="2" name="幻灯片图像占位符 1"/>
+          <p:cNvSpPr>
+            <a:spLocks noGrp="1" noRot="1" noChangeAspect="1"/>
+          </p:cNvSpPr>
+          <p:nvPr>
+            <p:ph type="sldImg" idx="2"/>
+          </p:nvPr>
+        </p:nvSpPr>
+        <p:spPr/>
+      </p:sp>
+      <p:sp>
+        <p:nvSpPr>
+          <p:cNvPr id="3" name="文本占位符 2"/>
+          <p:cNvSpPr>
+            <a:spLocks noGrp="1"/>
+          </p:cNvSpPr>
+          <p:nvPr>
+            <p:ph type="body" idx="3"/>
+          </p:nvPr>
+        </p:nvSpPr>
+        <p:spPr/>
+        <p:txBody>
+          <a:bodyPr/>
+          <a:lstStyle/>
+          <a:p>
+            <a:endParaRPr lang="zh-CN" altLang="en-US" dirty="0"/>
+          </a:p>
+        </p:txBody>
+      </p:sp>
+    </p:spTree>
+    <p:extLst>
+      <p:ext uri="{BB962C8B-B14F-4D97-AF65-F5344CB8AC3E}">
+        <p14:creationId xmlns:p14="http://schemas.microsoft.com/office/powerpoint/2010/main" val="3459797952"/>
+      </p:ext>
+    </p:extLst>
+  </p:cSld>
+  <p:clrMapOvr>
+    <a:masterClrMapping/>
+  </p:clrMapOvr>
+</p:notes>
+</file>
+
 <file path=ppt/notesSlides/notesSlide2.xml><?xml version="1.0" encoding="utf-8"?>
 <p:notes xmlns:a="http://schemas.openxmlformats.org/drawingml/2006/main" xmlns:r="http://schemas.openxmlformats.org/officeDocument/2006/relationships" xmlns:p="http://schemas.openxmlformats.org/presentationml/2006/main">
   <p:cSld>
@@ -628,7 +819,7 @@
     </p:spTree>
     <p:extLst>
       <p:ext uri="{BB962C8B-B14F-4D97-AF65-F5344CB8AC3E}">
-        <p14:creationId xmlns:p14="http://schemas.microsoft.com/office/powerpoint/2010/main" val="85733579"/>
+        <p14:creationId xmlns:p14="http://schemas.microsoft.com/office/powerpoint/2010/main" val="3767832131"/>
       </p:ext>
     </p:extLst>
   </p:cSld>
@@ -689,7 +880,7 @@
     </p:spTree>
     <p:extLst>
       <p:ext uri="{BB962C8B-B14F-4D97-AF65-F5344CB8AC3E}">
-        <p14:creationId xmlns:p14="http://schemas.microsoft.com/office/powerpoint/2010/main" val="3041283117"/>
+        <p14:creationId xmlns:p14="http://schemas.microsoft.com/office/powerpoint/2010/main" val="85733579"/>
       </p:ext>
     </p:extLst>
   </p:cSld>
@@ -750,7 +941,7 @@
     </p:spTree>
     <p:extLst>
       <p:ext uri="{BB962C8B-B14F-4D97-AF65-F5344CB8AC3E}">
-        <p14:creationId xmlns:p14="http://schemas.microsoft.com/office/powerpoint/2010/main" val="3640848396"/>
+        <p14:creationId xmlns:p14="http://schemas.microsoft.com/office/powerpoint/2010/main" val="585998056"/>
       </p:ext>
     </p:extLst>
   </p:cSld>
@@ -811,7 +1002,7 @@
     </p:spTree>
     <p:extLst>
       <p:ext uri="{BB962C8B-B14F-4D97-AF65-F5344CB8AC3E}">
-        <p14:creationId xmlns:p14="http://schemas.microsoft.com/office/powerpoint/2010/main" val="1437328501"/>
+        <p14:creationId xmlns:p14="http://schemas.microsoft.com/office/powerpoint/2010/main" val="3041283117"/>
       </p:ext>
     </p:extLst>
   </p:cSld>
@@ -872,7 +1063,7 @@
     </p:spTree>
     <p:extLst>
       <p:ext uri="{BB962C8B-B14F-4D97-AF65-F5344CB8AC3E}">
-        <p14:creationId xmlns:p14="http://schemas.microsoft.com/office/powerpoint/2010/main" val="3083302786"/>
+        <p14:creationId xmlns:p14="http://schemas.microsoft.com/office/powerpoint/2010/main" val="3640848396"/>
       </p:ext>
     </p:extLst>
   </p:cSld>
@@ -933,7 +1124,7 @@
     </p:spTree>
     <p:extLst>
       <p:ext uri="{BB962C8B-B14F-4D97-AF65-F5344CB8AC3E}">
-        <p14:creationId xmlns:p14="http://schemas.microsoft.com/office/powerpoint/2010/main" val="346261588"/>
+        <p14:creationId xmlns:p14="http://schemas.microsoft.com/office/powerpoint/2010/main" val="1437328501"/>
       </p:ext>
     </p:extLst>
   </p:cSld>
@@ -994,7 +1185,7 @@
     </p:spTree>
     <p:extLst>
       <p:ext uri="{BB962C8B-B14F-4D97-AF65-F5344CB8AC3E}">
-        <p14:creationId xmlns:p14="http://schemas.microsoft.com/office/powerpoint/2010/main" val="3688632809"/>
+        <p14:creationId xmlns:p14="http://schemas.microsoft.com/office/powerpoint/2010/main" val="3083302786"/>
       </p:ext>
     </p:extLst>
   </p:cSld>
@@ -1055,7 +1246,7 @@
     </p:spTree>
     <p:extLst>
       <p:ext uri="{BB962C8B-B14F-4D97-AF65-F5344CB8AC3E}">
-        <p14:creationId xmlns:p14="http://schemas.microsoft.com/office/powerpoint/2010/main" val="3459797952"/>
+        <p14:creationId xmlns:p14="http://schemas.microsoft.com/office/powerpoint/2010/main" val="346261588"/>
       </p:ext>
     </p:extLst>
   </p:cSld>
@@ -9712,7 +9903,7 @@
           <a:p>
             <a:fld id="{7BE41671-961F-48DB-A2CD-4BB3CFDFE0C0}" type="datetimeFigureOut">
               <a:rPr lang="zh-CN" altLang="en-US" smtClean="0"/>
-              <a:t>2019/6/1</a:t>
+              <a:t>2019/8/27</a:t>
             </a:fld>
             <a:endParaRPr lang="zh-CN" altLang="en-US"/>
           </a:p>
@@ -10145,7 +10336,13 @@
       </p:sp>
       <p:sp>
         <p:nvSpPr>
-          <p:cNvPr id="3" name="副标题 2"/>
+          <p:cNvPr id="5" name="副标题 4">
+            <a:extLst>
+              <a:ext uri="{FF2B5EF4-FFF2-40B4-BE49-F238E27FC236}">
+                <a16:creationId xmlns:a16="http://schemas.microsoft.com/office/drawing/2014/main" id="{06BE4E2D-979B-7E42-B877-34957DC89083}"/>
+              </a:ext>
+            </a:extLst>
+          </p:cNvPr>
           <p:cNvSpPr>
             <a:spLocks noGrp="1"/>
           </p:cNvSpPr>
@@ -10160,8 +10357,13 @@
           <a:p>
             <a:r>
               <a:rPr lang="zh-CN" altLang="en-US" dirty="0"/>
-              <a:t>从“入门”到决定要不要入门</a:t>
-            </a:r>
+              <a:t>白话</a:t>
+            </a:r>
+            <a:r>
+              <a:rPr lang="en-US" altLang="zh-CN" dirty="0"/>
+              <a:t>Kotlin</a:t>
+            </a:r>
+            <a:endParaRPr lang="zh-CN" altLang="en-US" dirty="0"/>
           </a:p>
         </p:txBody>
       </p:sp>
@@ -10477,6 +10679,1435 @@
       </p:sp>
       <p:sp>
         <p:nvSpPr>
+          <p:cNvPr id="2" name="文本框 1">
+            <a:extLst>
+              <a:ext uri="{FF2B5EF4-FFF2-40B4-BE49-F238E27FC236}">
+                <a16:creationId xmlns:a16="http://schemas.microsoft.com/office/drawing/2014/main" id="{B65D59DC-24BF-554C-8126-3C39A8899F95}"/>
+              </a:ext>
+            </a:extLst>
+          </p:cNvPr>
+          <p:cNvSpPr txBox="1"/>
+          <p:nvPr/>
+        </p:nvSpPr>
+        <p:spPr>
+          <a:xfrm>
+            <a:off x="1086522" y="1187456"/>
+            <a:ext cx="7651078" cy="1200329"/>
+          </a:xfrm>
+          <a:prstGeom prst="rect">
+            <a:avLst/>
+          </a:prstGeom>
+          <a:noFill/>
+        </p:spPr>
+        <p:txBody>
+          <a:bodyPr wrap="square" rtlCol="0">
+            <a:spAutoFit/>
+          </a:bodyPr>
+          <a:lstStyle/>
+          <a:p>
+            <a:pPr marL="285750" indent="-285750">
+              <a:buFont typeface="Arial" panose="020B0604020202020204" pitchFamily="34" charset="0"/>
+              <a:buChar char="•"/>
+            </a:pPr>
+            <a:r>
+              <a:rPr kumimoji="1" lang="en-US" altLang="zh-CN" dirty="0"/>
+              <a:t>1.</a:t>
+            </a:r>
+            <a:r>
+              <a:rPr kumimoji="1" lang="zh-CN" altLang="en-US" dirty="0"/>
+              <a:t>关于</a:t>
+            </a:r>
+            <a:r>
+              <a:rPr kumimoji="1" lang="en-US" altLang="zh-CN" dirty="0"/>
+              <a:t>var</a:t>
+            </a:r>
+            <a:r>
+              <a:rPr kumimoji="1" lang="zh-CN" altLang="en-US" dirty="0"/>
+              <a:t>和</a:t>
+            </a:r>
+            <a:r>
+              <a:rPr kumimoji="1" lang="en-US" altLang="zh-CN" dirty="0" err="1"/>
+              <a:t>val</a:t>
+            </a:r>
+            <a:r>
+              <a:rPr kumimoji="1" lang="en-US" altLang="zh-CN" dirty="0"/>
+              <a:t>:</a:t>
+            </a:r>
+            <a:r>
+              <a:rPr kumimoji="1" lang="zh-CN" altLang="en-US" dirty="0"/>
+              <a:t>在不知道对象为什么类型的时候可以声明为</a:t>
+            </a:r>
+            <a:r>
+              <a:rPr kumimoji="1" lang="en-US" altLang="zh-CN" dirty="0"/>
+              <a:t>var</a:t>
+            </a:r>
+            <a:r>
+              <a:rPr kumimoji="1" lang="zh-CN" altLang="en-US" dirty="0"/>
+              <a:t>、</a:t>
+            </a:r>
+            <a:r>
+              <a:rPr kumimoji="1" lang="en-US" altLang="zh-CN" dirty="0" err="1"/>
+              <a:t>val</a:t>
+            </a:r>
+            <a:r>
+              <a:rPr kumimoji="1" lang="zh-CN" altLang="en-US" dirty="0"/>
+              <a:t>由运行时推导出具体类型</a:t>
+            </a:r>
+            <a:r>
+              <a:rPr kumimoji="1" lang="en-US" altLang="zh-CN" dirty="0"/>
+              <a:t>,</a:t>
+            </a:r>
+            <a:r>
+              <a:rPr kumimoji="1" lang="zh-CN" altLang="en-US" dirty="0"/>
+              <a:t>但声明过后无法对类型进行更改</a:t>
+            </a:r>
+            <a:endParaRPr kumimoji="1" lang="en-US" altLang="zh-CN" dirty="0"/>
+          </a:p>
+          <a:p>
+            <a:endParaRPr lang="en" altLang="zh-CN" dirty="0"/>
+          </a:p>
+          <a:p>
+            <a:pPr lvl="3"/>
+            <a:endParaRPr kumimoji="1" lang="en-US" altLang="zh-CN" dirty="0"/>
+          </a:p>
+        </p:txBody>
+      </p:sp>
+      <p:pic>
+        <p:nvPicPr>
+          <p:cNvPr id="3" name="图片 2">
+            <a:extLst>
+              <a:ext uri="{FF2B5EF4-FFF2-40B4-BE49-F238E27FC236}">
+                <a16:creationId xmlns:a16="http://schemas.microsoft.com/office/drawing/2014/main" id="{6BCEFF29-A576-DB4E-BCC5-F65EFE04171D}"/>
+              </a:ext>
+            </a:extLst>
+          </p:cNvPr>
+          <p:cNvPicPr>
+            <a:picLocks noChangeAspect="1"/>
+          </p:cNvPicPr>
+          <p:nvPr/>
+        </p:nvPicPr>
+        <p:blipFill>
+          <a:blip r:embed="rId5"/>
+          <a:stretch>
+            <a:fillRect/>
+          </a:stretch>
+        </p:blipFill>
+        <p:spPr>
+          <a:xfrm>
+            <a:off x="2349500" y="2029784"/>
+            <a:ext cx="2438400" cy="635000"/>
+          </a:xfrm>
+          <a:prstGeom prst="rect">
+            <a:avLst/>
+          </a:prstGeom>
+        </p:spPr>
+      </p:pic>
+      <p:pic>
+        <p:nvPicPr>
+          <p:cNvPr id="5" name="图片 4">
+            <a:extLst>
+              <a:ext uri="{FF2B5EF4-FFF2-40B4-BE49-F238E27FC236}">
+                <a16:creationId xmlns:a16="http://schemas.microsoft.com/office/drawing/2014/main" id="{31C6E88D-46E6-AA46-BE46-2E73E3F28FB6}"/>
+              </a:ext>
+            </a:extLst>
+          </p:cNvPr>
+          <p:cNvPicPr>
+            <a:picLocks noChangeAspect="1"/>
+          </p:cNvPicPr>
+          <p:nvPr/>
+        </p:nvPicPr>
+        <p:blipFill>
+          <a:blip r:embed="rId6"/>
+          <a:stretch>
+            <a:fillRect/>
+          </a:stretch>
+        </p:blipFill>
+        <p:spPr>
+          <a:xfrm>
+            <a:off x="5562600" y="2029784"/>
+            <a:ext cx="2209800" cy="787400"/>
+          </a:xfrm>
+          <a:prstGeom prst="rect">
+            <a:avLst/>
+          </a:prstGeom>
+        </p:spPr>
+      </p:pic>
+      <p:sp>
+        <p:nvSpPr>
+          <p:cNvPr id="7" name="文本框 6">
+            <a:extLst>
+              <a:ext uri="{FF2B5EF4-FFF2-40B4-BE49-F238E27FC236}">
+                <a16:creationId xmlns:a16="http://schemas.microsoft.com/office/drawing/2014/main" id="{05D6609B-C9B6-9D42-A3DA-DE714B4CFEB1}"/>
+              </a:ext>
+            </a:extLst>
+          </p:cNvPr>
+          <p:cNvSpPr txBox="1"/>
+          <p:nvPr/>
+        </p:nvSpPr>
+        <p:spPr>
+          <a:xfrm>
+            <a:off x="1086522" y="3340100"/>
+            <a:ext cx="7485978" cy="923330"/>
+          </a:xfrm>
+          <a:prstGeom prst="rect">
+            <a:avLst/>
+          </a:prstGeom>
+          <a:noFill/>
+        </p:spPr>
+        <p:txBody>
+          <a:bodyPr wrap="square" rtlCol="0">
+            <a:spAutoFit/>
+          </a:bodyPr>
+          <a:lstStyle/>
+          <a:p>
+            <a:pPr marL="285750" indent="-285750">
+              <a:buFont typeface="Arial" panose="020B0604020202020204" pitchFamily="34" charset="0"/>
+              <a:buChar char="•"/>
+            </a:pPr>
+            <a:r>
+              <a:rPr kumimoji="1" lang="en-US" altLang="zh-CN" dirty="0"/>
+              <a:t>2.</a:t>
+            </a:r>
+            <a:r>
+              <a:rPr kumimoji="1" lang="zh-CN" altLang="en-US" dirty="0"/>
+              <a:t>不需要</a:t>
+            </a:r>
+            <a:r>
+              <a:rPr kumimoji="1" lang="en-US" altLang="zh-CN" dirty="0"/>
+              <a:t>new:</a:t>
+            </a:r>
+            <a:r>
+              <a:rPr kumimoji="1" lang="zh-CN" altLang="en-US" dirty="0"/>
+              <a:t>声明对象不需要</a:t>
+            </a:r>
+            <a:r>
+              <a:rPr kumimoji="1" lang="en-US" altLang="zh-CN" dirty="0"/>
+              <a:t>new  </a:t>
+            </a:r>
+            <a:r>
+              <a:rPr kumimoji="1" lang="zh-CN" altLang="en-US" dirty="0"/>
+              <a:t>默认所有变量自带</a:t>
+            </a:r>
+            <a:r>
+              <a:rPr kumimoji="1" lang="en-US" altLang="zh-CN" dirty="0"/>
+              <a:t>getter</a:t>
+            </a:r>
+            <a:r>
+              <a:rPr kumimoji="1" lang="zh-CN" altLang="en-US" dirty="0"/>
+              <a:t>、</a:t>
+            </a:r>
+            <a:r>
+              <a:rPr kumimoji="1" lang="en-US" altLang="zh-CN" dirty="0"/>
+              <a:t>setter</a:t>
+            </a:r>
+            <a:r>
+              <a:rPr kumimoji="1" lang="zh-CN" altLang="en-US" dirty="0"/>
+              <a:t>方法，不必再写，以成员变量的方式访问</a:t>
+            </a:r>
+            <a:r>
+              <a:rPr kumimoji="1" lang="en-US" altLang="zh-CN" dirty="0"/>
+              <a:t>,</a:t>
+            </a:r>
+          </a:p>
+          <a:p>
+            <a:endParaRPr kumimoji="1" lang="zh-CN" altLang="en-US" dirty="0"/>
+          </a:p>
+        </p:txBody>
+      </p:sp>
+      <p:pic>
+        <p:nvPicPr>
+          <p:cNvPr id="11" name="图片 10">
+            <a:extLst>
+              <a:ext uri="{FF2B5EF4-FFF2-40B4-BE49-F238E27FC236}">
+                <a16:creationId xmlns:a16="http://schemas.microsoft.com/office/drawing/2014/main" id="{15D2ABD0-F266-F244-AC1F-4A4CC8FC4491}"/>
+              </a:ext>
+            </a:extLst>
+          </p:cNvPr>
+          <p:cNvPicPr>
+            <a:picLocks noChangeAspect="1"/>
+          </p:cNvPicPr>
+          <p:nvPr/>
+        </p:nvPicPr>
+        <p:blipFill>
+          <a:blip r:embed="rId7"/>
+          <a:stretch>
+            <a:fillRect/>
+          </a:stretch>
+        </p:blipFill>
+        <p:spPr>
+          <a:xfrm>
+            <a:off x="2911811" y="4481546"/>
+            <a:ext cx="3835400" cy="609600"/>
+          </a:xfrm>
+          <a:prstGeom prst="rect">
+            <a:avLst/>
+          </a:prstGeom>
+        </p:spPr>
+      </p:pic>
+    </p:spTree>
+    <p:extLst>
+      <p:ext uri="{BB962C8B-B14F-4D97-AF65-F5344CB8AC3E}">
+        <p14:creationId xmlns:p14="http://schemas.microsoft.com/office/powerpoint/2010/main" val="1213443336"/>
+      </p:ext>
+    </p:extLst>
+  </p:cSld>
+  <p:clrMapOvr>
+    <a:masterClrMapping/>
+  </p:clrMapOvr>
+  <p:timing>
+    <p:tnLst>
+      <p:par>
+        <p:cTn id="1" dur="indefinite" restart="never" nodeType="tmRoot">
+          <p:childTnLst>
+            <p:seq concurrent="1" nextAc="seek">
+              <p:cTn id="2" dur="indefinite" nodeType="mainSeq">
+                <p:childTnLst>
+                  <p:par>
+                    <p:cTn id="3" fill="hold">
+                      <p:stCondLst>
+                        <p:cond delay="indefinite"/>
+                      </p:stCondLst>
+                      <p:childTnLst>
+                        <p:par>
+                          <p:cTn id="4" fill="hold">
+                            <p:stCondLst>
+                              <p:cond delay="0"/>
+                            </p:stCondLst>
+                            <p:childTnLst>
+                              <p:par>
+                                <p:cTn id="5" presetID="1" presetClass="entr" presetSubtype="0" fill="hold" grpId="0" nodeType="clickEffect">
+                                  <p:stCondLst>
+                                    <p:cond delay="0"/>
+                                  </p:stCondLst>
+                                  <p:childTnLst>
+                                    <p:set>
+                                      <p:cBhvr>
+                                        <p:cTn id="6" dur="1" fill="hold">
+                                          <p:stCondLst>
+                                            <p:cond delay="0"/>
+                                          </p:stCondLst>
+                                        </p:cTn>
+                                        <p:tgtEl>
+                                          <p:spTgt spid="2"/>
+                                        </p:tgtEl>
+                                        <p:attrNameLst>
+                                          <p:attrName>style.visibility</p:attrName>
+                                        </p:attrNameLst>
+                                      </p:cBhvr>
+                                      <p:to>
+                                        <p:strVal val="visible"/>
+                                      </p:to>
+                                    </p:set>
+                                  </p:childTnLst>
+                                </p:cTn>
+                              </p:par>
+                            </p:childTnLst>
+                          </p:cTn>
+                        </p:par>
+                      </p:childTnLst>
+                    </p:cTn>
+                  </p:par>
+                  <p:par>
+                    <p:cTn id="7" fill="hold">
+                      <p:stCondLst>
+                        <p:cond delay="indefinite"/>
+                      </p:stCondLst>
+                      <p:childTnLst>
+                        <p:par>
+                          <p:cTn id="8" fill="hold">
+                            <p:stCondLst>
+                              <p:cond delay="0"/>
+                            </p:stCondLst>
+                            <p:childTnLst>
+                              <p:par>
+                                <p:cTn id="9" presetID="1" presetClass="entr" presetSubtype="0" fill="hold" nodeType="clickEffect">
+                                  <p:stCondLst>
+                                    <p:cond delay="0"/>
+                                  </p:stCondLst>
+                                  <p:childTnLst>
+                                    <p:set>
+                                      <p:cBhvr>
+                                        <p:cTn id="10" dur="1" fill="hold">
+                                          <p:stCondLst>
+                                            <p:cond delay="0"/>
+                                          </p:stCondLst>
+                                        </p:cTn>
+                                        <p:tgtEl>
+                                          <p:spTgt spid="3"/>
+                                        </p:tgtEl>
+                                        <p:attrNameLst>
+                                          <p:attrName>style.visibility</p:attrName>
+                                        </p:attrNameLst>
+                                      </p:cBhvr>
+                                      <p:to>
+                                        <p:strVal val="visible"/>
+                                      </p:to>
+                                    </p:set>
+                                  </p:childTnLst>
+                                </p:cTn>
+                              </p:par>
+                              <p:par>
+                                <p:cTn id="11" presetID="1" presetClass="entr" presetSubtype="0" fill="hold" nodeType="withEffect">
+                                  <p:stCondLst>
+                                    <p:cond delay="0"/>
+                                  </p:stCondLst>
+                                  <p:childTnLst>
+                                    <p:set>
+                                      <p:cBhvr>
+                                        <p:cTn id="12" dur="1" fill="hold">
+                                          <p:stCondLst>
+                                            <p:cond delay="0"/>
+                                          </p:stCondLst>
+                                        </p:cTn>
+                                        <p:tgtEl>
+                                          <p:spTgt spid="5"/>
+                                        </p:tgtEl>
+                                        <p:attrNameLst>
+                                          <p:attrName>style.visibility</p:attrName>
+                                        </p:attrNameLst>
+                                      </p:cBhvr>
+                                      <p:to>
+                                        <p:strVal val="visible"/>
+                                      </p:to>
+                                    </p:set>
+                                  </p:childTnLst>
+                                </p:cTn>
+                              </p:par>
+                            </p:childTnLst>
+                          </p:cTn>
+                        </p:par>
+                      </p:childTnLst>
+                    </p:cTn>
+                  </p:par>
+                  <p:par>
+                    <p:cTn id="13" fill="hold">
+                      <p:stCondLst>
+                        <p:cond delay="indefinite"/>
+                      </p:stCondLst>
+                      <p:childTnLst>
+                        <p:par>
+                          <p:cTn id="14" fill="hold">
+                            <p:stCondLst>
+                              <p:cond delay="0"/>
+                            </p:stCondLst>
+                            <p:childTnLst>
+                              <p:par>
+                                <p:cTn id="15" presetID="1" presetClass="entr" presetSubtype="0" fill="hold" grpId="0" nodeType="clickEffect">
+                                  <p:stCondLst>
+                                    <p:cond delay="0"/>
+                                  </p:stCondLst>
+                                  <p:childTnLst>
+                                    <p:set>
+                                      <p:cBhvr>
+                                        <p:cTn id="16" dur="1" fill="hold">
+                                          <p:stCondLst>
+                                            <p:cond delay="0"/>
+                                          </p:stCondLst>
+                                        </p:cTn>
+                                        <p:tgtEl>
+                                          <p:spTgt spid="7"/>
+                                        </p:tgtEl>
+                                        <p:attrNameLst>
+                                          <p:attrName>style.visibility</p:attrName>
+                                        </p:attrNameLst>
+                                      </p:cBhvr>
+                                      <p:to>
+                                        <p:strVal val="visible"/>
+                                      </p:to>
+                                    </p:set>
+                                  </p:childTnLst>
+                                </p:cTn>
+                              </p:par>
+                            </p:childTnLst>
+                          </p:cTn>
+                        </p:par>
+                      </p:childTnLst>
+                    </p:cTn>
+                  </p:par>
+                  <p:par>
+                    <p:cTn id="17" fill="hold">
+                      <p:stCondLst>
+                        <p:cond delay="indefinite"/>
+                      </p:stCondLst>
+                      <p:childTnLst>
+                        <p:par>
+                          <p:cTn id="18" fill="hold">
+                            <p:stCondLst>
+                              <p:cond delay="0"/>
+                            </p:stCondLst>
+                            <p:childTnLst>
+                              <p:par>
+                                <p:cTn id="19" presetID="1" presetClass="entr" presetSubtype="0" fill="hold" nodeType="clickEffect">
+                                  <p:stCondLst>
+                                    <p:cond delay="0"/>
+                                  </p:stCondLst>
+                                  <p:childTnLst>
+                                    <p:set>
+                                      <p:cBhvr>
+                                        <p:cTn id="20" dur="1" fill="hold">
+                                          <p:stCondLst>
+                                            <p:cond delay="0"/>
+                                          </p:stCondLst>
+                                        </p:cTn>
+                                        <p:tgtEl>
+                                          <p:spTgt spid="11"/>
+                                        </p:tgtEl>
+                                        <p:attrNameLst>
+                                          <p:attrName>style.visibility</p:attrName>
+                                        </p:attrNameLst>
+                                      </p:cBhvr>
+                                      <p:to>
+                                        <p:strVal val="visible"/>
+                                      </p:to>
+                                    </p:set>
+                                  </p:childTnLst>
+                                </p:cTn>
+                              </p:par>
+                            </p:childTnLst>
+                          </p:cTn>
+                        </p:par>
+                      </p:childTnLst>
+                    </p:cTn>
+                  </p:par>
+                </p:childTnLst>
+              </p:cTn>
+              <p:prevCondLst>
+                <p:cond evt="onPrev" delay="0">
+                  <p:tgtEl>
+                    <p:sldTgt/>
+                  </p:tgtEl>
+                </p:cond>
+              </p:prevCondLst>
+              <p:nextCondLst>
+                <p:cond evt="onNext" delay="0">
+                  <p:tgtEl>
+                    <p:sldTgt/>
+                  </p:tgtEl>
+                </p:cond>
+              </p:nextCondLst>
+            </p:seq>
+          </p:childTnLst>
+        </p:cTn>
+      </p:par>
+    </p:tnLst>
+    <p:bldLst>
+      <p:bldP spid="2" grpId="0"/>
+      <p:bldP spid="7" grpId="0"/>
+    </p:bldLst>
+  </p:timing>
+</p:sld>
+</file>
+
+<file path=ppt/slides/slide11.xml><?xml version="1.0" encoding="utf-8"?>
+<p:sld xmlns:a="http://schemas.openxmlformats.org/drawingml/2006/main" xmlns:r="http://schemas.openxmlformats.org/officeDocument/2006/relationships" xmlns:p="http://schemas.openxmlformats.org/presentationml/2006/main">
+  <p:cSld>
+    <p:spTree>
+      <p:nvGrpSpPr>
+        <p:cNvPr id="1" name=""/>
+        <p:cNvGrpSpPr/>
+        <p:nvPr/>
+      </p:nvGrpSpPr>
+      <p:grpSpPr>
+        <a:xfrm>
+          <a:off x="0" y="0"/>
+          <a:ext cx="0" cy="0"/>
+          <a:chOff x="0" y="0"/>
+          <a:chExt cx="0" cy="0"/>
+        </a:xfrm>
+      </p:grpSpPr>
+      <p:sp>
+        <p:nvSpPr>
+          <p:cNvPr id="6" name="文本占位符 5"/>
+          <p:cNvSpPr>
+            <a:spLocks noGrp="1"/>
+          </p:cNvSpPr>
+          <p:nvPr>
+            <p:ph type="body" sz="quarter" idx="15"/>
+          </p:nvPr>
+        </p:nvSpPr>
+        <p:spPr/>
+        <p:txBody>
+          <a:bodyPr/>
+          <a:lstStyle/>
+          <a:p>
+            <a:endParaRPr lang="zh-CN" altLang="en-US">
+              <a:latin typeface="+mn-lt"/>
+              <a:ea typeface="+mn-ea"/>
+              <a:cs typeface="+mn-ea"/>
+              <a:sym typeface="+mn-lt"/>
+            </a:endParaRPr>
+          </a:p>
+        </p:txBody>
+      </p:sp>
+      <p:pic>
+        <p:nvPicPr>
+          <p:cNvPr id="16" name="图片 15"/>
+          <p:cNvPicPr>
+            <a:picLocks noChangeAspect="1"/>
+          </p:cNvPicPr>
+          <p:nvPr/>
+        </p:nvPicPr>
+        <p:blipFill>
+          <a:blip r:embed="rId3" cstate="print">
+            <a:extLst>
+              <a:ext uri="{28A0092B-C50C-407E-A947-70E740481C1C}">
+                <a14:useLocalDpi xmlns:a14="http://schemas.microsoft.com/office/drawing/2010/main" val="0"/>
+              </a:ext>
+            </a:extLst>
+          </a:blip>
+          <a:stretch>
+            <a:fillRect/>
+          </a:stretch>
+        </p:blipFill>
+        <p:spPr>
+          <a:xfrm>
+            <a:off x="0" y="0"/>
+            <a:ext cx="1086522" cy="1187456"/>
+          </a:xfrm>
+          <a:prstGeom prst="rect">
+            <a:avLst/>
+          </a:prstGeom>
+        </p:spPr>
+      </p:pic>
+      <p:pic>
+        <p:nvPicPr>
+          <p:cNvPr id="20" name="内容占位符 7"/>
+          <p:cNvPicPr>
+            <a:picLocks noChangeAspect="1"/>
+          </p:cNvPicPr>
+          <p:nvPr/>
+        </p:nvPicPr>
+        <p:blipFill>
+          <a:blip r:embed="rId4" cstate="print">
+            <a:extLst>
+              <a:ext uri="{28A0092B-C50C-407E-A947-70E740481C1C}">
+                <a14:useLocalDpi xmlns:a14="http://schemas.microsoft.com/office/drawing/2010/main" val="0"/>
+              </a:ext>
+            </a:extLst>
+          </a:blip>
+          <a:stretch>
+            <a:fillRect/>
+          </a:stretch>
+        </p:blipFill>
+        <p:spPr>
+          <a:xfrm>
+            <a:off x="11733261" y="6299200"/>
+            <a:ext cx="458739" cy="558800"/>
+          </a:xfrm>
+          <a:prstGeom prst="rect">
+            <a:avLst/>
+          </a:prstGeom>
+        </p:spPr>
+      </p:pic>
+      <p:sp>
+        <p:nvSpPr>
+          <p:cNvPr id="21" name="文本占位符 6"/>
+          <p:cNvSpPr>
+            <a:spLocks noGrp="1"/>
+          </p:cNvSpPr>
+          <p:nvPr/>
+        </p:nvSpPr>
+        <p:spPr>
+          <a:xfrm>
+            <a:off x="996315" y="268605"/>
+            <a:ext cx="10861675" cy="436880"/>
+          </a:xfrm>
+          <a:prstGeom prst="rect">
+            <a:avLst/>
+          </a:prstGeom>
+        </p:spPr>
+        <p:txBody>
+          <a:bodyPr vert="horz" lIns="91440" tIns="45720" rIns="91440" bIns="45720" rtlCol="0">
+            <a:noAutofit/>
+          </a:bodyPr>
+          <a:lstStyle>
+            <a:lvl1pPr marL="0" indent="0" algn="l" defTabSz="914400" rtl="0" eaLnBrk="1" latinLnBrk="0" hangingPunct="1">
+              <a:lnSpc>
+                <a:spcPct val="90000"/>
+              </a:lnSpc>
+              <a:spcBef>
+                <a:spcPts val="1000"/>
+              </a:spcBef>
+              <a:buFont typeface="Arial" panose="020B0604020202020204" pitchFamily="34" charset="0"/>
+              <a:buNone/>
+              <a:defRPr sz="2800" b="1" kern="1200" baseline="0">
+                <a:solidFill>
+                  <a:srgbClr val="3EB397"/>
+                </a:solidFill>
+                <a:latin typeface="微软雅黑" panose="020B0503020204020204" charset="-122"/>
+                <a:ea typeface="微软雅黑" panose="020B0503020204020204" charset="-122"/>
+                <a:cs typeface="+mn-cs"/>
+              </a:defRPr>
+            </a:lvl1pPr>
+            <a:lvl2pPr marL="685800" indent="-228600" algn="l" defTabSz="914400" rtl="0" eaLnBrk="1" latinLnBrk="0" hangingPunct="1">
+              <a:lnSpc>
+                <a:spcPct val="90000"/>
+              </a:lnSpc>
+              <a:spcBef>
+                <a:spcPts val="500"/>
+              </a:spcBef>
+              <a:buFont typeface="Arial" panose="020B0604020202020204" pitchFamily="34" charset="0"/>
+              <a:buChar char="•"/>
+              <a:defRPr sz="2400" kern="1200">
+                <a:solidFill>
+                  <a:schemeClr val="tx1"/>
+                </a:solidFill>
+                <a:latin typeface="+mn-lt"/>
+                <a:ea typeface="+mn-ea"/>
+                <a:cs typeface="+mn-cs"/>
+              </a:defRPr>
+            </a:lvl2pPr>
+            <a:lvl3pPr marL="1143000" indent="-228600" algn="l" defTabSz="914400" rtl="0" eaLnBrk="1" latinLnBrk="0" hangingPunct="1">
+              <a:lnSpc>
+                <a:spcPct val="90000"/>
+              </a:lnSpc>
+              <a:spcBef>
+                <a:spcPts val="500"/>
+              </a:spcBef>
+              <a:buFont typeface="Arial" panose="020B0604020202020204" pitchFamily="34" charset="0"/>
+              <a:buChar char="•"/>
+              <a:defRPr sz="2000" kern="1200">
+                <a:solidFill>
+                  <a:schemeClr val="tx1"/>
+                </a:solidFill>
+                <a:latin typeface="+mn-lt"/>
+                <a:ea typeface="+mn-ea"/>
+                <a:cs typeface="+mn-cs"/>
+              </a:defRPr>
+            </a:lvl3pPr>
+            <a:lvl4pPr marL="1600200" indent="-228600" algn="l" defTabSz="914400" rtl="0" eaLnBrk="1" latinLnBrk="0" hangingPunct="1">
+              <a:lnSpc>
+                <a:spcPct val="90000"/>
+              </a:lnSpc>
+              <a:spcBef>
+                <a:spcPts val="500"/>
+              </a:spcBef>
+              <a:buFont typeface="Arial" panose="020B0604020202020204" pitchFamily="34" charset="0"/>
+              <a:buChar char="•"/>
+              <a:defRPr sz="1800" kern="1200">
+                <a:solidFill>
+                  <a:schemeClr val="tx1"/>
+                </a:solidFill>
+                <a:latin typeface="+mn-lt"/>
+                <a:ea typeface="+mn-ea"/>
+                <a:cs typeface="+mn-cs"/>
+              </a:defRPr>
+            </a:lvl4pPr>
+            <a:lvl5pPr marL="2057400" indent="-228600" algn="l" defTabSz="914400" rtl="0" eaLnBrk="1" latinLnBrk="0" hangingPunct="1">
+              <a:lnSpc>
+                <a:spcPct val="90000"/>
+              </a:lnSpc>
+              <a:spcBef>
+                <a:spcPts val="500"/>
+              </a:spcBef>
+              <a:buFont typeface="Arial" panose="020B0604020202020204" pitchFamily="34" charset="0"/>
+              <a:buChar char="•"/>
+              <a:defRPr sz="1800" kern="1200">
+                <a:solidFill>
+                  <a:schemeClr val="tx1"/>
+                </a:solidFill>
+                <a:latin typeface="+mn-lt"/>
+                <a:ea typeface="+mn-ea"/>
+                <a:cs typeface="+mn-cs"/>
+              </a:defRPr>
+            </a:lvl5pPr>
+            <a:lvl6pPr marL="2514600" indent="-228600" algn="l" defTabSz="914400" rtl="0" eaLnBrk="1" latinLnBrk="0" hangingPunct="1">
+              <a:lnSpc>
+                <a:spcPct val="90000"/>
+              </a:lnSpc>
+              <a:spcBef>
+                <a:spcPts val="500"/>
+              </a:spcBef>
+              <a:buFont typeface="Arial" panose="020B0604020202020204" pitchFamily="34" charset="0"/>
+              <a:buChar char="•"/>
+              <a:defRPr sz="1800" kern="1200">
+                <a:solidFill>
+                  <a:schemeClr val="tx1"/>
+                </a:solidFill>
+                <a:latin typeface="+mn-lt"/>
+                <a:ea typeface="+mn-ea"/>
+                <a:cs typeface="+mn-cs"/>
+              </a:defRPr>
+            </a:lvl6pPr>
+            <a:lvl7pPr marL="2971800" indent="-228600" algn="l" defTabSz="914400" rtl="0" eaLnBrk="1" latinLnBrk="0" hangingPunct="1">
+              <a:lnSpc>
+                <a:spcPct val="90000"/>
+              </a:lnSpc>
+              <a:spcBef>
+                <a:spcPts val="500"/>
+              </a:spcBef>
+              <a:buFont typeface="Arial" panose="020B0604020202020204" pitchFamily="34" charset="0"/>
+              <a:buChar char="•"/>
+              <a:defRPr sz="1800" kern="1200">
+                <a:solidFill>
+                  <a:schemeClr val="tx1"/>
+                </a:solidFill>
+                <a:latin typeface="+mn-lt"/>
+                <a:ea typeface="+mn-ea"/>
+                <a:cs typeface="+mn-cs"/>
+              </a:defRPr>
+            </a:lvl7pPr>
+            <a:lvl8pPr marL="3429000" indent="-228600" algn="l" defTabSz="914400" rtl="0" eaLnBrk="1" latinLnBrk="0" hangingPunct="1">
+              <a:lnSpc>
+                <a:spcPct val="90000"/>
+              </a:lnSpc>
+              <a:spcBef>
+                <a:spcPts val="500"/>
+              </a:spcBef>
+              <a:buFont typeface="Arial" panose="020B0604020202020204" pitchFamily="34" charset="0"/>
+              <a:buChar char="•"/>
+              <a:defRPr sz="1800" kern="1200">
+                <a:solidFill>
+                  <a:schemeClr val="tx1"/>
+                </a:solidFill>
+                <a:latin typeface="+mn-lt"/>
+                <a:ea typeface="+mn-ea"/>
+                <a:cs typeface="+mn-cs"/>
+              </a:defRPr>
+            </a:lvl8pPr>
+            <a:lvl9pPr marL="3886200" indent="-228600" algn="l" defTabSz="914400" rtl="0" eaLnBrk="1" latinLnBrk="0" hangingPunct="1">
+              <a:lnSpc>
+                <a:spcPct val="90000"/>
+              </a:lnSpc>
+              <a:spcBef>
+                <a:spcPts val="500"/>
+              </a:spcBef>
+              <a:buFont typeface="Arial" panose="020B0604020202020204" pitchFamily="34" charset="0"/>
+              <a:buChar char="•"/>
+              <a:defRPr sz="1800" kern="1200">
+                <a:solidFill>
+                  <a:schemeClr val="tx1"/>
+                </a:solidFill>
+                <a:latin typeface="+mn-lt"/>
+                <a:ea typeface="+mn-ea"/>
+                <a:cs typeface="+mn-cs"/>
+              </a:defRPr>
+            </a:lvl9pPr>
+          </a:lstStyle>
+          <a:p>
+            <a:r>
+              <a:rPr lang="zh-CN" altLang="en-US" sz="2400" dirty="0">
+                <a:solidFill>
+                  <a:srgbClr val="5F5D70"/>
+                </a:solidFill>
+                <a:latin typeface="+mn-lt"/>
+                <a:ea typeface="+mn-ea"/>
+                <a:cs typeface="+mn-ea"/>
+                <a:sym typeface="+mn-lt"/>
+              </a:rPr>
+              <a:t>语法速览</a:t>
+            </a:r>
+          </a:p>
+        </p:txBody>
+      </p:sp>
+      <p:sp>
+        <p:nvSpPr>
+          <p:cNvPr id="7" name="文本框 6">
+            <a:extLst>
+              <a:ext uri="{FF2B5EF4-FFF2-40B4-BE49-F238E27FC236}">
+                <a16:creationId xmlns:a16="http://schemas.microsoft.com/office/drawing/2014/main" id="{05D6609B-C9B6-9D42-A3DA-DE714B4CFEB1}"/>
+              </a:ext>
+            </a:extLst>
+          </p:cNvPr>
+          <p:cNvSpPr txBox="1"/>
+          <p:nvPr/>
+        </p:nvSpPr>
+        <p:spPr>
+          <a:xfrm>
+            <a:off x="1086522" y="1392149"/>
+            <a:ext cx="7485978" cy="923330"/>
+          </a:xfrm>
+          <a:prstGeom prst="rect">
+            <a:avLst/>
+          </a:prstGeom>
+          <a:noFill/>
+        </p:spPr>
+        <p:txBody>
+          <a:bodyPr wrap="square" rtlCol="0">
+            <a:spAutoFit/>
+          </a:bodyPr>
+          <a:lstStyle/>
+          <a:p>
+            <a:pPr marL="285750" indent="-285750">
+              <a:buFont typeface="Arial" panose="020B0604020202020204" pitchFamily="34" charset="0"/>
+              <a:buChar char="•"/>
+            </a:pPr>
+            <a:r>
+              <a:rPr kumimoji="1" lang="en-US" altLang="zh-CN" dirty="0"/>
+              <a:t>3.</a:t>
+            </a:r>
+            <a:r>
+              <a:rPr kumimoji="1" lang="zh-CN" altLang="en-US" dirty="0"/>
+              <a:t>伴生对象</a:t>
+            </a:r>
+            <a:r>
+              <a:rPr kumimoji="1" lang="en-US" altLang="zh-CN" dirty="0"/>
+              <a:t>:</a:t>
+            </a:r>
+            <a:r>
+              <a:rPr kumimoji="1" lang="zh-CN" altLang="en-US" dirty="0"/>
+              <a:t>没有</a:t>
+            </a:r>
+            <a:r>
+              <a:rPr kumimoji="1" lang="en-US" altLang="zh-CN" dirty="0"/>
+              <a:t>Java</a:t>
+            </a:r>
+            <a:r>
+              <a:rPr kumimoji="1" lang="zh-CN" altLang="en-US" dirty="0"/>
+              <a:t>中的静态变量用法，取而代之的是伴生对象</a:t>
+            </a:r>
+          </a:p>
+          <a:p>
+            <a:endParaRPr kumimoji="1" lang="en-US" altLang="zh-CN" dirty="0"/>
+          </a:p>
+          <a:p>
+            <a:endParaRPr kumimoji="1" lang="zh-CN" altLang="en-US" dirty="0"/>
+          </a:p>
+        </p:txBody>
+      </p:sp>
+      <p:pic>
+        <p:nvPicPr>
+          <p:cNvPr id="12" name="图片 11">
+            <a:extLst>
+              <a:ext uri="{FF2B5EF4-FFF2-40B4-BE49-F238E27FC236}">
+                <a16:creationId xmlns:a16="http://schemas.microsoft.com/office/drawing/2014/main" id="{C5D7D63C-0FD2-FE48-9DF7-013A37507A7E}"/>
+              </a:ext>
+            </a:extLst>
+          </p:cNvPr>
+          <p:cNvPicPr>
+            <a:picLocks noChangeAspect="1"/>
+          </p:cNvPicPr>
+          <p:nvPr/>
+        </p:nvPicPr>
+        <p:blipFill>
+          <a:blip r:embed="rId5"/>
+          <a:stretch>
+            <a:fillRect/>
+          </a:stretch>
+        </p:blipFill>
+        <p:spPr>
+          <a:xfrm>
+            <a:off x="3010664" y="2090351"/>
+            <a:ext cx="3886200" cy="1295400"/>
+          </a:xfrm>
+          <a:prstGeom prst="rect">
+            <a:avLst/>
+          </a:prstGeom>
+        </p:spPr>
+      </p:pic>
+      <p:pic>
+        <p:nvPicPr>
+          <p:cNvPr id="13" name="图片 12">
+            <a:extLst>
+              <a:ext uri="{FF2B5EF4-FFF2-40B4-BE49-F238E27FC236}">
+                <a16:creationId xmlns:a16="http://schemas.microsoft.com/office/drawing/2014/main" id="{E9621280-D1E9-CB40-8E2C-26830A832090}"/>
+              </a:ext>
+            </a:extLst>
+          </p:cNvPr>
+          <p:cNvPicPr>
+            <a:picLocks noChangeAspect="1"/>
+          </p:cNvPicPr>
+          <p:nvPr/>
+        </p:nvPicPr>
+        <p:blipFill>
+          <a:blip r:embed="rId6"/>
+          <a:stretch>
+            <a:fillRect/>
+          </a:stretch>
+        </p:blipFill>
+        <p:spPr>
+          <a:xfrm>
+            <a:off x="3010664" y="3932922"/>
+            <a:ext cx="3835400" cy="609600"/>
+          </a:xfrm>
+          <a:prstGeom prst="rect">
+            <a:avLst/>
+          </a:prstGeom>
+        </p:spPr>
+      </p:pic>
+    </p:spTree>
+    <p:extLst>
+      <p:ext uri="{BB962C8B-B14F-4D97-AF65-F5344CB8AC3E}">
+        <p14:creationId xmlns:p14="http://schemas.microsoft.com/office/powerpoint/2010/main" val="248939523"/>
+      </p:ext>
+    </p:extLst>
+  </p:cSld>
+  <p:clrMapOvr>
+    <a:masterClrMapping/>
+  </p:clrMapOvr>
+</p:sld>
+</file>
+
+<file path=ppt/slides/slide12.xml><?xml version="1.0" encoding="utf-8"?>
+<p:sld xmlns:a="http://schemas.openxmlformats.org/drawingml/2006/main" xmlns:r="http://schemas.openxmlformats.org/officeDocument/2006/relationships" xmlns:p="http://schemas.openxmlformats.org/presentationml/2006/main">
+  <p:cSld>
+    <p:spTree>
+      <p:nvGrpSpPr>
+        <p:cNvPr id="1" name=""/>
+        <p:cNvGrpSpPr/>
+        <p:nvPr/>
+      </p:nvGrpSpPr>
+      <p:grpSpPr>
+        <a:xfrm>
+          <a:off x="0" y="0"/>
+          <a:ext cx="0" cy="0"/>
+          <a:chOff x="0" y="0"/>
+          <a:chExt cx="0" cy="0"/>
+        </a:xfrm>
+      </p:grpSpPr>
+      <p:sp>
+        <p:nvSpPr>
+          <p:cNvPr id="6" name="文本占位符 5"/>
+          <p:cNvSpPr>
+            <a:spLocks noGrp="1"/>
+          </p:cNvSpPr>
+          <p:nvPr>
+            <p:ph type="body" sz="quarter" idx="15"/>
+          </p:nvPr>
+        </p:nvSpPr>
+        <p:spPr/>
+        <p:txBody>
+          <a:bodyPr/>
+          <a:lstStyle/>
+          <a:p>
+            <a:endParaRPr lang="zh-CN" altLang="en-US">
+              <a:latin typeface="+mn-lt"/>
+              <a:ea typeface="+mn-ea"/>
+              <a:cs typeface="+mn-ea"/>
+              <a:sym typeface="+mn-lt"/>
+            </a:endParaRPr>
+          </a:p>
+        </p:txBody>
+      </p:sp>
+      <p:pic>
+        <p:nvPicPr>
+          <p:cNvPr id="16" name="图片 15"/>
+          <p:cNvPicPr>
+            <a:picLocks noChangeAspect="1"/>
+          </p:cNvPicPr>
+          <p:nvPr/>
+        </p:nvPicPr>
+        <p:blipFill>
+          <a:blip r:embed="rId3" cstate="print">
+            <a:extLst>
+              <a:ext uri="{28A0092B-C50C-407E-A947-70E740481C1C}">
+                <a14:useLocalDpi xmlns:a14="http://schemas.microsoft.com/office/drawing/2010/main" val="0"/>
+              </a:ext>
+            </a:extLst>
+          </a:blip>
+          <a:stretch>
+            <a:fillRect/>
+          </a:stretch>
+        </p:blipFill>
+        <p:spPr>
+          <a:xfrm>
+            <a:off x="0" y="0"/>
+            <a:ext cx="1086522" cy="1187456"/>
+          </a:xfrm>
+          <a:prstGeom prst="rect">
+            <a:avLst/>
+          </a:prstGeom>
+        </p:spPr>
+      </p:pic>
+      <p:pic>
+        <p:nvPicPr>
+          <p:cNvPr id="20" name="内容占位符 7"/>
+          <p:cNvPicPr>
+            <a:picLocks noChangeAspect="1"/>
+          </p:cNvPicPr>
+          <p:nvPr/>
+        </p:nvPicPr>
+        <p:blipFill>
+          <a:blip r:embed="rId4" cstate="print">
+            <a:extLst>
+              <a:ext uri="{28A0092B-C50C-407E-A947-70E740481C1C}">
+                <a14:useLocalDpi xmlns:a14="http://schemas.microsoft.com/office/drawing/2010/main" val="0"/>
+              </a:ext>
+            </a:extLst>
+          </a:blip>
+          <a:stretch>
+            <a:fillRect/>
+          </a:stretch>
+        </p:blipFill>
+        <p:spPr>
+          <a:xfrm>
+            <a:off x="11733261" y="6299200"/>
+            <a:ext cx="458739" cy="558800"/>
+          </a:xfrm>
+          <a:prstGeom prst="rect">
+            <a:avLst/>
+          </a:prstGeom>
+        </p:spPr>
+      </p:pic>
+      <p:sp>
+        <p:nvSpPr>
+          <p:cNvPr id="21" name="文本占位符 6"/>
+          <p:cNvSpPr>
+            <a:spLocks noGrp="1"/>
+          </p:cNvSpPr>
+          <p:nvPr/>
+        </p:nvSpPr>
+        <p:spPr>
+          <a:xfrm>
+            <a:off x="996315" y="268605"/>
+            <a:ext cx="10861675" cy="436880"/>
+          </a:xfrm>
+          <a:prstGeom prst="rect">
+            <a:avLst/>
+          </a:prstGeom>
+        </p:spPr>
+        <p:txBody>
+          <a:bodyPr vert="horz" lIns="91440" tIns="45720" rIns="91440" bIns="45720" rtlCol="0">
+            <a:noAutofit/>
+          </a:bodyPr>
+          <a:lstStyle>
+            <a:lvl1pPr marL="0" indent="0" algn="l" defTabSz="914400" rtl="0" eaLnBrk="1" latinLnBrk="0" hangingPunct="1">
+              <a:lnSpc>
+                <a:spcPct val="90000"/>
+              </a:lnSpc>
+              <a:spcBef>
+                <a:spcPts val="1000"/>
+              </a:spcBef>
+              <a:buFont typeface="Arial" panose="020B0604020202020204" pitchFamily="34" charset="0"/>
+              <a:buNone/>
+              <a:defRPr sz="2800" b="1" kern="1200" baseline="0">
+                <a:solidFill>
+                  <a:srgbClr val="3EB397"/>
+                </a:solidFill>
+                <a:latin typeface="微软雅黑" panose="020B0503020204020204" charset="-122"/>
+                <a:ea typeface="微软雅黑" panose="020B0503020204020204" charset="-122"/>
+                <a:cs typeface="+mn-cs"/>
+              </a:defRPr>
+            </a:lvl1pPr>
+            <a:lvl2pPr marL="685800" indent="-228600" algn="l" defTabSz="914400" rtl="0" eaLnBrk="1" latinLnBrk="0" hangingPunct="1">
+              <a:lnSpc>
+                <a:spcPct val="90000"/>
+              </a:lnSpc>
+              <a:spcBef>
+                <a:spcPts val="500"/>
+              </a:spcBef>
+              <a:buFont typeface="Arial" panose="020B0604020202020204" pitchFamily="34" charset="0"/>
+              <a:buChar char="•"/>
+              <a:defRPr sz="2400" kern="1200">
+                <a:solidFill>
+                  <a:schemeClr val="tx1"/>
+                </a:solidFill>
+                <a:latin typeface="+mn-lt"/>
+                <a:ea typeface="+mn-ea"/>
+                <a:cs typeface="+mn-cs"/>
+              </a:defRPr>
+            </a:lvl2pPr>
+            <a:lvl3pPr marL="1143000" indent="-228600" algn="l" defTabSz="914400" rtl="0" eaLnBrk="1" latinLnBrk="0" hangingPunct="1">
+              <a:lnSpc>
+                <a:spcPct val="90000"/>
+              </a:lnSpc>
+              <a:spcBef>
+                <a:spcPts val="500"/>
+              </a:spcBef>
+              <a:buFont typeface="Arial" panose="020B0604020202020204" pitchFamily="34" charset="0"/>
+              <a:buChar char="•"/>
+              <a:defRPr sz="2000" kern="1200">
+                <a:solidFill>
+                  <a:schemeClr val="tx1"/>
+                </a:solidFill>
+                <a:latin typeface="+mn-lt"/>
+                <a:ea typeface="+mn-ea"/>
+                <a:cs typeface="+mn-cs"/>
+              </a:defRPr>
+            </a:lvl3pPr>
+            <a:lvl4pPr marL="1600200" indent="-228600" algn="l" defTabSz="914400" rtl="0" eaLnBrk="1" latinLnBrk="0" hangingPunct="1">
+              <a:lnSpc>
+                <a:spcPct val="90000"/>
+              </a:lnSpc>
+              <a:spcBef>
+                <a:spcPts val="500"/>
+              </a:spcBef>
+              <a:buFont typeface="Arial" panose="020B0604020202020204" pitchFamily="34" charset="0"/>
+              <a:buChar char="•"/>
+              <a:defRPr sz="1800" kern="1200">
+                <a:solidFill>
+                  <a:schemeClr val="tx1"/>
+                </a:solidFill>
+                <a:latin typeface="+mn-lt"/>
+                <a:ea typeface="+mn-ea"/>
+                <a:cs typeface="+mn-cs"/>
+              </a:defRPr>
+            </a:lvl4pPr>
+            <a:lvl5pPr marL="2057400" indent="-228600" algn="l" defTabSz="914400" rtl="0" eaLnBrk="1" latinLnBrk="0" hangingPunct="1">
+              <a:lnSpc>
+                <a:spcPct val="90000"/>
+              </a:lnSpc>
+              <a:spcBef>
+                <a:spcPts val="500"/>
+              </a:spcBef>
+              <a:buFont typeface="Arial" panose="020B0604020202020204" pitchFamily="34" charset="0"/>
+              <a:buChar char="•"/>
+              <a:defRPr sz="1800" kern="1200">
+                <a:solidFill>
+                  <a:schemeClr val="tx1"/>
+                </a:solidFill>
+                <a:latin typeface="+mn-lt"/>
+                <a:ea typeface="+mn-ea"/>
+                <a:cs typeface="+mn-cs"/>
+              </a:defRPr>
+            </a:lvl5pPr>
+            <a:lvl6pPr marL="2514600" indent="-228600" algn="l" defTabSz="914400" rtl="0" eaLnBrk="1" latinLnBrk="0" hangingPunct="1">
+              <a:lnSpc>
+                <a:spcPct val="90000"/>
+              </a:lnSpc>
+              <a:spcBef>
+                <a:spcPts val="500"/>
+              </a:spcBef>
+              <a:buFont typeface="Arial" panose="020B0604020202020204" pitchFamily="34" charset="0"/>
+              <a:buChar char="•"/>
+              <a:defRPr sz="1800" kern="1200">
+                <a:solidFill>
+                  <a:schemeClr val="tx1"/>
+                </a:solidFill>
+                <a:latin typeface="+mn-lt"/>
+                <a:ea typeface="+mn-ea"/>
+                <a:cs typeface="+mn-cs"/>
+              </a:defRPr>
+            </a:lvl6pPr>
+            <a:lvl7pPr marL="2971800" indent="-228600" algn="l" defTabSz="914400" rtl="0" eaLnBrk="1" latinLnBrk="0" hangingPunct="1">
+              <a:lnSpc>
+                <a:spcPct val="90000"/>
+              </a:lnSpc>
+              <a:spcBef>
+                <a:spcPts val="500"/>
+              </a:spcBef>
+              <a:buFont typeface="Arial" panose="020B0604020202020204" pitchFamily="34" charset="0"/>
+              <a:buChar char="•"/>
+              <a:defRPr sz="1800" kern="1200">
+                <a:solidFill>
+                  <a:schemeClr val="tx1"/>
+                </a:solidFill>
+                <a:latin typeface="+mn-lt"/>
+                <a:ea typeface="+mn-ea"/>
+                <a:cs typeface="+mn-cs"/>
+              </a:defRPr>
+            </a:lvl7pPr>
+            <a:lvl8pPr marL="3429000" indent="-228600" algn="l" defTabSz="914400" rtl="0" eaLnBrk="1" latinLnBrk="0" hangingPunct="1">
+              <a:lnSpc>
+                <a:spcPct val="90000"/>
+              </a:lnSpc>
+              <a:spcBef>
+                <a:spcPts val="500"/>
+              </a:spcBef>
+              <a:buFont typeface="Arial" panose="020B0604020202020204" pitchFamily="34" charset="0"/>
+              <a:buChar char="•"/>
+              <a:defRPr sz="1800" kern="1200">
+                <a:solidFill>
+                  <a:schemeClr val="tx1"/>
+                </a:solidFill>
+                <a:latin typeface="+mn-lt"/>
+                <a:ea typeface="+mn-ea"/>
+                <a:cs typeface="+mn-cs"/>
+              </a:defRPr>
+            </a:lvl8pPr>
+            <a:lvl9pPr marL="3886200" indent="-228600" algn="l" defTabSz="914400" rtl="0" eaLnBrk="1" latinLnBrk="0" hangingPunct="1">
+              <a:lnSpc>
+                <a:spcPct val="90000"/>
+              </a:lnSpc>
+              <a:spcBef>
+                <a:spcPts val="500"/>
+              </a:spcBef>
+              <a:buFont typeface="Arial" panose="020B0604020202020204" pitchFamily="34" charset="0"/>
+              <a:buChar char="•"/>
+              <a:defRPr sz="1800" kern="1200">
+                <a:solidFill>
+                  <a:schemeClr val="tx1"/>
+                </a:solidFill>
+                <a:latin typeface="+mn-lt"/>
+                <a:ea typeface="+mn-ea"/>
+                <a:cs typeface="+mn-cs"/>
+              </a:defRPr>
+            </a:lvl9pPr>
+          </a:lstStyle>
+          <a:p>
+            <a:r>
+              <a:rPr lang="zh-CN" altLang="en-US" sz="2400" dirty="0">
+                <a:solidFill>
+                  <a:srgbClr val="5F5D70"/>
+                </a:solidFill>
+                <a:latin typeface="+mn-lt"/>
+                <a:ea typeface="+mn-ea"/>
+                <a:cs typeface="+mn-ea"/>
+                <a:sym typeface="+mn-lt"/>
+              </a:rPr>
+              <a:t>语法速览</a:t>
+            </a:r>
+          </a:p>
+        </p:txBody>
+      </p:sp>
+      <p:sp>
+        <p:nvSpPr>
+          <p:cNvPr id="2" name="文本框 1">
+            <a:extLst>
+              <a:ext uri="{FF2B5EF4-FFF2-40B4-BE49-F238E27FC236}">
+                <a16:creationId xmlns:a16="http://schemas.microsoft.com/office/drawing/2014/main" id="{B65D59DC-24BF-554C-8126-3C39A8899F95}"/>
+              </a:ext>
+            </a:extLst>
+          </p:cNvPr>
+          <p:cNvSpPr txBox="1"/>
+          <p:nvPr/>
+        </p:nvSpPr>
+        <p:spPr>
+          <a:xfrm>
+            <a:off x="1086522" y="1187456"/>
+            <a:ext cx="7651078" cy="646331"/>
+          </a:xfrm>
+          <a:prstGeom prst="rect">
+            <a:avLst/>
+          </a:prstGeom>
+          <a:noFill/>
+        </p:spPr>
+        <p:txBody>
+          <a:bodyPr wrap="square" rtlCol="0">
+            <a:spAutoFit/>
+          </a:bodyPr>
+          <a:lstStyle/>
+          <a:p>
+            <a:pPr marL="285750" indent="-285750">
+              <a:buFont typeface="Arial" panose="020B0604020202020204" pitchFamily="34" charset="0"/>
+              <a:buChar char="•"/>
+            </a:pPr>
+            <a:r>
+              <a:rPr kumimoji="1" lang="zh-CN" altLang="en-US" dirty="0"/>
+              <a:t>使用</a:t>
+            </a:r>
+            <a:r>
+              <a:rPr kumimoji="1" lang="en-US" altLang="zh-CN" dirty="0"/>
+              <a:t>fun</a:t>
+            </a:r>
+            <a:r>
+              <a:rPr kumimoji="1" lang="zh-CN" altLang="en-US" dirty="0"/>
+              <a:t>关键字声明方法</a:t>
+            </a:r>
+            <a:r>
+              <a:rPr kumimoji="1" lang="en-US" altLang="zh-CN" dirty="0"/>
+              <a:t>:</a:t>
+            </a:r>
+            <a:r>
+              <a:rPr kumimoji="1" lang="zh-CN" altLang="en-US" dirty="0"/>
+              <a:t>后面接返回值类型</a:t>
+            </a:r>
+            <a:r>
+              <a:rPr kumimoji="1" lang="en-US" altLang="zh-CN" dirty="0"/>
+              <a:t>,</a:t>
+            </a:r>
+            <a:r>
+              <a:rPr kumimoji="1" lang="zh-CN" altLang="en-US" dirty="0"/>
+              <a:t>默认为</a:t>
+            </a:r>
+            <a:r>
+              <a:rPr kumimoji="1" lang="en-US" altLang="zh-CN" dirty="0"/>
+              <a:t>Unit</a:t>
+            </a:r>
+            <a:r>
+              <a:rPr kumimoji="1" lang="zh-CN" altLang="en-US" dirty="0"/>
+              <a:t>，支持命名参数</a:t>
+            </a:r>
+            <a:endParaRPr lang="en" altLang="zh-CN" dirty="0"/>
+          </a:p>
+          <a:p>
+            <a:pPr lvl="3"/>
+            <a:endParaRPr kumimoji="1" lang="en-US" altLang="zh-CN" dirty="0"/>
+          </a:p>
+        </p:txBody>
+      </p:sp>
+      <p:pic>
+        <p:nvPicPr>
+          <p:cNvPr id="4" name="图片 3">
+            <a:extLst>
+              <a:ext uri="{FF2B5EF4-FFF2-40B4-BE49-F238E27FC236}">
+                <a16:creationId xmlns:a16="http://schemas.microsoft.com/office/drawing/2014/main" id="{24AE0E4F-20C4-DF4A-AEDC-30AFDC53D9FC}"/>
+              </a:ext>
+            </a:extLst>
+          </p:cNvPr>
+          <p:cNvPicPr>
+            <a:picLocks noChangeAspect="1"/>
+          </p:cNvPicPr>
+          <p:nvPr/>
+        </p:nvPicPr>
+        <p:blipFill>
+          <a:blip r:embed="rId5"/>
+          <a:stretch>
+            <a:fillRect/>
+          </a:stretch>
+        </p:blipFill>
+        <p:spPr>
+          <a:xfrm>
+            <a:off x="1086522" y="1769658"/>
+            <a:ext cx="4279900" cy="1092200"/>
+          </a:xfrm>
+          <a:prstGeom prst="rect">
+            <a:avLst/>
+          </a:prstGeom>
+        </p:spPr>
+      </p:pic>
+      <p:pic>
+        <p:nvPicPr>
+          <p:cNvPr id="8" name="图片 7">
+            <a:extLst>
+              <a:ext uri="{FF2B5EF4-FFF2-40B4-BE49-F238E27FC236}">
+                <a16:creationId xmlns:a16="http://schemas.microsoft.com/office/drawing/2014/main" id="{1CBA3B8B-576D-004E-AC62-BFAE08C309AC}"/>
+              </a:ext>
+            </a:extLst>
+          </p:cNvPr>
+          <p:cNvPicPr>
+            <a:picLocks noChangeAspect="1"/>
+          </p:cNvPicPr>
+          <p:nvPr/>
+        </p:nvPicPr>
+        <p:blipFill>
+          <a:blip r:embed="rId6"/>
+          <a:stretch>
+            <a:fillRect/>
+          </a:stretch>
+        </p:blipFill>
+        <p:spPr>
+          <a:xfrm>
+            <a:off x="6724650" y="1928722"/>
+            <a:ext cx="2781300" cy="838200"/>
+          </a:xfrm>
+          <a:prstGeom prst="rect">
+            <a:avLst/>
+          </a:prstGeom>
+        </p:spPr>
+      </p:pic>
+      <p:pic>
+        <p:nvPicPr>
+          <p:cNvPr id="9" name="图片 8">
+            <a:extLst>
+              <a:ext uri="{FF2B5EF4-FFF2-40B4-BE49-F238E27FC236}">
+                <a16:creationId xmlns:a16="http://schemas.microsoft.com/office/drawing/2014/main" id="{CF4CF16F-A42D-284F-984A-7F0A03A2DA84}"/>
+              </a:ext>
+            </a:extLst>
+          </p:cNvPr>
+          <p:cNvPicPr>
+            <a:picLocks noChangeAspect="1"/>
+          </p:cNvPicPr>
+          <p:nvPr/>
+        </p:nvPicPr>
+        <p:blipFill>
+          <a:blip r:embed="rId7"/>
+          <a:stretch>
+            <a:fillRect/>
+          </a:stretch>
+        </p:blipFill>
+        <p:spPr>
+          <a:xfrm>
+            <a:off x="3067722" y="3253559"/>
+            <a:ext cx="4597400" cy="736600"/>
+          </a:xfrm>
+          <a:prstGeom prst="rect">
+            <a:avLst/>
+          </a:prstGeom>
+        </p:spPr>
+      </p:pic>
+      <p:sp>
+        <p:nvSpPr>
           <p:cNvPr id="10" name="文本框 9">
             <a:extLst>
               <a:ext uri="{FF2B5EF4-FFF2-40B4-BE49-F238E27FC236}">
@@ -10489,8 +12120,8 @@
         </p:nvSpPr>
         <p:spPr>
           <a:xfrm>
-            <a:off x="1086522" y="1283102"/>
-            <a:ext cx="8145334" cy="1200329"/>
+            <a:off x="1086522" y="4305300"/>
+            <a:ext cx="8145334" cy="369332"/>
           </a:xfrm>
           <a:prstGeom prst="rect">
             <a:avLst/>
@@ -10509,6 +12140,679 @@
             </a:pPr>
             <a:r>
               <a:rPr kumimoji="1" lang="zh-CN" altLang="en-US" dirty="0"/>
+              <a:t>扩展函数：允许在外部为已有类增加方法</a:t>
+            </a:r>
+          </a:p>
+        </p:txBody>
+      </p:sp>
+      <p:pic>
+        <p:nvPicPr>
+          <p:cNvPr id="14" name="图片 13">
+            <a:extLst>
+              <a:ext uri="{FF2B5EF4-FFF2-40B4-BE49-F238E27FC236}">
+                <a16:creationId xmlns:a16="http://schemas.microsoft.com/office/drawing/2014/main" id="{A4F55E30-36D3-1E47-AE28-78C60808D819}"/>
+              </a:ext>
+            </a:extLst>
+          </p:cNvPr>
+          <p:cNvPicPr>
+            <a:picLocks noChangeAspect="1"/>
+          </p:cNvPicPr>
+          <p:nvPr/>
+        </p:nvPicPr>
+        <p:blipFill>
+          <a:blip r:embed="rId8"/>
+          <a:stretch>
+            <a:fillRect/>
+          </a:stretch>
+        </p:blipFill>
+        <p:spPr>
+          <a:xfrm>
+            <a:off x="1086522" y="4781544"/>
+            <a:ext cx="5372100" cy="889000"/>
+          </a:xfrm>
+          <a:prstGeom prst="rect">
+            <a:avLst/>
+          </a:prstGeom>
+        </p:spPr>
+      </p:pic>
+      <p:pic>
+        <p:nvPicPr>
+          <p:cNvPr id="15" name="图片 14">
+            <a:extLst>
+              <a:ext uri="{FF2B5EF4-FFF2-40B4-BE49-F238E27FC236}">
+                <a16:creationId xmlns:a16="http://schemas.microsoft.com/office/drawing/2014/main" id="{F677B5FB-3B35-C74A-8FE7-41EA87753092}"/>
+              </a:ext>
+            </a:extLst>
+          </p:cNvPr>
+          <p:cNvPicPr>
+            <a:picLocks noChangeAspect="1"/>
+          </p:cNvPicPr>
+          <p:nvPr/>
+        </p:nvPicPr>
+        <p:blipFill>
+          <a:blip r:embed="rId9"/>
+          <a:stretch>
+            <a:fillRect/>
+          </a:stretch>
+        </p:blipFill>
+        <p:spPr>
+          <a:xfrm>
+            <a:off x="6724650" y="4946338"/>
+            <a:ext cx="3162300" cy="622300"/>
+          </a:xfrm>
+          <a:prstGeom prst="rect">
+            <a:avLst/>
+          </a:prstGeom>
+        </p:spPr>
+      </p:pic>
+    </p:spTree>
+    <p:extLst>
+      <p:ext uri="{BB962C8B-B14F-4D97-AF65-F5344CB8AC3E}">
+        <p14:creationId xmlns:p14="http://schemas.microsoft.com/office/powerpoint/2010/main" val="3609016528"/>
+      </p:ext>
+    </p:extLst>
+  </p:cSld>
+  <p:clrMapOvr>
+    <a:masterClrMapping/>
+  </p:clrMapOvr>
+  <p:timing>
+    <p:tnLst>
+      <p:par>
+        <p:cTn id="1" dur="indefinite" restart="never" nodeType="tmRoot">
+          <p:childTnLst>
+            <p:seq concurrent="1" nextAc="seek">
+              <p:cTn id="2" dur="indefinite" nodeType="mainSeq">
+                <p:childTnLst>
+                  <p:par>
+                    <p:cTn id="3" fill="hold">
+                      <p:stCondLst>
+                        <p:cond delay="indefinite"/>
+                      </p:stCondLst>
+                      <p:childTnLst>
+                        <p:par>
+                          <p:cTn id="4" fill="hold">
+                            <p:stCondLst>
+                              <p:cond delay="0"/>
+                            </p:stCondLst>
+                            <p:childTnLst>
+                              <p:par>
+                                <p:cTn id="5" presetID="1" presetClass="entr" presetSubtype="0" fill="hold" grpId="0" nodeType="clickEffect">
+                                  <p:stCondLst>
+                                    <p:cond delay="0"/>
+                                  </p:stCondLst>
+                                  <p:childTnLst>
+                                    <p:set>
+                                      <p:cBhvr>
+                                        <p:cTn id="6" dur="1" fill="hold">
+                                          <p:stCondLst>
+                                            <p:cond delay="0"/>
+                                          </p:stCondLst>
+                                        </p:cTn>
+                                        <p:tgtEl>
+                                          <p:spTgt spid="2"/>
+                                        </p:tgtEl>
+                                        <p:attrNameLst>
+                                          <p:attrName>style.visibility</p:attrName>
+                                        </p:attrNameLst>
+                                      </p:cBhvr>
+                                      <p:to>
+                                        <p:strVal val="visible"/>
+                                      </p:to>
+                                    </p:set>
+                                  </p:childTnLst>
+                                </p:cTn>
+                              </p:par>
+                              <p:par>
+                                <p:cTn id="7" presetID="1" presetClass="entr" presetSubtype="0" fill="hold" nodeType="withEffect">
+                                  <p:stCondLst>
+                                    <p:cond delay="0"/>
+                                  </p:stCondLst>
+                                  <p:childTnLst>
+                                    <p:set>
+                                      <p:cBhvr>
+                                        <p:cTn id="8" dur="1" fill="hold">
+                                          <p:stCondLst>
+                                            <p:cond delay="0"/>
+                                          </p:stCondLst>
+                                        </p:cTn>
+                                        <p:tgtEl>
+                                          <p:spTgt spid="4"/>
+                                        </p:tgtEl>
+                                        <p:attrNameLst>
+                                          <p:attrName>style.visibility</p:attrName>
+                                        </p:attrNameLst>
+                                      </p:cBhvr>
+                                      <p:to>
+                                        <p:strVal val="visible"/>
+                                      </p:to>
+                                    </p:set>
+                                  </p:childTnLst>
+                                </p:cTn>
+                              </p:par>
+                              <p:par>
+                                <p:cTn id="9" presetID="1" presetClass="entr" presetSubtype="0" fill="hold" nodeType="withEffect">
+                                  <p:stCondLst>
+                                    <p:cond delay="0"/>
+                                  </p:stCondLst>
+                                  <p:childTnLst>
+                                    <p:set>
+                                      <p:cBhvr>
+                                        <p:cTn id="10" dur="1" fill="hold">
+                                          <p:stCondLst>
+                                            <p:cond delay="0"/>
+                                          </p:stCondLst>
+                                        </p:cTn>
+                                        <p:tgtEl>
+                                          <p:spTgt spid="8"/>
+                                        </p:tgtEl>
+                                        <p:attrNameLst>
+                                          <p:attrName>style.visibility</p:attrName>
+                                        </p:attrNameLst>
+                                      </p:cBhvr>
+                                      <p:to>
+                                        <p:strVal val="visible"/>
+                                      </p:to>
+                                    </p:set>
+                                  </p:childTnLst>
+                                </p:cTn>
+                              </p:par>
+                              <p:par>
+                                <p:cTn id="11" presetID="1" presetClass="entr" presetSubtype="0" fill="hold" nodeType="withEffect">
+                                  <p:stCondLst>
+                                    <p:cond delay="0"/>
+                                  </p:stCondLst>
+                                  <p:childTnLst>
+                                    <p:set>
+                                      <p:cBhvr>
+                                        <p:cTn id="12" dur="1" fill="hold">
+                                          <p:stCondLst>
+                                            <p:cond delay="0"/>
+                                          </p:stCondLst>
+                                        </p:cTn>
+                                        <p:tgtEl>
+                                          <p:spTgt spid="9"/>
+                                        </p:tgtEl>
+                                        <p:attrNameLst>
+                                          <p:attrName>style.visibility</p:attrName>
+                                        </p:attrNameLst>
+                                      </p:cBhvr>
+                                      <p:to>
+                                        <p:strVal val="visible"/>
+                                      </p:to>
+                                    </p:set>
+                                  </p:childTnLst>
+                                </p:cTn>
+                              </p:par>
+                            </p:childTnLst>
+                          </p:cTn>
+                        </p:par>
+                      </p:childTnLst>
+                    </p:cTn>
+                  </p:par>
+                  <p:par>
+                    <p:cTn id="13" fill="hold">
+                      <p:stCondLst>
+                        <p:cond delay="indefinite"/>
+                      </p:stCondLst>
+                      <p:childTnLst>
+                        <p:par>
+                          <p:cTn id="14" fill="hold">
+                            <p:stCondLst>
+                              <p:cond delay="0"/>
+                            </p:stCondLst>
+                            <p:childTnLst>
+                              <p:par>
+                                <p:cTn id="15" presetID="1" presetClass="entr" presetSubtype="0" fill="hold" grpId="0" nodeType="clickEffect">
+                                  <p:stCondLst>
+                                    <p:cond delay="0"/>
+                                  </p:stCondLst>
+                                  <p:childTnLst>
+                                    <p:set>
+                                      <p:cBhvr>
+                                        <p:cTn id="16" dur="1" fill="hold">
+                                          <p:stCondLst>
+                                            <p:cond delay="0"/>
+                                          </p:stCondLst>
+                                        </p:cTn>
+                                        <p:tgtEl>
+                                          <p:spTgt spid="10"/>
+                                        </p:tgtEl>
+                                        <p:attrNameLst>
+                                          <p:attrName>style.visibility</p:attrName>
+                                        </p:attrNameLst>
+                                      </p:cBhvr>
+                                      <p:to>
+                                        <p:strVal val="visible"/>
+                                      </p:to>
+                                    </p:set>
+                                  </p:childTnLst>
+                                </p:cTn>
+                              </p:par>
+                              <p:par>
+                                <p:cTn id="17" presetID="1" presetClass="entr" presetSubtype="0" fill="hold" nodeType="withEffect">
+                                  <p:stCondLst>
+                                    <p:cond delay="0"/>
+                                  </p:stCondLst>
+                                  <p:childTnLst>
+                                    <p:set>
+                                      <p:cBhvr>
+                                        <p:cTn id="18" dur="1" fill="hold">
+                                          <p:stCondLst>
+                                            <p:cond delay="0"/>
+                                          </p:stCondLst>
+                                        </p:cTn>
+                                        <p:tgtEl>
+                                          <p:spTgt spid="14"/>
+                                        </p:tgtEl>
+                                        <p:attrNameLst>
+                                          <p:attrName>style.visibility</p:attrName>
+                                        </p:attrNameLst>
+                                      </p:cBhvr>
+                                      <p:to>
+                                        <p:strVal val="visible"/>
+                                      </p:to>
+                                    </p:set>
+                                  </p:childTnLst>
+                                </p:cTn>
+                              </p:par>
+                              <p:par>
+                                <p:cTn id="19" presetID="1" presetClass="entr" presetSubtype="0" fill="hold" nodeType="withEffect">
+                                  <p:stCondLst>
+                                    <p:cond delay="0"/>
+                                  </p:stCondLst>
+                                  <p:childTnLst>
+                                    <p:set>
+                                      <p:cBhvr>
+                                        <p:cTn id="20" dur="1" fill="hold">
+                                          <p:stCondLst>
+                                            <p:cond delay="0"/>
+                                          </p:stCondLst>
+                                        </p:cTn>
+                                        <p:tgtEl>
+                                          <p:spTgt spid="15"/>
+                                        </p:tgtEl>
+                                        <p:attrNameLst>
+                                          <p:attrName>style.visibility</p:attrName>
+                                        </p:attrNameLst>
+                                      </p:cBhvr>
+                                      <p:to>
+                                        <p:strVal val="visible"/>
+                                      </p:to>
+                                    </p:set>
+                                  </p:childTnLst>
+                                </p:cTn>
+                              </p:par>
+                            </p:childTnLst>
+                          </p:cTn>
+                        </p:par>
+                      </p:childTnLst>
+                    </p:cTn>
+                  </p:par>
+                </p:childTnLst>
+              </p:cTn>
+              <p:prevCondLst>
+                <p:cond evt="onPrev" delay="0">
+                  <p:tgtEl>
+                    <p:sldTgt/>
+                  </p:tgtEl>
+                </p:cond>
+              </p:prevCondLst>
+              <p:nextCondLst>
+                <p:cond evt="onNext" delay="0">
+                  <p:tgtEl>
+                    <p:sldTgt/>
+                  </p:tgtEl>
+                </p:cond>
+              </p:nextCondLst>
+            </p:seq>
+          </p:childTnLst>
+        </p:cTn>
+      </p:par>
+    </p:tnLst>
+    <p:bldLst>
+      <p:bldP spid="2" grpId="0"/>
+      <p:bldP spid="10" grpId="0"/>
+    </p:bldLst>
+  </p:timing>
+</p:sld>
+</file>
+
+<file path=ppt/slides/slide13.xml><?xml version="1.0" encoding="utf-8"?>
+<p:sld xmlns:a="http://schemas.openxmlformats.org/drawingml/2006/main" xmlns:r="http://schemas.openxmlformats.org/officeDocument/2006/relationships" xmlns:p="http://schemas.openxmlformats.org/presentationml/2006/main">
+  <p:cSld>
+    <p:spTree>
+      <p:nvGrpSpPr>
+        <p:cNvPr id="1" name=""/>
+        <p:cNvGrpSpPr/>
+        <p:nvPr/>
+      </p:nvGrpSpPr>
+      <p:grpSpPr>
+        <a:xfrm>
+          <a:off x="0" y="0"/>
+          <a:ext cx="0" cy="0"/>
+          <a:chOff x="0" y="0"/>
+          <a:chExt cx="0" cy="0"/>
+        </a:xfrm>
+      </p:grpSpPr>
+      <p:sp>
+        <p:nvSpPr>
+          <p:cNvPr id="6" name="文本占位符 5"/>
+          <p:cNvSpPr>
+            <a:spLocks noGrp="1"/>
+          </p:cNvSpPr>
+          <p:nvPr>
+            <p:ph type="body" sz="quarter" idx="15"/>
+          </p:nvPr>
+        </p:nvSpPr>
+        <p:spPr/>
+        <p:txBody>
+          <a:bodyPr/>
+          <a:lstStyle/>
+          <a:p>
+            <a:endParaRPr lang="zh-CN" altLang="en-US">
+              <a:latin typeface="+mn-lt"/>
+              <a:ea typeface="+mn-ea"/>
+              <a:cs typeface="+mn-ea"/>
+              <a:sym typeface="+mn-lt"/>
+            </a:endParaRPr>
+          </a:p>
+        </p:txBody>
+      </p:sp>
+      <p:pic>
+        <p:nvPicPr>
+          <p:cNvPr id="16" name="图片 15"/>
+          <p:cNvPicPr>
+            <a:picLocks noChangeAspect="1"/>
+          </p:cNvPicPr>
+          <p:nvPr/>
+        </p:nvPicPr>
+        <p:blipFill>
+          <a:blip r:embed="rId3" cstate="print">
+            <a:extLst>
+              <a:ext uri="{28A0092B-C50C-407E-A947-70E740481C1C}">
+                <a14:useLocalDpi xmlns:a14="http://schemas.microsoft.com/office/drawing/2010/main" val="0"/>
+              </a:ext>
+            </a:extLst>
+          </a:blip>
+          <a:stretch>
+            <a:fillRect/>
+          </a:stretch>
+        </p:blipFill>
+        <p:spPr>
+          <a:xfrm>
+            <a:off x="0" y="0"/>
+            <a:ext cx="1086522" cy="1187456"/>
+          </a:xfrm>
+          <a:prstGeom prst="rect">
+            <a:avLst/>
+          </a:prstGeom>
+        </p:spPr>
+      </p:pic>
+      <p:pic>
+        <p:nvPicPr>
+          <p:cNvPr id="20" name="内容占位符 7"/>
+          <p:cNvPicPr>
+            <a:picLocks noChangeAspect="1"/>
+          </p:cNvPicPr>
+          <p:nvPr/>
+        </p:nvPicPr>
+        <p:blipFill>
+          <a:blip r:embed="rId4" cstate="print">
+            <a:extLst>
+              <a:ext uri="{28A0092B-C50C-407E-A947-70E740481C1C}">
+                <a14:useLocalDpi xmlns:a14="http://schemas.microsoft.com/office/drawing/2010/main" val="0"/>
+              </a:ext>
+            </a:extLst>
+          </a:blip>
+          <a:stretch>
+            <a:fillRect/>
+          </a:stretch>
+        </p:blipFill>
+        <p:spPr>
+          <a:xfrm>
+            <a:off x="11733261" y="6299200"/>
+            <a:ext cx="458739" cy="558800"/>
+          </a:xfrm>
+          <a:prstGeom prst="rect">
+            <a:avLst/>
+          </a:prstGeom>
+        </p:spPr>
+      </p:pic>
+      <p:sp>
+        <p:nvSpPr>
+          <p:cNvPr id="21" name="文本占位符 6"/>
+          <p:cNvSpPr>
+            <a:spLocks noGrp="1"/>
+          </p:cNvSpPr>
+          <p:nvPr/>
+        </p:nvSpPr>
+        <p:spPr>
+          <a:xfrm>
+            <a:off x="996315" y="268605"/>
+            <a:ext cx="10861675" cy="436880"/>
+          </a:xfrm>
+          <a:prstGeom prst="rect">
+            <a:avLst/>
+          </a:prstGeom>
+        </p:spPr>
+        <p:txBody>
+          <a:bodyPr vert="horz" lIns="91440" tIns="45720" rIns="91440" bIns="45720" rtlCol="0">
+            <a:noAutofit/>
+          </a:bodyPr>
+          <a:lstStyle>
+            <a:lvl1pPr marL="0" indent="0" algn="l" defTabSz="914400" rtl="0" eaLnBrk="1" latinLnBrk="0" hangingPunct="1">
+              <a:lnSpc>
+                <a:spcPct val="90000"/>
+              </a:lnSpc>
+              <a:spcBef>
+                <a:spcPts val="1000"/>
+              </a:spcBef>
+              <a:buFont typeface="Arial" panose="020B0604020202020204" pitchFamily="34" charset="0"/>
+              <a:buNone/>
+              <a:defRPr sz="2800" b="1" kern="1200" baseline="0">
+                <a:solidFill>
+                  <a:srgbClr val="3EB397"/>
+                </a:solidFill>
+                <a:latin typeface="微软雅黑" panose="020B0503020204020204" charset="-122"/>
+                <a:ea typeface="微软雅黑" panose="020B0503020204020204" charset="-122"/>
+                <a:cs typeface="+mn-cs"/>
+              </a:defRPr>
+            </a:lvl1pPr>
+            <a:lvl2pPr marL="685800" indent="-228600" algn="l" defTabSz="914400" rtl="0" eaLnBrk="1" latinLnBrk="0" hangingPunct="1">
+              <a:lnSpc>
+                <a:spcPct val="90000"/>
+              </a:lnSpc>
+              <a:spcBef>
+                <a:spcPts val="500"/>
+              </a:spcBef>
+              <a:buFont typeface="Arial" panose="020B0604020202020204" pitchFamily="34" charset="0"/>
+              <a:buChar char="•"/>
+              <a:defRPr sz="2400" kern="1200">
+                <a:solidFill>
+                  <a:schemeClr val="tx1"/>
+                </a:solidFill>
+                <a:latin typeface="+mn-lt"/>
+                <a:ea typeface="+mn-ea"/>
+                <a:cs typeface="+mn-cs"/>
+              </a:defRPr>
+            </a:lvl2pPr>
+            <a:lvl3pPr marL="1143000" indent="-228600" algn="l" defTabSz="914400" rtl="0" eaLnBrk="1" latinLnBrk="0" hangingPunct="1">
+              <a:lnSpc>
+                <a:spcPct val="90000"/>
+              </a:lnSpc>
+              <a:spcBef>
+                <a:spcPts val="500"/>
+              </a:spcBef>
+              <a:buFont typeface="Arial" panose="020B0604020202020204" pitchFamily="34" charset="0"/>
+              <a:buChar char="•"/>
+              <a:defRPr sz="2000" kern="1200">
+                <a:solidFill>
+                  <a:schemeClr val="tx1"/>
+                </a:solidFill>
+                <a:latin typeface="+mn-lt"/>
+                <a:ea typeface="+mn-ea"/>
+                <a:cs typeface="+mn-cs"/>
+              </a:defRPr>
+            </a:lvl3pPr>
+            <a:lvl4pPr marL="1600200" indent="-228600" algn="l" defTabSz="914400" rtl="0" eaLnBrk="1" latinLnBrk="0" hangingPunct="1">
+              <a:lnSpc>
+                <a:spcPct val="90000"/>
+              </a:lnSpc>
+              <a:spcBef>
+                <a:spcPts val="500"/>
+              </a:spcBef>
+              <a:buFont typeface="Arial" panose="020B0604020202020204" pitchFamily="34" charset="0"/>
+              <a:buChar char="•"/>
+              <a:defRPr sz="1800" kern="1200">
+                <a:solidFill>
+                  <a:schemeClr val="tx1"/>
+                </a:solidFill>
+                <a:latin typeface="+mn-lt"/>
+                <a:ea typeface="+mn-ea"/>
+                <a:cs typeface="+mn-cs"/>
+              </a:defRPr>
+            </a:lvl4pPr>
+            <a:lvl5pPr marL="2057400" indent="-228600" algn="l" defTabSz="914400" rtl="0" eaLnBrk="1" latinLnBrk="0" hangingPunct="1">
+              <a:lnSpc>
+                <a:spcPct val="90000"/>
+              </a:lnSpc>
+              <a:spcBef>
+                <a:spcPts val="500"/>
+              </a:spcBef>
+              <a:buFont typeface="Arial" panose="020B0604020202020204" pitchFamily="34" charset="0"/>
+              <a:buChar char="•"/>
+              <a:defRPr sz="1800" kern="1200">
+                <a:solidFill>
+                  <a:schemeClr val="tx1"/>
+                </a:solidFill>
+                <a:latin typeface="+mn-lt"/>
+                <a:ea typeface="+mn-ea"/>
+                <a:cs typeface="+mn-cs"/>
+              </a:defRPr>
+            </a:lvl5pPr>
+            <a:lvl6pPr marL="2514600" indent="-228600" algn="l" defTabSz="914400" rtl="0" eaLnBrk="1" latinLnBrk="0" hangingPunct="1">
+              <a:lnSpc>
+                <a:spcPct val="90000"/>
+              </a:lnSpc>
+              <a:spcBef>
+                <a:spcPts val="500"/>
+              </a:spcBef>
+              <a:buFont typeface="Arial" panose="020B0604020202020204" pitchFamily="34" charset="0"/>
+              <a:buChar char="•"/>
+              <a:defRPr sz="1800" kern="1200">
+                <a:solidFill>
+                  <a:schemeClr val="tx1"/>
+                </a:solidFill>
+                <a:latin typeface="+mn-lt"/>
+                <a:ea typeface="+mn-ea"/>
+                <a:cs typeface="+mn-cs"/>
+              </a:defRPr>
+            </a:lvl6pPr>
+            <a:lvl7pPr marL="2971800" indent="-228600" algn="l" defTabSz="914400" rtl="0" eaLnBrk="1" latinLnBrk="0" hangingPunct="1">
+              <a:lnSpc>
+                <a:spcPct val="90000"/>
+              </a:lnSpc>
+              <a:spcBef>
+                <a:spcPts val="500"/>
+              </a:spcBef>
+              <a:buFont typeface="Arial" panose="020B0604020202020204" pitchFamily="34" charset="0"/>
+              <a:buChar char="•"/>
+              <a:defRPr sz="1800" kern="1200">
+                <a:solidFill>
+                  <a:schemeClr val="tx1"/>
+                </a:solidFill>
+                <a:latin typeface="+mn-lt"/>
+                <a:ea typeface="+mn-ea"/>
+                <a:cs typeface="+mn-cs"/>
+              </a:defRPr>
+            </a:lvl7pPr>
+            <a:lvl8pPr marL="3429000" indent="-228600" algn="l" defTabSz="914400" rtl="0" eaLnBrk="1" latinLnBrk="0" hangingPunct="1">
+              <a:lnSpc>
+                <a:spcPct val="90000"/>
+              </a:lnSpc>
+              <a:spcBef>
+                <a:spcPts val="500"/>
+              </a:spcBef>
+              <a:buFont typeface="Arial" panose="020B0604020202020204" pitchFamily="34" charset="0"/>
+              <a:buChar char="•"/>
+              <a:defRPr sz="1800" kern="1200">
+                <a:solidFill>
+                  <a:schemeClr val="tx1"/>
+                </a:solidFill>
+                <a:latin typeface="+mn-lt"/>
+                <a:ea typeface="+mn-ea"/>
+                <a:cs typeface="+mn-cs"/>
+              </a:defRPr>
+            </a:lvl8pPr>
+            <a:lvl9pPr marL="3886200" indent="-228600" algn="l" defTabSz="914400" rtl="0" eaLnBrk="1" latinLnBrk="0" hangingPunct="1">
+              <a:lnSpc>
+                <a:spcPct val="90000"/>
+              </a:lnSpc>
+              <a:spcBef>
+                <a:spcPts val="500"/>
+              </a:spcBef>
+              <a:buFont typeface="Arial" panose="020B0604020202020204" pitchFamily="34" charset="0"/>
+              <a:buChar char="•"/>
+              <a:defRPr sz="1800" kern="1200">
+                <a:solidFill>
+                  <a:schemeClr val="tx1"/>
+                </a:solidFill>
+                <a:latin typeface="+mn-lt"/>
+                <a:ea typeface="+mn-ea"/>
+                <a:cs typeface="+mn-cs"/>
+              </a:defRPr>
+            </a:lvl9pPr>
+          </a:lstStyle>
+          <a:p>
+            <a:r>
+              <a:rPr lang="zh-CN" altLang="en-US" sz="2400" dirty="0">
+                <a:solidFill>
+                  <a:srgbClr val="5F5D70"/>
+                </a:solidFill>
+                <a:latin typeface="+mn-lt"/>
+                <a:ea typeface="+mn-ea"/>
+                <a:cs typeface="+mn-ea"/>
+                <a:sym typeface="+mn-lt"/>
+              </a:rPr>
+              <a:t>语法速览</a:t>
+            </a:r>
+          </a:p>
+        </p:txBody>
+      </p:sp>
+      <p:sp>
+        <p:nvSpPr>
+          <p:cNvPr id="10" name="文本框 9">
+            <a:extLst>
+              <a:ext uri="{FF2B5EF4-FFF2-40B4-BE49-F238E27FC236}">
+                <a16:creationId xmlns:a16="http://schemas.microsoft.com/office/drawing/2014/main" id="{A488DDD3-7667-554B-BCC4-3D83A6C06588}"/>
+              </a:ext>
+            </a:extLst>
+          </p:cNvPr>
+          <p:cNvSpPr txBox="1"/>
+          <p:nvPr/>
+        </p:nvSpPr>
+        <p:spPr>
+          <a:xfrm>
+            <a:off x="1086522" y="1283102"/>
+            <a:ext cx="8145334" cy="1200329"/>
+          </a:xfrm>
+          <a:prstGeom prst="rect">
+            <a:avLst/>
+          </a:prstGeom>
+          <a:noFill/>
+        </p:spPr>
+        <p:txBody>
+          <a:bodyPr wrap="square" rtlCol="0">
+            <a:spAutoFit/>
+          </a:bodyPr>
+          <a:lstStyle/>
+          <a:p>
+            <a:pPr marL="285750" indent="-285750">
+              <a:buFont typeface="Arial" panose="020B0604020202020204" pitchFamily="34" charset="0"/>
+              <a:buChar char="•"/>
+            </a:pPr>
+            <a:r>
+              <a:rPr kumimoji="1" lang="zh-CN" altLang="en-US" dirty="0"/>
               <a:t>声明类的关键字方式同</a:t>
             </a:r>
             <a:r>
@@ -10517,7 +12821,7 @@
             </a:r>
             <a:r>
               <a:rPr kumimoji="1" lang="zh-CN" altLang="en-US" dirty="0"/>
-              <a:t>但是默认的类是不可继承的除非用</a:t>
+              <a:t>但是默认的类都是不可继承的，除非用</a:t>
             </a:r>
             <a:r>
               <a:rPr kumimoji="1" lang="en-US" altLang="zh-CN" dirty="0"/>
@@ -10649,7 +12953,7 @@
 </p:sld>
 </file>
 
-<file path=ppt/slides/slide11.xml><?xml version="1.0" encoding="utf-8"?>
+<file path=ppt/slides/slide14.xml><?xml version="1.0" encoding="utf-8"?>
 <p:sld xmlns:a="http://schemas.openxmlformats.org/drawingml/2006/main" xmlns:r="http://schemas.openxmlformats.org/officeDocument/2006/relationships" xmlns:p="http://schemas.openxmlformats.org/presentationml/2006/main">
   <p:cSld>
     <p:spTree>
@@ -10981,7 +13285,7 @@
             </a:r>
             <a:r>
               <a:rPr kumimoji="1" lang="zh-CN" altLang="en-US" dirty="0"/>
-              <a:t>为集合过滤元素</a:t>
+              <a:t>为集合类过滤元素</a:t>
             </a:r>
             <a:endParaRPr kumimoji="1" lang="en-US" altLang="zh-CN" dirty="0"/>
           </a:p>
@@ -10996,7 +13300,7 @@
             </a:r>
             <a:r>
               <a:rPr kumimoji="1" lang="zh-CN" altLang="en-US" dirty="0"/>
-              <a:t>为集合变换元素</a:t>
+              <a:t>为集合类变换元素</a:t>
             </a:r>
             <a:endParaRPr lang="en" altLang="zh-CN" dirty="0"/>
           </a:p>
@@ -11079,7 +13383,7 @@
 </p:sld>
 </file>
 
-<file path=ppt/slides/slide12.xml><?xml version="1.0" encoding="utf-8"?>
+<file path=ppt/slides/slide15.xml><?xml version="1.0" encoding="utf-8"?>
 <p:sld xmlns:a="http://schemas.openxmlformats.org/drawingml/2006/main" xmlns:r="http://schemas.openxmlformats.org/officeDocument/2006/relationships" xmlns:p="http://schemas.openxmlformats.org/presentationml/2006/main">
   <p:cSld>
     <p:spTree>
@@ -11516,7 +13820,7 @@
 </p:sld>
 </file>
 
-<file path=ppt/slides/slide13.xml><?xml version="1.0" encoding="utf-8"?>
+<file path=ppt/slides/slide16.xml><?xml version="1.0" encoding="utf-8"?>
 <p:sld xmlns:a="http://schemas.openxmlformats.org/drawingml/2006/main" xmlns:r="http://schemas.openxmlformats.org/officeDocument/2006/relationships" xmlns:p="http://schemas.openxmlformats.org/presentationml/2006/main">
   <p:cSld>
     <p:spTree>
@@ -11953,7 +14257,770 @@
 </p:sld>
 </file>
 
-<file path=ppt/slides/slide14.xml><?xml version="1.0" encoding="utf-8"?>
+<file path=ppt/slides/slide17.xml><?xml version="1.0" encoding="utf-8"?>
+<p:sld xmlns:a="http://schemas.openxmlformats.org/drawingml/2006/main" xmlns:r="http://schemas.openxmlformats.org/officeDocument/2006/relationships" xmlns:p="http://schemas.openxmlformats.org/presentationml/2006/main">
+  <p:cSld>
+    <p:spTree>
+      <p:nvGrpSpPr>
+        <p:cNvPr id="1" name=""/>
+        <p:cNvGrpSpPr/>
+        <p:nvPr/>
+      </p:nvGrpSpPr>
+      <p:grpSpPr>
+        <a:xfrm>
+          <a:off x="0" y="0"/>
+          <a:ext cx="0" cy="0"/>
+          <a:chOff x="0" y="0"/>
+          <a:chExt cx="0" cy="0"/>
+        </a:xfrm>
+      </p:grpSpPr>
+      <p:pic>
+        <p:nvPicPr>
+          <p:cNvPr id="7" name="图片 6">
+            <a:extLst>
+              <a:ext uri="{FF2B5EF4-FFF2-40B4-BE49-F238E27FC236}">
+                <a16:creationId xmlns:a16="http://schemas.microsoft.com/office/drawing/2014/main" id="{7E5A252C-94FD-1246-A8AE-BA627ECE1F8F}"/>
+              </a:ext>
+            </a:extLst>
+          </p:cNvPr>
+          <p:cNvPicPr>
+            <a:picLocks noChangeAspect="1"/>
+          </p:cNvPicPr>
+          <p:nvPr/>
+        </p:nvPicPr>
+        <p:blipFill>
+          <a:blip r:embed="rId2" cstate="print">
+            <a:extLst>
+              <a:ext uri="{28A0092B-C50C-407E-A947-70E740481C1C}">
+                <a14:useLocalDpi xmlns:a14="http://schemas.microsoft.com/office/drawing/2010/main" val="0"/>
+              </a:ext>
+            </a:extLst>
+          </a:blip>
+          <a:stretch>
+            <a:fillRect/>
+          </a:stretch>
+        </p:blipFill>
+        <p:spPr>
+          <a:xfrm>
+            <a:off x="0" y="0"/>
+            <a:ext cx="1086522" cy="1187456"/>
+          </a:xfrm>
+          <a:prstGeom prst="rect">
+            <a:avLst/>
+          </a:prstGeom>
+        </p:spPr>
+      </p:pic>
+      <p:pic>
+        <p:nvPicPr>
+          <p:cNvPr id="8" name="内容占位符 7">
+            <a:extLst>
+              <a:ext uri="{FF2B5EF4-FFF2-40B4-BE49-F238E27FC236}">
+                <a16:creationId xmlns:a16="http://schemas.microsoft.com/office/drawing/2014/main" id="{ADE98E02-048F-0741-A2BE-3606E21D6219}"/>
+              </a:ext>
+            </a:extLst>
+          </p:cNvPr>
+          <p:cNvPicPr>
+            <a:picLocks noChangeAspect="1"/>
+          </p:cNvPicPr>
+          <p:nvPr/>
+        </p:nvPicPr>
+        <p:blipFill>
+          <a:blip r:embed="rId3" cstate="print">
+            <a:extLst>
+              <a:ext uri="{28A0092B-C50C-407E-A947-70E740481C1C}">
+                <a14:useLocalDpi xmlns:a14="http://schemas.microsoft.com/office/drawing/2010/main" val="0"/>
+              </a:ext>
+            </a:extLst>
+          </a:blip>
+          <a:stretch>
+            <a:fillRect/>
+          </a:stretch>
+        </p:blipFill>
+        <p:spPr>
+          <a:xfrm>
+            <a:off x="11733261" y="6299200"/>
+            <a:ext cx="458739" cy="558800"/>
+          </a:xfrm>
+          <a:prstGeom prst="rect">
+            <a:avLst/>
+          </a:prstGeom>
+        </p:spPr>
+      </p:pic>
+      <p:sp>
+        <p:nvSpPr>
+          <p:cNvPr id="9" name="文本占位符 6">
+            <a:extLst>
+              <a:ext uri="{FF2B5EF4-FFF2-40B4-BE49-F238E27FC236}">
+                <a16:creationId xmlns:a16="http://schemas.microsoft.com/office/drawing/2014/main" id="{23B0A581-1AF9-744C-A8DB-D327A2CA3E54}"/>
+              </a:ext>
+            </a:extLst>
+          </p:cNvPr>
+          <p:cNvSpPr>
+            <a:spLocks noGrp="1"/>
+          </p:cNvSpPr>
+          <p:nvPr/>
+        </p:nvSpPr>
+        <p:spPr>
+          <a:xfrm>
+            <a:off x="996315" y="268605"/>
+            <a:ext cx="10861675" cy="436880"/>
+          </a:xfrm>
+          <a:prstGeom prst="rect">
+            <a:avLst/>
+          </a:prstGeom>
+        </p:spPr>
+        <p:txBody>
+          <a:bodyPr vert="horz" lIns="91440" tIns="45720" rIns="91440" bIns="45720" rtlCol="0">
+            <a:noAutofit/>
+          </a:bodyPr>
+          <a:lstStyle>
+            <a:lvl1pPr marL="0" indent="0" algn="l" defTabSz="914400" rtl="0" eaLnBrk="1" latinLnBrk="0" hangingPunct="1">
+              <a:lnSpc>
+                <a:spcPct val="90000"/>
+              </a:lnSpc>
+              <a:spcBef>
+                <a:spcPts val="1000"/>
+              </a:spcBef>
+              <a:buFont typeface="Arial" panose="020B0604020202020204" pitchFamily="34" charset="0"/>
+              <a:buNone/>
+              <a:defRPr sz="2800" b="1" kern="1200" baseline="0">
+                <a:solidFill>
+                  <a:srgbClr val="3EB397"/>
+                </a:solidFill>
+                <a:latin typeface="微软雅黑" panose="020B0503020204020204" charset="-122"/>
+                <a:ea typeface="微软雅黑" panose="020B0503020204020204" charset="-122"/>
+                <a:cs typeface="+mn-cs"/>
+              </a:defRPr>
+            </a:lvl1pPr>
+            <a:lvl2pPr marL="685800" indent="-228600" algn="l" defTabSz="914400" rtl="0" eaLnBrk="1" latinLnBrk="0" hangingPunct="1">
+              <a:lnSpc>
+                <a:spcPct val="90000"/>
+              </a:lnSpc>
+              <a:spcBef>
+                <a:spcPts val="500"/>
+              </a:spcBef>
+              <a:buFont typeface="Arial" panose="020B0604020202020204" pitchFamily="34" charset="0"/>
+              <a:buChar char="•"/>
+              <a:defRPr sz="2400" kern="1200">
+                <a:solidFill>
+                  <a:schemeClr val="tx1"/>
+                </a:solidFill>
+                <a:latin typeface="+mn-lt"/>
+                <a:ea typeface="+mn-ea"/>
+                <a:cs typeface="+mn-cs"/>
+              </a:defRPr>
+            </a:lvl2pPr>
+            <a:lvl3pPr marL="1143000" indent="-228600" algn="l" defTabSz="914400" rtl="0" eaLnBrk="1" latinLnBrk="0" hangingPunct="1">
+              <a:lnSpc>
+                <a:spcPct val="90000"/>
+              </a:lnSpc>
+              <a:spcBef>
+                <a:spcPts val="500"/>
+              </a:spcBef>
+              <a:buFont typeface="Arial" panose="020B0604020202020204" pitchFamily="34" charset="0"/>
+              <a:buChar char="•"/>
+              <a:defRPr sz="2000" kern="1200">
+                <a:solidFill>
+                  <a:schemeClr val="tx1"/>
+                </a:solidFill>
+                <a:latin typeface="+mn-lt"/>
+                <a:ea typeface="+mn-ea"/>
+                <a:cs typeface="+mn-cs"/>
+              </a:defRPr>
+            </a:lvl3pPr>
+            <a:lvl4pPr marL="1600200" indent="-228600" algn="l" defTabSz="914400" rtl="0" eaLnBrk="1" latinLnBrk="0" hangingPunct="1">
+              <a:lnSpc>
+                <a:spcPct val="90000"/>
+              </a:lnSpc>
+              <a:spcBef>
+                <a:spcPts val="500"/>
+              </a:spcBef>
+              <a:buFont typeface="Arial" panose="020B0604020202020204" pitchFamily="34" charset="0"/>
+              <a:buChar char="•"/>
+              <a:defRPr sz="1800" kern="1200">
+                <a:solidFill>
+                  <a:schemeClr val="tx1"/>
+                </a:solidFill>
+                <a:latin typeface="+mn-lt"/>
+                <a:ea typeface="+mn-ea"/>
+                <a:cs typeface="+mn-cs"/>
+              </a:defRPr>
+            </a:lvl4pPr>
+            <a:lvl5pPr marL="2057400" indent="-228600" algn="l" defTabSz="914400" rtl="0" eaLnBrk="1" latinLnBrk="0" hangingPunct="1">
+              <a:lnSpc>
+                <a:spcPct val="90000"/>
+              </a:lnSpc>
+              <a:spcBef>
+                <a:spcPts val="500"/>
+              </a:spcBef>
+              <a:buFont typeface="Arial" panose="020B0604020202020204" pitchFamily="34" charset="0"/>
+              <a:buChar char="•"/>
+              <a:defRPr sz="1800" kern="1200">
+                <a:solidFill>
+                  <a:schemeClr val="tx1"/>
+                </a:solidFill>
+                <a:latin typeface="+mn-lt"/>
+                <a:ea typeface="+mn-ea"/>
+                <a:cs typeface="+mn-cs"/>
+              </a:defRPr>
+            </a:lvl5pPr>
+            <a:lvl6pPr marL="2514600" indent="-228600" algn="l" defTabSz="914400" rtl="0" eaLnBrk="1" latinLnBrk="0" hangingPunct="1">
+              <a:lnSpc>
+                <a:spcPct val="90000"/>
+              </a:lnSpc>
+              <a:spcBef>
+                <a:spcPts val="500"/>
+              </a:spcBef>
+              <a:buFont typeface="Arial" panose="020B0604020202020204" pitchFamily="34" charset="0"/>
+              <a:buChar char="•"/>
+              <a:defRPr sz="1800" kern="1200">
+                <a:solidFill>
+                  <a:schemeClr val="tx1"/>
+                </a:solidFill>
+                <a:latin typeface="+mn-lt"/>
+                <a:ea typeface="+mn-ea"/>
+                <a:cs typeface="+mn-cs"/>
+              </a:defRPr>
+            </a:lvl6pPr>
+            <a:lvl7pPr marL="2971800" indent="-228600" algn="l" defTabSz="914400" rtl="0" eaLnBrk="1" latinLnBrk="0" hangingPunct="1">
+              <a:lnSpc>
+                <a:spcPct val="90000"/>
+              </a:lnSpc>
+              <a:spcBef>
+                <a:spcPts val="500"/>
+              </a:spcBef>
+              <a:buFont typeface="Arial" panose="020B0604020202020204" pitchFamily="34" charset="0"/>
+              <a:buChar char="•"/>
+              <a:defRPr sz="1800" kern="1200">
+                <a:solidFill>
+                  <a:schemeClr val="tx1"/>
+                </a:solidFill>
+                <a:latin typeface="+mn-lt"/>
+                <a:ea typeface="+mn-ea"/>
+                <a:cs typeface="+mn-cs"/>
+              </a:defRPr>
+            </a:lvl7pPr>
+            <a:lvl8pPr marL="3429000" indent="-228600" algn="l" defTabSz="914400" rtl="0" eaLnBrk="1" latinLnBrk="0" hangingPunct="1">
+              <a:lnSpc>
+                <a:spcPct val="90000"/>
+              </a:lnSpc>
+              <a:spcBef>
+                <a:spcPts val="500"/>
+              </a:spcBef>
+              <a:buFont typeface="Arial" panose="020B0604020202020204" pitchFamily="34" charset="0"/>
+              <a:buChar char="•"/>
+              <a:defRPr sz="1800" kern="1200">
+                <a:solidFill>
+                  <a:schemeClr val="tx1"/>
+                </a:solidFill>
+                <a:latin typeface="+mn-lt"/>
+                <a:ea typeface="+mn-ea"/>
+                <a:cs typeface="+mn-cs"/>
+              </a:defRPr>
+            </a:lvl8pPr>
+            <a:lvl9pPr marL="3886200" indent="-228600" algn="l" defTabSz="914400" rtl="0" eaLnBrk="1" latinLnBrk="0" hangingPunct="1">
+              <a:lnSpc>
+                <a:spcPct val="90000"/>
+              </a:lnSpc>
+              <a:spcBef>
+                <a:spcPts val="500"/>
+              </a:spcBef>
+              <a:buFont typeface="Arial" panose="020B0604020202020204" pitchFamily="34" charset="0"/>
+              <a:buChar char="•"/>
+              <a:defRPr sz="1800" kern="1200">
+                <a:solidFill>
+                  <a:schemeClr val="tx1"/>
+                </a:solidFill>
+                <a:latin typeface="+mn-lt"/>
+                <a:ea typeface="+mn-ea"/>
+                <a:cs typeface="+mn-cs"/>
+              </a:defRPr>
+            </a:lvl9pPr>
+          </a:lstStyle>
+          <a:p>
+            <a:r>
+              <a:rPr lang="zh-CN" altLang="en-US" sz="2400" dirty="0">
+                <a:solidFill>
+                  <a:srgbClr val="5F5D70"/>
+                </a:solidFill>
+                <a:latin typeface="+mn-lt"/>
+                <a:ea typeface="+mn-ea"/>
+                <a:cs typeface="+mn-ea"/>
+                <a:sym typeface="+mn-lt"/>
+              </a:rPr>
+              <a:t>高级特性</a:t>
+            </a:r>
+          </a:p>
+        </p:txBody>
+      </p:sp>
+      <p:sp>
+        <p:nvSpPr>
+          <p:cNvPr id="3" name="文本框 2">
+            <a:extLst>
+              <a:ext uri="{FF2B5EF4-FFF2-40B4-BE49-F238E27FC236}">
+                <a16:creationId xmlns:a16="http://schemas.microsoft.com/office/drawing/2014/main" id="{13CE9D51-8236-894C-93E1-49CBACF7BF6C}"/>
+              </a:ext>
+            </a:extLst>
+          </p:cNvPr>
+          <p:cNvSpPr txBox="1"/>
+          <p:nvPr/>
+        </p:nvSpPr>
+        <p:spPr>
+          <a:xfrm>
+            <a:off x="1086522" y="952500"/>
+            <a:ext cx="9073478" cy="646331"/>
+          </a:xfrm>
+          <a:prstGeom prst="rect">
+            <a:avLst/>
+          </a:prstGeom>
+          <a:noFill/>
+        </p:spPr>
+        <p:txBody>
+          <a:bodyPr wrap="square" rtlCol="0">
+            <a:spAutoFit/>
+          </a:bodyPr>
+          <a:lstStyle/>
+          <a:p>
+            <a:r>
+              <a:rPr kumimoji="1" lang="en-US" altLang="zh-CN" dirty="0"/>
+              <a:t>1.</a:t>
+            </a:r>
+            <a:r>
+              <a:rPr kumimoji="1" lang="zh-CN" altLang="en-US" dirty="0"/>
+              <a:t>函数式：</a:t>
+            </a:r>
+            <a:endParaRPr kumimoji="1" lang="en-US" altLang="zh-CN" dirty="0"/>
+          </a:p>
+          <a:p>
+            <a:r>
+              <a:rPr kumimoji="1" lang="en-US" altLang="zh-CN" dirty="0"/>
+              <a:t>Kotlin</a:t>
+            </a:r>
+            <a:r>
+              <a:rPr kumimoji="1" lang="zh-CN" altLang="en-US" dirty="0"/>
+              <a:t>支持函数式，函数是头等公民</a:t>
+            </a:r>
+            <a:r>
+              <a:rPr kumimoji="1" lang="en-US" altLang="zh-CN" dirty="0"/>
+              <a:t>(</a:t>
+            </a:r>
+            <a:r>
+              <a:rPr kumimoji="1" lang="en-US" altLang="zh-CN" dirty="0" err="1"/>
+              <a:t>let,also,run</a:t>
+            </a:r>
+            <a:r>
+              <a:rPr kumimoji="1" lang="zh-CN" altLang="en-US" dirty="0"/>
+              <a:t>等</a:t>
+            </a:r>
+            <a:r>
+              <a:rPr kumimoji="1" lang="en-US" altLang="zh-CN" dirty="0" err="1"/>
+              <a:t>api</a:t>
+            </a:r>
+            <a:r>
+              <a:rPr kumimoji="1" lang="en-US" altLang="zh-CN" dirty="0"/>
+              <a:t>)</a:t>
+            </a:r>
+            <a:endParaRPr kumimoji="1" lang="zh-CN" altLang="en-US" dirty="0"/>
+          </a:p>
+        </p:txBody>
+      </p:sp>
+      <p:sp>
+        <p:nvSpPr>
+          <p:cNvPr id="11" name="文本框 10">
+            <a:extLst>
+              <a:ext uri="{FF2B5EF4-FFF2-40B4-BE49-F238E27FC236}">
+                <a16:creationId xmlns:a16="http://schemas.microsoft.com/office/drawing/2014/main" id="{20E799FB-E6F7-4948-8233-BA730E7FFF97}"/>
+              </a:ext>
+            </a:extLst>
+          </p:cNvPr>
+          <p:cNvSpPr txBox="1"/>
+          <p:nvPr/>
+        </p:nvSpPr>
+        <p:spPr>
+          <a:xfrm>
+            <a:off x="1090638" y="1747454"/>
+            <a:ext cx="9073478" cy="646331"/>
+          </a:xfrm>
+          <a:prstGeom prst="rect">
+            <a:avLst/>
+          </a:prstGeom>
+          <a:noFill/>
+        </p:spPr>
+        <p:txBody>
+          <a:bodyPr wrap="square" rtlCol="0">
+            <a:spAutoFit/>
+          </a:bodyPr>
+          <a:lstStyle/>
+          <a:p>
+            <a:r>
+              <a:rPr kumimoji="1" lang="en-US" altLang="zh-CN" dirty="0"/>
+              <a:t>2.</a:t>
+            </a:r>
+            <a:r>
+              <a:rPr kumimoji="1" lang="zh-CN" altLang="en-US" dirty="0"/>
+              <a:t>协程：</a:t>
+            </a:r>
+            <a:endParaRPr kumimoji="1" lang="en-US" altLang="zh-CN" dirty="0"/>
+          </a:p>
+          <a:p>
+            <a:r>
+              <a:rPr kumimoji="1" lang="zh-CN" altLang="en-US" dirty="0"/>
+              <a:t>更轻量级的线程</a:t>
+            </a:r>
+          </a:p>
+        </p:txBody>
+      </p:sp>
+      <p:sp>
+        <p:nvSpPr>
+          <p:cNvPr id="13" name="文本框 12">
+            <a:extLst>
+              <a:ext uri="{FF2B5EF4-FFF2-40B4-BE49-F238E27FC236}">
+                <a16:creationId xmlns:a16="http://schemas.microsoft.com/office/drawing/2014/main" id="{27E78721-DD02-0E4B-91E9-8F18B7B28410}"/>
+              </a:ext>
+            </a:extLst>
+          </p:cNvPr>
+          <p:cNvSpPr txBox="1"/>
+          <p:nvPr/>
+        </p:nvSpPr>
+        <p:spPr>
+          <a:xfrm>
+            <a:off x="1086522" y="2640800"/>
+            <a:ext cx="9073478" cy="646331"/>
+          </a:xfrm>
+          <a:prstGeom prst="rect">
+            <a:avLst/>
+          </a:prstGeom>
+          <a:noFill/>
+        </p:spPr>
+        <p:txBody>
+          <a:bodyPr wrap="square" rtlCol="0">
+            <a:spAutoFit/>
+          </a:bodyPr>
+          <a:lstStyle/>
+          <a:p>
+            <a:r>
+              <a:rPr kumimoji="1" lang="en-US" altLang="zh-CN" dirty="0"/>
+              <a:t>3.DSL</a:t>
+            </a:r>
+            <a:r>
+              <a:rPr kumimoji="1" lang="zh-CN" altLang="en-US" dirty="0"/>
+              <a:t>扩展：</a:t>
+            </a:r>
+            <a:endParaRPr kumimoji="1" lang="en-US" altLang="zh-CN" dirty="0"/>
+          </a:p>
+          <a:p>
+            <a:r>
+              <a:rPr kumimoji="1" lang="zh-CN" altLang="en-US" dirty="0"/>
+              <a:t>书写</a:t>
+            </a:r>
+            <a:r>
+              <a:rPr kumimoji="1" lang="en-US" altLang="zh-CN" dirty="0"/>
+              <a:t>xml</a:t>
+            </a:r>
+            <a:r>
+              <a:rPr kumimoji="1" lang="zh-CN" altLang="en-US" dirty="0"/>
+              <a:t>布局</a:t>
+            </a:r>
+          </a:p>
+        </p:txBody>
+      </p:sp>
+      <p:sp>
+        <p:nvSpPr>
+          <p:cNvPr id="14" name="文本框 13">
+            <a:extLst>
+              <a:ext uri="{FF2B5EF4-FFF2-40B4-BE49-F238E27FC236}">
+                <a16:creationId xmlns:a16="http://schemas.microsoft.com/office/drawing/2014/main" id="{2268F562-75FD-5C4B-A6CE-79C360DFDB7A}"/>
+              </a:ext>
+            </a:extLst>
+          </p:cNvPr>
+          <p:cNvSpPr txBox="1"/>
+          <p:nvPr/>
+        </p:nvSpPr>
+        <p:spPr>
+          <a:xfrm>
+            <a:off x="1086522" y="3538952"/>
+            <a:ext cx="9073478" cy="646331"/>
+          </a:xfrm>
+          <a:prstGeom prst="rect">
+            <a:avLst/>
+          </a:prstGeom>
+          <a:noFill/>
+        </p:spPr>
+        <p:txBody>
+          <a:bodyPr wrap="square" rtlCol="0">
+            <a:spAutoFit/>
+          </a:bodyPr>
+          <a:lstStyle/>
+          <a:p>
+            <a:r>
+              <a:rPr kumimoji="1" lang="en-US" altLang="zh-CN" dirty="0"/>
+              <a:t>4.Kotlin</a:t>
+            </a:r>
+            <a:r>
+              <a:rPr kumimoji="1" lang="zh-CN" altLang="en-US" dirty="0"/>
+              <a:t>反射：</a:t>
+            </a:r>
+            <a:endParaRPr kumimoji="1" lang="en-US" altLang="zh-CN" dirty="0"/>
+          </a:p>
+          <a:p>
+            <a:r>
+              <a:rPr kumimoji="1" lang="zh-CN" altLang="en-US" dirty="0"/>
+              <a:t>支持</a:t>
+            </a:r>
+            <a:r>
+              <a:rPr kumimoji="1" lang="en-US" altLang="zh-CN" dirty="0"/>
+              <a:t>java</a:t>
+            </a:r>
+            <a:r>
+              <a:rPr kumimoji="1" lang="zh-CN" altLang="en-US" dirty="0"/>
+              <a:t>反射的条件下</a:t>
+            </a:r>
+            <a:r>
+              <a:rPr kumimoji="1" lang="en-US" altLang="zh-CN" dirty="0"/>
+              <a:t>,</a:t>
+            </a:r>
+            <a:r>
+              <a:rPr kumimoji="1" lang="zh-CN" altLang="en-US" dirty="0"/>
+              <a:t>自己还有一套反射体系</a:t>
+            </a:r>
+            <a:r>
+              <a:rPr kumimoji="1" lang="en-US" altLang="zh-CN" dirty="0"/>
+              <a:t>	</a:t>
+            </a:r>
+            <a:endParaRPr kumimoji="1" lang="zh-CN" altLang="en-US" dirty="0"/>
+          </a:p>
+        </p:txBody>
+      </p:sp>
+    </p:spTree>
+    <p:extLst>
+      <p:ext uri="{BB962C8B-B14F-4D97-AF65-F5344CB8AC3E}">
+        <p14:creationId xmlns:p14="http://schemas.microsoft.com/office/powerpoint/2010/main" val="3237122113"/>
+      </p:ext>
+    </p:extLst>
+  </p:cSld>
+  <p:clrMapOvr>
+    <a:masterClrMapping/>
+  </p:clrMapOvr>
+  <p:timing>
+    <p:tnLst>
+      <p:par>
+        <p:cTn id="1" dur="indefinite" restart="never" nodeType="tmRoot">
+          <p:childTnLst>
+            <p:seq concurrent="1" nextAc="seek">
+              <p:cTn id="2" dur="indefinite" nodeType="mainSeq">
+                <p:childTnLst>
+                  <p:par>
+                    <p:cTn id="3" fill="hold">
+                      <p:stCondLst>
+                        <p:cond delay="indefinite"/>
+                      </p:stCondLst>
+                      <p:childTnLst>
+                        <p:par>
+                          <p:cTn id="4" fill="hold">
+                            <p:stCondLst>
+                              <p:cond delay="0"/>
+                            </p:stCondLst>
+                            <p:childTnLst>
+                              <p:par>
+                                <p:cTn id="5" presetID="1" presetClass="entr" presetSubtype="0" fill="hold" grpId="0" nodeType="clickEffect">
+                                  <p:stCondLst>
+                                    <p:cond delay="0"/>
+                                  </p:stCondLst>
+                                  <p:childTnLst>
+                                    <p:set>
+                                      <p:cBhvr>
+                                        <p:cTn id="6" dur="1" fill="hold">
+                                          <p:stCondLst>
+                                            <p:cond delay="0"/>
+                                          </p:stCondLst>
+                                        </p:cTn>
+                                        <p:tgtEl>
+                                          <p:spTgt spid="3"/>
+                                        </p:tgtEl>
+                                        <p:attrNameLst>
+                                          <p:attrName>style.visibility</p:attrName>
+                                        </p:attrNameLst>
+                                      </p:cBhvr>
+                                      <p:to>
+                                        <p:strVal val="visible"/>
+                                      </p:to>
+                                    </p:set>
+                                  </p:childTnLst>
+                                </p:cTn>
+                              </p:par>
+                            </p:childTnLst>
+                          </p:cTn>
+                        </p:par>
+                      </p:childTnLst>
+                    </p:cTn>
+                  </p:par>
+                  <p:par>
+                    <p:cTn id="7" fill="hold">
+                      <p:stCondLst>
+                        <p:cond delay="indefinite"/>
+                      </p:stCondLst>
+                      <p:childTnLst>
+                        <p:par>
+                          <p:cTn id="8" fill="hold">
+                            <p:stCondLst>
+                              <p:cond delay="0"/>
+                            </p:stCondLst>
+                            <p:childTnLst>
+                              <p:par>
+                                <p:cTn id="9" presetID="1" presetClass="entr" presetSubtype="0" fill="hold" grpId="0" nodeType="clickEffect">
+                                  <p:stCondLst>
+                                    <p:cond delay="0"/>
+                                  </p:stCondLst>
+                                  <p:childTnLst>
+                                    <p:set>
+                                      <p:cBhvr>
+                                        <p:cTn id="10" dur="1" fill="hold">
+                                          <p:stCondLst>
+                                            <p:cond delay="0"/>
+                                          </p:stCondLst>
+                                        </p:cTn>
+                                        <p:tgtEl>
+                                          <p:spTgt spid="11"/>
+                                        </p:tgtEl>
+                                        <p:attrNameLst>
+                                          <p:attrName>style.visibility</p:attrName>
+                                        </p:attrNameLst>
+                                      </p:cBhvr>
+                                      <p:to>
+                                        <p:strVal val="visible"/>
+                                      </p:to>
+                                    </p:set>
+                                  </p:childTnLst>
+                                </p:cTn>
+                              </p:par>
+                            </p:childTnLst>
+                          </p:cTn>
+                        </p:par>
+                      </p:childTnLst>
+                    </p:cTn>
+                  </p:par>
+                  <p:par>
+                    <p:cTn id="11" fill="hold">
+                      <p:stCondLst>
+                        <p:cond delay="indefinite"/>
+                      </p:stCondLst>
+                      <p:childTnLst>
+                        <p:par>
+                          <p:cTn id="12" fill="hold">
+                            <p:stCondLst>
+                              <p:cond delay="0"/>
+                            </p:stCondLst>
+                            <p:childTnLst>
+                              <p:par>
+                                <p:cTn id="13" presetID="1" presetClass="entr" presetSubtype="0" fill="hold" grpId="0" nodeType="clickEffect">
+                                  <p:stCondLst>
+                                    <p:cond delay="0"/>
+                                  </p:stCondLst>
+                                  <p:childTnLst>
+                                    <p:set>
+                                      <p:cBhvr>
+                                        <p:cTn id="14" dur="1" fill="hold">
+                                          <p:stCondLst>
+                                            <p:cond delay="0"/>
+                                          </p:stCondLst>
+                                        </p:cTn>
+                                        <p:tgtEl>
+                                          <p:spTgt spid="13"/>
+                                        </p:tgtEl>
+                                        <p:attrNameLst>
+                                          <p:attrName>style.visibility</p:attrName>
+                                        </p:attrNameLst>
+                                      </p:cBhvr>
+                                      <p:to>
+                                        <p:strVal val="visible"/>
+                                      </p:to>
+                                    </p:set>
+                                  </p:childTnLst>
+                                </p:cTn>
+                              </p:par>
+                            </p:childTnLst>
+                          </p:cTn>
+                        </p:par>
+                      </p:childTnLst>
+                    </p:cTn>
+                  </p:par>
+                  <p:par>
+                    <p:cTn id="15" fill="hold">
+                      <p:stCondLst>
+                        <p:cond delay="indefinite"/>
+                      </p:stCondLst>
+                      <p:childTnLst>
+                        <p:par>
+                          <p:cTn id="16" fill="hold">
+                            <p:stCondLst>
+                              <p:cond delay="0"/>
+                            </p:stCondLst>
+                            <p:childTnLst>
+                              <p:par>
+                                <p:cTn id="17" presetID="1" presetClass="entr" presetSubtype="0" fill="hold" grpId="0" nodeType="clickEffect">
+                                  <p:stCondLst>
+                                    <p:cond delay="0"/>
+                                  </p:stCondLst>
+                                  <p:childTnLst>
+                                    <p:set>
+                                      <p:cBhvr>
+                                        <p:cTn id="18" dur="1" fill="hold">
+                                          <p:stCondLst>
+                                            <p:cond delay="0"/>
+                                          </p:stCondLst>
+                                        </p:cTn>
+                                        <p:tgtEl>
+                                          <p:spTgt spid="14"/>
+                                        </p:tgtEl>
+                                        <p:attrNameLst>
+                                          <p:attrName>style.visibility</p:attrName>
+                                        </p:attrNameLst>
+                                      </p:cBhvr>
+                                      <p:to>
+                                        <p:strVal val="visible"/>
+                                      </p:to>
+                                    </p:set>
+                                  </p:childTnLst>
+                                </p:cTn>
+                              </p:par>
+                            </p:childTnLst>
+                          </p:cTn>
+                        </p:par>
+                      </p:childTnLst>
+                    </p:cTn>
+                  </p:par>
+                </p:childTnLst>
+              </p:cTn>
+              <p:prevCondLst>
+                <p:cond evt="onPrev" delay="0">
+                  <p:tgtEl>
+                    <p:sldTgt/>
+                  </p:tgtEl>
+                </p:cond>
+              </p:prevCondLst>
+              <p:nextCondLst>
+                <p:cond evt="onNext" delay="0">
+                  <p:tgtEl>
+                    <p:sldTgt/>
+                  </p:tgtEl>
+                </p:cond>
+              </p:nextCondLst>
+            </p:seq>
+          </p:childTnLst>
+        </p:cTn>
+      </p:par>
+    </p:tnLst>
+    <p:bldLst>
+      <p:bldP spid="3" grpId="0"/>
+      <p:bldP spid="11" grpId="0"/>
+      <p:bldP spid="13" grpId="0"/>
+      <p:bldP spid="14" grpId="0"/>
+    </p:bldLst>
+  </p:timing>
+</p:sld>
+</file>
+
+<file path=ppt/slides/slide18.xml><?xml version="1.0" encoding="utf-8"?>
 <p:sld xmlns:a="http://schemas.openxmlformats.org/drawingml/2006/main" xmlns:r="http://schemas.openxmlformats.org/officeDocument/2006/relationships" xmlns:p="http://schemas.openxmlformats.org/presentationml/2006/main">
   <p:cSld>
     <p:spTree>
@@ -12692,7 +15759,7 @@
             </a:r>
             <a:r>
               <a:rPr kumimoji="1" lang="zh-CN" altLang="en-US" sz="2400" b="1" dirty="0"/>
-              <a:t>的诞生及上位</a:t>
+              <a:t>的诞生</a:t>
             </a:r>
           </a:p>
         </p:txBody>
@@ -12833,83 +15900,36 @@
           </a:p>
         </p:txBody>
       </p:sp>
-      <p:sp>
-        <p:nvSpPr>
-          <p:cNvPr id="8" name="文本框 7">
+      <p:pic>
+        <p:nvPicPr>
+          <p:cNvPr id="9" name="图片 8">
             <a:extLst>
               <a:ext uri="{FF2B5EF4-FFF2-40B4-BE49-F238E27FC236}">
-                <a16:creationId xmlns:a16="http://schemas.microsoft.com/office/drawing/2014/main" id="{21C1E9DD-7CAD-CD49-B657-99EF8ACEF3FE}"/>
+                <a16:creationId xmlns:a16="http://schemas.microsoft.com/office/drawing/2014/main" id="{E8ECCA34-FE01-8C4D-99F1-8FCE42219922}"/>
               </a:ext>
             </a:extLst>
           </p:cNvPr>
-          <p:cNvSpPr txBox="1"/>
+          <p:cNvPicPr>
+            <a:picLocks noChangeAspect="1"/>
+          </p:cNvPicPr>
           <p:nvPr/>
-        </p:nvSpPr>
-        <p:spPr>
-          <a:xfrm>
-            <a:off x="1240971" y="4210229"/>
-            <a:ext cx="9187543" cy="646331"/>
+        </p:nvPicPr>
+        <p:blipFill>
+          <a:blip r:embed="rId5"/>
+          <a:stretch>
+            <a:fillRect/>
+          </a:stretch>
+        </p:blipFill>
+        <p:spPr>
+          <a:xfrm>
+            <a:off x="4506686" y="3665200"/>
+            <a:ext cx="4549150" cy="2845598"/>
           </a:xfrm>
           <a:prstGeom prst="rect">
             <a:avLst/>
           </a:prstGeom>
-          <a:noFill/>
-        </p:spPr>
-        <p:txBody>
-          <a:bodyPr wrap="square" rtlCol="0">
-            <a:spAutoFit/>
-          </a:bodyPr>
-          <a:lstStyle/>
-          <a:p>
-            <a:r>
-              <a:rPr kumimoji="1" lang="zh-CN" altLang="en-US" dirty="0"/>
-              <a:t>上位之旅</a:t>
-            </a:r>
-            <a:r>
-              <a:rPr kumimoji="1" lang="en-US" altLang="zh-CN" dirty="0"/>
-              <a:t>:</a:t>
-            </a:r>
-          </a:p>
-          <a:p>
-            <a:r>
-              <a:rPr kumimoji="1" lang="zh-CN" altLang="en-US" dirty="0"/>
-              <a:t>在</a:t>
-            </a:r>
-            <a:r>
-              <a:rPr kumimoji="1" lang="en" altLang="zh-CN" dirty="0"/>
-              <a:t>Google I/O 2017</a:t>
-            </a:r>
-            <a:r>
-              <a:rPr kumimoji="1" lang="zh-CN" altLang="en-US" dirty="0"/>
-              <a:t>中，</a:t>
-            </a:r>
-            <a:r>
-              <a:rPr kumimoji="1" lang="en" altLang="zh-CN" dirty="0"/>
-              <a:t>Google</a:t>
-            </a:r>
-            <a:r>
-              <a:rPr kumimoji="1" lang="zh-CN" altLang="en-US" dirty="0"/>
-              <a:t>宣布在</a:t>
-            </a:r>
-            <a:r>
-              <a:rPr kumimoji="1" lang="en" altLang="zh-CN" dirty="0"/>
-              <a:t>Android</a:t>
-            </a:r>
-            <a:r>
-              <a:rPr kumimoji="1" lang="zh-CN" altLang="en-US" dirty="0"/>
-              <a:t>上为</a:t>
-            </a:r>
-            <a:r>
-              <a:rPr kumimoji="1" lang="en" altLang="zh-CN" dirty="0"/>
-              <a:t>Kotlin</a:t>
-            </a:r>
-            <a:r>
-              <a:rPr kumimoji="1" lang="zh-CN" altLang="en-US" dirty="0"/>
-              <a:t>提供最佳支持</a:t>
-            </a:r>
-          </a:p>
-        </p:txBody>
-      </p:sp>
+        </p:spPr>
+      </p:pic>
     </p:spTree>
     <p:extLst>
       <p:ext uri="{BB962C8B-B14F-4D97-AF65-F5344CB8AC3E}">
@@ -12920,6 +15940,229 @@
   <p:clrMapOvr>
     <a:masterClrMapping/>
   </p:clrMapOvr>
+  <p:timing>
+    <p:tnLst>
+      <p:par>
+        <p:cTn id="1" dur="indefinite" restart="never" nodeType="tmRoot">
+          <p:childTnLst>
+            <p:seq concurrent="1" nextAc="seek">
+              <p:cTn id="2" dur="indefinite" nodeType="mainSeq">
+                <p:childTnLst>
+                  <p:par>
+                    <p:cTn id="3" fill="hold">
+                      <p:stCondLst>
+                        <p:cond delay="indefinite"/>
+                      </p:stCondLst>
+                      <p:childTnLst>
+                        <p:par>
+                          <p:cTn id="4" fill="hold">
+                            <p:stCondLst>
+                              <p:cond delay="0"/>
+                            </p:stCondLst>
+                            <p:childTnLst>
+                              <p:par>
+                                <p:cTn id="5" presetID="1" presetClass="entr" presetSubtype="0" fill="hold" grpId="0" nodeType="clickEffect">
+                                  <p:stCondLst>
+                                    <p:cond delay="0"/>
+                                  </p:stCondLst>
+                                  <p:childTnLst>
+                                    <p:set>
+                                      <p:cBhvr>
+                                        <p:cTn id="6" dur="1" fill="hold">
+                                          <p:stCondLst>
+                                            <p:cond delay="0"/>
+                                          </p:stCondLst>
+                                        </p:cTn>
+                                        <p:tgtEl>
+                                          <p:spTgt spid="4"/>
+                                        </p:tgtEl>
+                                        <p:attrNameLst>
+                                          <p:attrName>style.visibility</p:attrName>
+                                        </p:attrNameLst>
+                                      </p:cBhvr>
+                                      <p:to>
+                                        <p:strVal val="visible"/>
+                                      </p:to>
+                                    </p:set>
+                                  </p:childTnLst>
+                                </p:cTn>
+                              </p:par>
+                            </p:childTnLst>
+                          </p:cTn>
+                        </p:par>
+                      </p:childTnLst>
+                    </p:cTn>
+                  </p:par>
+                  <p:par>
+                    <p:cTn id="7" fill="hold">
+                      <p:stCondLst>
+                        <p:cond delay="indefinite"/>
+                      </p:stCondLst>
+                      <p:childTnLst>
+                        <p:par>
+                          <p:cTn id="8" fill="hold">
+                            <p:stCondLst>
+                              <p:cond delay="0"/>
+                            </p:stCondLst>
+                            <p:childTnLst>
+                              <p:par>
+                                <p:cTn id="9" presetID="1" presetClass="entr" presetSubtype="0" fill="hold" grpId="0" nodeType="clickEffect">
+                                  <p:stCondLst>
+                                    <p:cond delay="0"/>
+                                  </p:stCondLst>
+                                  <p:childTnLst>
+                                    <p:set>
+                                      <p:cBhvr>
+                                        <p:cTn id="10" dur="1" fill="hold">
+                                          <p:stCondLst>
+                                            <p:cond delay="0"/>
+                                          </p:stCondLst>
+                                        </p:cTn>
+                                        <p:tgtEl>
+                                          <p:spTgt spid="5"/>
+                                        </p:tgtEl>
+                                        <p:attrNameLst>
+                                          <p:attrName>style.visibility</p:attrName>
+                                        </p:attrNameLst>
+                                      </p:cBhvr>
+                                      <p:to>
+                                        <p:strVal val="visible"/>
+                                      </p:to>
+                                    </p:set>
+                                  </p:childTnLst>
+                                </p:cTn>
+                              </p:par>
+                            </p:childTnLst>
+                          </p:cTn>
+                        </p:par>
+                      </p:childTnLst>
+                    </p:cTn>
+                  </p:par>
+                  <p:par>
+                    <p:cTn id="11" fill="hold">
+                      <p:stCondLst>
+                        <p:cond delay="indefinite"/>
+                      </p:stCondLst>
+                      <p:childTnLst>
+                        <p:par>
+                          <p:cTn id="12" fill="hold">
+                            <p:stCondLst>
+                              <p:cond delay="0"/>
+                            </p:stCondLst>
+                            <p:childTnLst>
+                              <p:par>
+                                <p:cTn id="13" presetID="1" presetClass="entr" presetSubtype="0" fill="hold" grpId="0" nodeType="clickEffect">
+                                  <p:stCondLst>
+                                    <p:cond delay="0"/>
+                                  </p:stCondLst>
+                                  <p:childTnLst>
+                                    <p:set>
+                                      <p:cBhvr>
+                                        <p:cTn id="14" dur="1" fill="hold">
+                                          <p:stCondLst>
+                                            <p:cond delay="0"/>
+                                          </p:stCondLst>
+                                        </p:cTn>
+                                        <p:tgtEl>
+                                          <p:spTgt spid="7"/>
+                                        </p:tgtEl>
+                                        <p:attrNameLst>
+                                          <p:attrName>style.visibility</p:attrName>
+                                        </p:attrNameLst>
+                                      </p:cBhvr>
+                                      <p:to>
+                                        <p:strVal val="visible"/>
+                                      </p:to>
+                                    </p:set>
+                                  </p:childTnLst>
+                                </p:cTn>
+                              </p:par>
+                            </p:childTnLst>
+                          </p:cTn>
+                        </p:par>
+                      </p:childTnLst>
+                    </p:cTn>
+                  </p:par>
+                  <p:par>
+                    <p:cTn id="15" fill="hold">
+                      <p:stCondLst>
+                        <p:cond delay="indefinite"/>
+                      </p:stCondLst>
+                      <p:childTnLst>
+                        <p:par>
+                          <p:cTn id="16" fill="hold">
+                            <p:stCondLst>
+                              <p:cond delay="0"/>
+                            </p:stCondLst>
+                            <p:childTnLst>
+                              <p:par>
+                                <p:cTn id="17" presetID="3" presetClass="entr" presetSubtype="10" fill="hold" nodeType="clickEffect">
+                                  <p:stCondLst>
+                                    <p:cond delay="0"/>
+                                  </p:stCondLst>
+                                  <p:childTnLst>
+                                    <p:set>
+                                      <p:cBhvr>
+                                        <p:cTn id="18" dur="1" fill="hold">
+                                          <p:stCondLst>
+                                            <p:cond delay="0"/>
+                                          </p:stCondLst>
+                                        </p:cTn>
+                                        <p:tgtEl>
+                                          <p:spTgt spid="9"/>
+                                        </p:tgtEl>
+                                        <p:attrNameLst>
+                                          <p:attrName>style.visibility</p:attrName>
+                                        </p:attrNameLst>
+                                      </p:cBhvr>
+                                      <p:to>
+                                        <p:strVal val="visible"/>
+                                      </p:to>
+                                    </p:set>
+                                    <p:animEffect transition="in" filter="blinds(horizontal)">
+                                      <p:cBhvr>
+                                        <p:cTn id="19" dur="500"/>
+                                        <p:tgtEl>
+                                          <p:spTgt spid="9"/>
+                                        </p:tgtEl>
+                                      </p:cBhvr>
+                                    </p:animEffect>
+                                  </p:childTnLst>
+                                </p:cTn>
+                              </p:par>
+                            </p:childTnLst>
+                          </p:cTn>
+                        </p:par>
+                      </p:childTnLst>
+                    </p:cTn>
+                  </p:par>
+                </p:childTnLst>
+              </p:cTn>
+              <p:prevCondLst>
+                <p:cond evt="onPrev" delay="0">
+                  <p:tgtEl>
+                    <p:sldTgt/>
+                  </p:tgtEl>
+                </p:cond>
+              </p:prevCondLst>
+              <p:nextCondLst>
+                <p:cond evt="onNext" delay="0">
+                  <p:tgtEl>
+                    <p:sldTgt/>
+                  </p:tgtEl>
+                </p:cond>
+              </p:nextCondLst>
+            </p:seq>
+          </p:childTnLst>
+        </p:cTn>
+      </p:par>
+    </p:tnLst>
+    <p:bldLst>
+      <p:bldP spid="4" grpId="0"/>
+      <p:bldP spid="5" grpId="0"/>
+      <p:bldP spid="7" grpId="0"/>
+    </p:bldLst>
+  </p:timing>
 </p:sld>
 </file>
 
@@ -13220,7 +16463,7 @@
                 <a:cs typeface="+mn-ea"/>
                 <a:sym typeface="+mn-lt"/>
               </a:rPr>
-              <a:t>发展</a:t>
+              <a:t>简介</a:t>
             </a:r>
           </a:p>
         </p:txBody>
@@ -13259,17 +16502,17 @@
             </a:r>
             <a:r>
               <a:rPr kumimoji="1" lang="zh-CN" altLang="en-US" sz="2400" b="1" dirty="0"/>
-              <a:t>的发展</a:t>
+              <a:t>的上位</a:t>
             </a:r>
           </a:p>
         </p:txBody>
       </p:sp>
       <p:sp>
         <p:nvSpPr>
-          <p:cNvPr id="5" name="文本框 4">
+          <p:cNvPr id="8" name="文本框 7">
             <a:extLst>
               <a:ext uri="{FF2B5EF4-FFF2-40B4-BE49-F238E27FC236}">
-                <a16:creationId xmlns:a16="http://schemas.microsoft.com/office/drawing/2014/main" id="{1944730D-0DB9-264D-8FBE-EA3110D10CE0}"/>
+                <a16:creationId xmlns:a16="http://schemas.microsoft.com/office/drawing/2014/main" id="{21C1E9DD-7CAD-CD49-B657-99EF8ACEF3FE}"/>
               </a:ext>
             </a:extLst>
           </p:cNvPr>
@@ -13278,8 +16521,8 @@
         </p:nvSpPr>
         <p:spPr>
           <a:xfrm>
-            <a:off x="1240971" y="2157186"/>
-            <a:ext cx="9579429" cy="369332"/>
+            <a:off x="1240971" y="1924229"/>
+            <a:ext cx="9187543" cy="646331"/>
           </a:xfrm>
           <a:prstGeom prst="rect">
             <a:avLst/>
@@ -13294,213 +16537,270 @@
           <a:p>
             <a:r>
               <a:rPr kumimoji="1" lang="zh-CN" altLang="en-US" dirty="0"/>
-              <a:t>初始</a:t>
+              <a:t>上位之旅</a:t>
             </a:r>
             <a:r>
               <a:rPr kumimoji="1" lang="en-US" altLang="zh-CN" dirty="0"/>
-              <a:t>: Kotlin</a:t>
-            </a:r>
+              <a:t>:</a:t>
+            </a:r>
+          </a:p>
+          <a:p>
             <a:r>
               <a:rPr kumimoji="1" lang="zh-CN" altLang="en-US" dirty="0"/>
-              <a:t>是想被设计为一种基于</a:t>
-            </a:r>
-            <a:r>
-              <a:rPr kumimoji="1" lang="en-US" altLang="zh-CN" dirty="0"/>
-              <a:t>JVM</a:t>
+              <a:t>在</a:t>
+            </a:r>
+            <a:r>
+              <a:rPr kumimoji="1" lang="en" altLang="zh-CN" dirty="0"/>
+              <a:t>Google I/O 2017</a:t>
             </a:r>
             <a:r>
               <a:rPr kumimoji="1" lang="zh-CN" altLang="en-US" dirty="0"/>
-              <a:t>上，用来替代</a:t>
-            </a:r>
-            <a:r>
-              <a:rPr kumimoji="1" lang="en-US" altLang="zh-CN" dirty="0"/>
-              <a:t>Java</a:t>
+              <a:t>中，</a:t>
+            </a:r>
+            <a:r>
+              <a:rPr kumimoji="1" lang="en" altLang="zh-CN" dirty="0"/>
+              <a:t>Google</a:t>
             </a:r>
             <a:r>
               <a:rPr kumimoji="1" lang="zh-CN" altLang="en-US" dirty="0"/>
-              <a:t>的语言</a:t>
-            </a:r>
-            <a:endParaRPr kumimoji="1" lang="en-US" altLang="zh-CN" dirty="0"/>
+              <a:t>宣布在</a:t>
+            </a:r>
+            <a:r>
+              <a:rPr kumimoji="1" lang="en" altLang="zh-CN" dirty="0"/>
+              <a:t>Android</a:t>
+            </a:r>
+            <a:r>
+              <a:rPr kumimoji="1" lang="zh-CN" altLang="en-US" dirty="0"/>
+              <a:t>上为</a:t>
+            </a:r>
+            <a:r>
+              <a:rPr kumimoji="1" lang="en" altLang="zh-CN" dirty="0"/>
+              <a:t>Kotlin</a:t>
+            </a:r>
+            <a:r>
+              <a:rPr kumimoji="1" lang="zh-CN" altLang="en-US" dirty="0"/>
+              <a:t>提供最佳支持</a:t>
+            </a:r>
           </a:p>
         </p:txBody>
       </p:sp>
-      <p:sp>
-        <p:nvSpPr>
-          <p:cNvPr id="10" name="文本框 9">
+      <p:pic>
+        <p:nvPicPr>
+          <p:cNvPr id="2" name="图片 1">
             <a:extLst>
               <a:ext uri="{FF2B5EF4-FFF2-40B4-BE49-F238E27FC236}">
-                <a16:creationId xmlns:a16="http://schemas.microsoft.com/office/drawing/2014/main" id="{1D26BAC1-921D-4645-8A68-C22FD96AFD0A}"/>
+                <a16:creationId xmlns:a16="http://schemas.microsoft.com/office/drawing/2014/main" id="{52E957F6-329C-D445-AC76-D4FF1FC35256}"/>
               </a:ext>
             </a:extLst>
           </p:cNvPr>
-          <p:cNvSpPr txBox="1"/>
+          <p:cNvPicPr>
+            <a:picLocks noChangeAspect="1"/>
+          </p:cNvPicPr>
           <p:nvPr/>
-        </p:nvSpPr>
-        <p:spPr>
-          <a:xfrm>
-            <a:off x="1240971" y="2640883"/>
-            <a:ext cx="9579429" cy="646331"/>
+        </p:nvPicPr>
+        <p:blipFill>
+          <a:blip r:embed="rId5"/>
+          <a:stretch>
+            <a:fillRect/>
+          </a:stretch>
+        </p:blipFill>
+        <p:spPr>
+          <a:xfrm>
+            <a:off x="3990974" y="2845668"/>
+            <a:ext cx="2981289" cy="3169978"/>
           </a:xfrm>
           <a:prstGeom prst="rect">
             <a:avLst/>
           </a:prstGeom>
-          <a:noFill/>
-        </p:spPr>
-        <p:txBody>
-          <a:bodyPr wrap="square" rtlCol="0">
-            <a:spAutoFit/>
-          </a:bodyPr>
-          <a:lstStyle/>
-          <a:p>
-            <a:r>
-              <a:rPr kumimoji="1" lang="en-US" altLang="zh-CN" dirty="0"/>
-              <a:t>JVM&gt;=JAVA</a:t>
-            </a:r>
-          </a:p>
-          <a:p>
-            <a:r>
-              <a:rPr kumimoji="1" lang="en-US" altLang="zh-CN" dirty="0"/>
-              <a:t>JVM</a:t>
-            </a:r>
-            <a:r>
-              <a:rPr kumimoji="1" lang="zh-CN" altLang="en-US" dirty="0"/>
-              <a:t>上的语言</a:t>
-            </a:r>
-            <a:r>
-              <a:rPr kumimoji="1" lang="en-US" altLang="zh-CN" dirty="0"/>
-              <a:t>:</a:t>
-            </a:r>
-            <a:r>
-              <a:rPr kumimoji="1" lang="en" altLang="zh-CN" dirty="0"/>
-              <a:t>Java</a:t>
-            </a:r>
-            <a:r>
-              <a:rPr kumimoji="1" lang="zh-CN" altLang="en" dirty="0"/>
-              <a:t>、</a:t>
-            </a:r>
-            <a:r>
-              <a:rPr kumimoji="1" lang="en" altLang="zh-CN" dirty="0"/>
-              <a:t>Scala</a:t>
-            </a:r>
-            <a:r>
-              <a:rPr kumimoji="1" lang="zh-CN" altLang="en" dirty="0"/>
-              <a:t>、</a:t>
-            </a:r>
-            <a:r>
-              <a:rPr kumimoji="1" lang="en" altLang="zh-CN" dirty="0"/>
-              <a:t>Groovy</a:t>
-            </a:r>
-            <a:r>
-              <a:rPr kumimoji="1" lang="zh-CN" altLang="en-US" dirty="0"/>
-              <a:t>、</a:t>
-            </a:r>
-            <a:r>
-              <a:rPr kumimoji="1" lang="en-US" altLang="zh-CN" dirty="0" err="1"/>
-              <a:t>JPython</a:t>
-            </a:r>
-            <a:endParaRPr kumimoji="1" lang="en-US" altLang="zh-CN" dirty="0"/>
-          </a:p>
-        </p:txBody>
-      </p:sp>
-      <p:sp>
-        <p:nvSpPr>
-          <p:cNvPr id="14" name="文本框 13">
-            <a:extLst>
-              <a:ext uri="{FF2B5EF4-FFF2-40B4-BE49-F238E27FC236}">
-                <a16:creationId xmlns:a16="http://schemas.microsoft.com/office/drawing/2014/main" id="{1B418396-3026-784E-AFE0-AF79F5EC4F18}"/>
-              </a:ext>
-            </a:extLst>
-          </p:cNvPr>
-          <p:cNvSpPr txBox="1"/>
-          <p:nvPr/>
-        </p:nvSpPr>
-        <p:spPr>
-          <a:xfrm>
-            <a:off x="1240971" y="3584519"/>
-            <a:ext cx="7141029" cy="1200329"/>
-          </a:xfrm>
-          <a:prstGeom prst="rect">
-            <a:avLst/>
-          </a:prstGeom>
-          <a:noFill/>
-        </p:spPr>
-        <p:txBody>
-          <a:bodyPr wrap="square" rtlCol="0">
-            <a:spAutoFit/>
-          </a:bodyPr>
-          <a:lstStyle/>
-          <a:p>
-            <a:r>
-              <a:rPr kumimoji="1" lang="zh-CN" altLang="en-US" dirty="0"/>
-              <a:t>发展：</a:t>
-            </a:r>
-            <a:endParaRPr kumimoji="1" lang="en-US" altLang="zh-CN" dirty="0"/>
-          </a:p>
-          <a:p>
-            <a:pPr marL="285750" indent="-285750">
-              <a:buFont typeface="Arial" panose="020B0604020202020204" pitchFamily="34" charset="0"/>
-              <a:buChar char="•"/>
-            </a:pPr>
-            <a:r>
-              <a:rPr kumimoji="1" lang="en-US" altLang="zh-CN" dirty="0"/>
-              <a:t>Kotlin</a:t>
-            </a:r>
-            <a:r>
-              <a:rPr kumimoji="1" lang="zh-CN" altLang="en-US" dirty="0"/>
-              <a:t>可以编译为</a:t>
-            </a:r>
-            <a:r>
-              <a:rPr kumimoji="1" lang="en-US" altLang="zh-CN" dirty="0"/>
-              <a:t>JavaScript</a:t>
-            </a:r>
-            <a:r>
-              <a:rPr kumimoji="1" lang="zh-CN" altLang="en-US" dirty="0"/>
-              <a:t>，提供对前端的支持</a:t>
-            </a:r>
-            <a:endParaRPr kumimoji="1" lang="en-US" altLang="zh-CN" dirty="0"/>
-          </a:p>
-          <a:p>
-            <a:pPr marL="285750" indent="-285750">
-              <a:buFont typeface="Arial" panose="020B0604020202020204" pitchFamily="34" charset="0"/>
-              <a:buChar char="•"/>
-            </a:pPr>
-            <a:r>
-              <a:rPr kumimoji="1" lang="zh-CN" altLang="en-US" dirty="0"/>
-              <a:t>分支 </a:t>
-            </a:r>
-            <a:r>
-              <a:rPr kumimoji="1" lang="en-US" altLang="zh-CN" dirty="0"/>
-              <a:t>Kotlin-native</a:t>
-            </a:r>
-            <a:r>
-              <a:rPr kumimoji="1" lang="zh-CN" altLang="en-US" dirty="0"/>
-              <a:t> 基于</a:t>
-            </a:r>
-            <a:r>
-              <a:rPr kumimoji="1" lang="en-US" altLang="zh-CN" dirty="0"/>
-              <a:t>LLVM,</a:t>
-            </a:r>
-            <a:r>
-              <a:rPr kumimoji="1" lang="zh-CN" altLang="en-US" dirty="0"/>
-              <a:t>提供了原生平台级别的编译（尚未成熟）</a:t>
-            </a:r>
-            <a:endParaRPr kumimoji="1" lang="en-US" altLang="zh-CN" dirty="0"/>
-          </a:p>
-          <a:p>
-            <a:endParaRPr kumimoji="1" lang="en-US" altLang="zh-CN" dirty="0"/>
-          </a:p>
-        </p:txBody>
-      </p:sp>
+        </p:spPr>
+      </p:pic>
     </p:spTree>
     <p:extLst>
       <p:ext uri="{BB962C8B-B14F-4D97-AF65-F5344CB8AC3E}">
-        <p14:creationId xmlns:p14="http://schemas.microsoft.com/office/powerpoint/2010/main" val="2165228180"/>
+        <p14:creationId xmlns:p14="http://schemas.microsoft.com/office/powerpoint/2010/main" val="983472825"/>
       </p:ext>
     </p:extLst>
   </p:cSld>
   <p:clrMapOvr>
     <a:masterClrMapping/>
   </p:clrMapOvr>
+  <p:timing>
+    <p:tnLst>
+      <p:par>
+        <p:cTn id="1" dur="indefinite" restart="never" nodeType="tmRoot">
+          <p:childTnLst>
+            <p:seq concurrent="1" nextAc="seek">
+              <p:cTn id="2" dur="indefinite" nodeType="mainSeq">
+                <p:childTnLst>
+                  <p:par>
+                    <p:cTn id="3" fill="hold">
+                      <p:stCondLst>
+                        <p:cond delay="indefinite"/>
+                      </p:stCondLst>
+                      <p:childTnLst>
+                        <p:par>
+                          <p:cTn id="4" fill="hold">
+                            <p:stCondLst>
+                              <p:cond delay="0"/>
+                            </p:stCondLst>
+                            <p:childTnLst>
+                              <p:par>
+                                <p:cTn id="5" presetID="1" presetClass="entr" presetSubtype="0" fill="hold" grpId="0" nodeType="clickEffect">
+                                  <p:stCondLst>
+                                    <p:cond delay="0"/>
+                                  </p:stCondLst>
+                                  <p:childTnLst>
+                                    <p:set>
+                                      <p:cBhvr>
+                                        <p:cTn id="6" dur="1" fill="hold">
+                                          <p:stCondLst>
+                                            <p:cond delay="0"/>
+                                          </p:stCondLst>
+                                        </p:cTn>
+                                        <p:tgtEl>
+                                          <p:spTgt spid="4"/>
+                                        </p:tgtEl>
+                                        <p:attrNameLst>
+                                          <p:attrName>style.visibility</p:attrName>
+                                        </p:attrNameLst>
+                                      </p:cBhvr>
+                                      <p:to>
+                                        <p:strVal val="visible"/>
+                                      </p:to>
+                                    </p:set>
+                                  </p:childTnLst>
+                                </p:cTn>
+                              </p:par>
+                            </p:childTnLst>
+                          </p:cTn>
+                        </p:par>
+                      </p:childTnLst>
+                    </p:cTn>
+                  </p:par>
+                  <p:par>
+                    <p:cTn id="7" fill="hold">
+                      <p:stCondLst>
+                        <p:cond delay="indefinite"/>
+                      </p:stCondLst>
+                      <p:childTnLst>
+                        <p:par>
+                          <p:cTn id="8" fill="hold">
+                            <p:stCondLst>
+                              <p:cond delay="0"/>
+                            </p:stCondLst>
+                            <p:childTnLst>
+                              <p:par>
+                                <p:cTn id="9" presetID="1" presetClass="entr" presetSubtype="0" fill="hold" grpId="0" nodeType="clickEffect">
+                                  <p:stCondLst>
+                                    <p:cond delay="0"/>
+                                  </p:stCondLst>
+                                  <p:childTnLst>
+                                    <p:set>
+                                      <p:cBhvr>
+                                        <p:cTn id="10" dur="1" fill="hold">
+                                          <p:stCondLst>
+                                            <p:cond delay="0"/>
+                                          </p:stCondLst>
+                                        </p:cTn>
+                                        <p:tgtEl>
+                                          <p:spTgt spid="8"/>
+                                        </p:tgtEl>
+                                        <p:attrNameLst>
+                                          <p:attrName>style.visibility</p:attrName>
+                                        </p:attrNameLst>
+                                      </p:cBhvr>
+                                      <p:to>
+                                        <p:strVal val="visible"/>
+                                      </p:to>
+                                    </p:set>
+                                  </p:childTnLst>
+                                </p:cTn>
+                              </p:par>
+                            </p:childTnLst>
+                          </p:cTn>
+                        </p:par>
+                      </p:childTnLst>
+                    </p:cTn>
+                  </p:par>
+                  <p:par>
+                    <p:cTn id="11" fill="hold">
+                      <p:stCondLst>
+                        <p:cond delay="indefinite"/>
+                      </p:stCondLst>
+                      <p:childTnLst>
+                        <p:par>
+                          <p:cTn id="12" fill="hold">
+                            <p:stCondLst>
+                              <p:cond delay="0"/>
+                            </p:stCondLst>
+                            <p:childTnLst>
+                              <p:par>
+                                <p:cTn id="13" presetID="3" presetClass="entr" presetSubtype="10" fill="hold" nodeType="clickEffect">
+                                  <p:stCondLst>
+                                    <p:cond delay="0"/>
+                                  </p:stCondLst>
+                                  <p:childTnLst>
+                                    <p:set>
+                                      <p:cBhvr>
+                                        <p:cTn id="14" dur="1" fill="hold">
+                                          <p:stCondLst>
+                                            <p:cond delay="0"/>
+                                          </p:stCondLst>
+                                        </p:cTn>
+                                        <p:tgtEl>
+                                          <p:spTgt spid="2"/>
+                                        </p:tgtEl>
+                                        <p:attrNameLst>
+                                          <p:attrName>style.visibility</p:attrName>
+                                        </p:attrNameLst>
+                                      </p:cBhvr>
+                                      <p:to>
+                                        <p:strVal val="visible"/>
+                                      </p:to>
+                                    </p:set>
+                                    <p:animEffect transition="in" filter="blinds(horizontal)">
+                                      <p:cBhvr>
+                                        <p:cTn id="15" dur="500"/>
+                                        <p:tgtEl>
+                                          <p:spTgt spid="2"/>
+                                        </p:tgtEl>
+                                      </p:cBhvr>
+                                    </p:animEffect>
+                                  </p:childTnLst>
+                                </p:cTn>
+                              </p:par>
+                            </p:childTnLst>
+                          </p:cTn>
+                        </p:par>
+                      </p:childTnLst>
+                    </p:cTn>
+                  </p:par>
+                </p:childTnLst>
+              </p:cTn>
+              <p:prevCondLst>
+                <p:cond evt="onPrev" delay="0">
+                  <p:tgtEl>
+                    <p:sldTgt/>
+                  </p:tgtEl>
+                </p:cond>
+              </p:prevCondLst>
+              <p:nextCondLst>
+                <p:cond evt="onNext" delay="0">
+                  <p:tgtEl>
+                    <p:sldTgt/>
+                  </p:tgtEl>
+                </p:cond>
+              </p:nextCondLst>
+            </p:seq>
+          </p:childTnLst>
+        </p:cTn>
+      </p:par>
+    </p:tnLst>
+    <p:bldLst>
+      <p:bldP spid="4" grpId="0"/>
+      <p:bldP spid="8" grpId="0"/>
+    </p:bldLst>
+  </p:timing>
 </p:sld>
 </file>
 
@@ -13801,7 +17101,7 @@
                 <a:cs typeface="+mn-ea"/>
                 <a:sym typeface="+mn-lt"/>
               </a:rPr>
-              <a:t>定位</a:t>
+              <a:t>发展</a:t>
             </a:r>
           </a:p>
         </p:txBody>
@@ -13821,7 +17121,7 @@
         <p:spPr>
           <a:xfrm>
             <a:off x="1240971" y="1187456"/>
-            <a:ext cx="3775529" cy="461665"/>
+            <a:ext cx="3265715" cy="461665"/>
           </a:xfrm>
           <a:prstGeom prst="rect">
             <a:avLst/>
@@ -13835,16 +17135,12 @@
           <a:lstStyle/>
           <a:p>
             <a:r>
-              <a:rPr kumimoji="1" lang="zh-CN" altLang="en-US" sz="2400" b="1" dirty="0"/>
-              <a:t>不同端对</a:t>
-            </a:r>
-            <a:r>
               <a:rPr kumimoji="1" lang="en-US" altLang="zh-CN" sz="2400" b="1" dirty="0"/>
               <a:t>Kotlin</a:t>
             </a:r>
             <a:r>
               <a:rPr kumimoji="1" lang="zh-CN" altLang="en-US" sz="2400" b="1" dirty="0"/>
-              <a:t>的心里定位</a:t>
+              <a:t>的发展</a:t>
             </a:r>
           </a:p>
         </p:txBody>
@@ -13863,7 +17159,7 @@
         </p:nvSpPr>
         <p:spPr>
           <a:xfrm>
-            <a:off x="1240971" y="2080986"/>
+            <a:off x="1240971" y="2157186"/>
             <a:ext cx="9579429" cy="369332"/>
           </a:xfrm>
           <a:prstGeom prst="rect">
@@ -13878,20 +17174,32 @@
           <a:lstStyle/>
           <a:p>
             <a:r>
+              <a:rPr kumimoji="1" lang="zh-CN" altLang="en-US" dirty="0"/>
+              <a:t>初始</a:t>
+            </a:r>
+            <a:r>
+              <a:rPr kumimoji="1" lang="en-US" altLang="zh-CN" dirty="0"/>
+              <a:t>: Kotlin</a:t>
+            </a:r>
+            <a:r>
+              <a:rPr kumimoji="1" lang="zh-CN" altLang="en-US" dirty="0"/>
+              <a:t>是想被设计为一种基于</a:t>
+            </a:r>
+            <a:r>
+              <a:rPr kumimoji="1" lang="en-US" altLang="zh-CN" dirty="0"/>
+              <a:t>JVM</a:t>
+            </a:r>
+            <a:r>
+              <a:rPr kumimoji="1" lang="zh-CN" altLang="en-US" dirty="0"/>
+              <a:t>上，用来替代</a:t>
+            </a:r>
+            <a:r>
               <a:rPr kumimoji="1" lang="en-US" altLang="zh-CN" dirty="0"/>
               <a:t>Java</a:t>
             </a:r>
             <a:r>
               <a:rPr kumimoji="1" lang="zh-CN" altLang="en-US" dirty="0"/>
-              <a:t>后端 </a:t>
-            </a:r>
-            <a:r>
-              <a:rPr kumimoji="1" lang="en-US" altLang="zh-CN" dirty="0"/>
-              <a:t>:</a:t>
-            </a:r>
-            <a:r>
-              <a:rPr kumimoji="1" lang="zh-CN" altLang="en-US" dirty="0"/>
-              <a:t>  一个语法糖框架</a:t>
+              <a:t>的语言</a:t>
             </a:r>
             <a:endParaRPr kumimoji="1" lang="en-US" altLang="zh-CN" dirty="0"/>
           </a:p>
@@ -13899,10 +17207,10 @@
       </p:sp>
       <p:sp>
         <p:nvSpPr>
-          <p:cNvPr id="11" name="文本框 10">
+          <p:cNvPr id="10" name="文本框 9">
             <a:extLst>
               <a:ext uri="{FF2B5EF4-FFF2-40B4-BE49-F238E27FC236}">
-                <a16:creationId xmlns:a16="http://schemas.microsoft.com/office/drawing/2014/main" id="{66E29E41-35F3-B340-829B-F3045341B493}"/>
+                <a16:creationId xmlns:a16="http://schemas.microsoft.com/office/drawing/2014/main" id="{1D26BAC1-921D-4645-8A68-C22FD96AFD0A}"/>
               </a:ext>
             </a:extLst>
           </p:cNvPr>
@@ -13911,8 +17219,8 @@
         </p:nvSpPr>
         <p:spPr>
           <a:xfrm>
-            <a:off x="1240971" y="2525486"/>
-            <a:ext cx="9579429" cy="369332"/>
+            <a:off x="1240971" y="2640883"/>
+            <a:ext cx="9579429" cy="646331"/>
           </a:xfrm>
           <a:prstGeom prst="rect">
             <a:avLst/>
@@ -13926,24 +17234,50 @@
           <a:lstStyle/>
           <a:p>
             <a:r>
+              <a:rPr kumimoji="1" lang="en-US" altLang="zh-CN" dirty="0"/>
+              <a:t>JVM&gt;=JAVA</a:t>
+            </a:r>
+          </a:p>
+          <a:p>
+            <a:r>
+              <a:rPr kumimoji="1" lang="en-US" altLang="zh-CN" dirty="0"/>
+              <a:t>JVM</a:t>
+            </a:r>
+            <a:r>
               <a:rPr kumimoji="1" lang="zh-CN" altLang="en-US" dirty="0"/>
-              <a:t>前端        </a:t>
+              <a:t>上的语言</a:t>
             </a:r>
             <a:r>
               <a:rPr kumimoji="1" lang="en-US" altLang="zh-CN" dirty="0"/>
               <a:t>:</a:t>
             </a:r>
             <a:r>
+              <a:rPr kumimoji="1" lang="en" altLang="zh-CN" dirty="0"/>
+              <a:t>Java</a:t>
+            </a:r>
+            <a:r>
+              <a:rPr kumimoji="1" lang="zh-CN" altLang="en" dirty="0"/>
+              <a:t>、</a:t>
+            </a:r>
+            <a:r>
+              <a:rPr kumimoji="1" lang="en" altLang="zh-CN" dirty="0"/>
+              <a:t>Scala</a:t>
+            </a:r>
+            <a:r>
+              <a:rPr kumimoji="1" lang="zh-CN" altLang="en" dirty="0"/>
+              <a:t>、</a:t>
+            </a:r>
+            <a:r>
+              <a:rPr kumimoji="1" lang="en" altLang="zh-CN" dirty="0"/>
+              <a:t>Groovy</a:t>
+            </a:r>
+            <a:r>
               <a:rPr kumimoji="1" lang="zh-CN" altLang="en-US" dirty="0"/>
-              <a:t>  </a:t>
-            </a:r>
-            <a:r>
-              <a:rPr kumimoji="1" lang="en-US" altLang="zh-CN" dirty="0"/>
-              <a:t>JavaScript</a:t>
-            </a:r>
-            <a:r>
-              <a:rPr kumimoji="1" lang="zh-CN" altLang="en-US" dirty="0"/>
-              <a:t>怎么又多了个爸爸</a:t>
+              <a:t>、</a:t>
+            </a:r>
+            <a:r>
+              <a:rPr kumimoji="1" lang="en-US" altLang="zh-CN" dirty="0" err="1"/>
+              <a:t>JPython</a:t>
             </a:r>
             <a:endParaRPr kumimoji="1" lang="en-US" altLang="zh-CN" dirty="0"/>
           </a:p>
@@ -13951,10 +17285,10 @@
       </p:sp>
       <p:sp>
         <p:nvSpPr>
-          <p:cNvPr id="12" name="文本框 11">
+          <p:cNvPr id="14" name="文本框 13">
             <a:extLst>
               <a:ext uri="{FF2B5EF4-FFF2-40B4-BE49-F238E27FC236}">
-                <a16:creationId xmlns:a16="http://schemas.microsoft.com/office/drawing/2014/main" id="{5DB820A4-4EAB-6244-BEB4-3AD102317616}"/>
+                <a16:creationId xmlns:a16="http://schemas.microsoft.com/office/drawing/2014/main" id="{1B418396-3026-784E-AFE0-AF79F5EC4F18}"/>
               </a:ext>
             </a:extLst>
           </p:cNvPr>
@@ -13963,8 +17297,8 @@
         </p:nvSpPr>
         <p:spPr>
           <a:xfrm>
-            <a:off x="1279071" y="2995386"/>
-            <a:ext cx="9579429" cy="369332"/>
+            <a:off x="1240971" y="3584519"/>
+            <a:ext cx="7141029" cy="1200329"/>
           </a:xfrm>
           <a:prstGeom prst="rect">
             <a:avLst/>
@@ -13978,150 +17312,62 @@
           <a:lstStyle/>
           <a:p>
             <a:r>
+              <a:rPr kumimoji="1" lang="zh-CN" altLang="en-US" dirty="0"/>
+              <a:t>发展：</a:t>
+            </a:r>
+            <a:endParaRPr kumimoji="1" lang="en-US" altLang="zh-CN" dirty="0"/>
+          </a:p>
+          <a:p>
+            <a:pPr marL="285750" indent="-285750">
+              <a:buFont typeface="Arial" panose="020B0604020202020204" pitchFamily="34" charset="0"/>
+              <a:buChar char="•"/>
+            </a:pPr>
+            <a:r>
               <a:rPr kumimoji="1" lang="en-US" altLang="zh-CN" dirty="0"/>
-              <a:t>Android</a:t>
+              <a:t>Kotlin</a:t>
             </a:r>
             <a:r>
               <a:rPr kumimoji="1" lang="zh-CN" altLang="en-US" dirty="0"/>
-              <a:t>  </a:t>
+              <a:t>可以编译为</a:t>
             </a:r>
             <a:r>
               <a:rPr kumimoji="1" lang="en-US" altLang="zh-CN" dirty="0"/>
-              <a:t>:</a:t>
+              <a:t>JavaScript</a:t>
             </a:r>
             <a:r>
               <a:rPr kumimoji="1" lang="zh-CN" altLang="en-US" dirty="0"/>
-              <a:t>  </a:t>
+              <a:t>，提供对前端的支持</a:t>
+            </a:r>
+            <a:endParaRPr kumimoji="1" lang="en-US" altLang="zh-CN" dirty="0"/>
+          </a:p>
+          <a:p>
+            <a:pPr marL="285750" indent="-285750">
+              <a:buFont typeface="Arial" panose="020B0604020202020204" pitchFamily="34" charset="0"/>
+              <a:buChar char="•"/>
+            </a:pPr>
+            <a:r>
+              <a:rPr kumimoji="1" lang="zh-CN" altLang="en-US" dirty="0"/>
+              <a:t>分支 </a:t>
             </a:r>
             <a:r>
               <a:rPr kumimoji="1" lang="en-US" altLang="zh-CN" dirty="0"/>
-              <a:t>Google</a:t>
+              <a:t>Kotlin-native</a:t>
             </a:r>
             <a:r>
               <a:rPr kumimoji="1" lang="zh-CN" altLang="en-US" dirty="0"/>
-              <a:t>要立的太子</a:t>
+              <a:t> 基于</a:t>
             </a:r>
             <a:r>
               <a:rPr kumimoji="1" lang="en-US" altLang="zh-CN" dirty="0"/>
-              <a:t>,</a:t>
+              <a:t>LLVM,</a:t>
             </a:r>
             <a:r>
               <a:rPr kumimoji="1" lang="zh-CN" altLang="en-US" dirty="0"/>
-              <a:t>类似于</a:t>
-            </a:r>
-            <a:r>
-              <a:rPr kumimoji="1" lang="en-US" altLang="zh-CN" dirty="0"/>
-              <a:t>iOS</a:t>
-            </a:r>
-            <a:r>
-              <a:rPr kumimoji="1" lang="zh-CN" altLang="en-US" dirty="0"/>
-              <a:t>开发的</a:t>
-            </a:r>
-            <a:r>
-              <a:rPr kumimoji="1" lang="en-US" altLang="zh-CN" dirty="0"/>
-              <a:t>Swift</a:t>
-            </a:r>
-          </a:p>
-        </p:txBody>
-      </p:sp>
-      <p:sp>
-        <p:nvSpPr>
-          <p:cNvPr id="2" name="矩形 1">
-            <a:extLst>
-              <a:ext uri="{FF2B5EF4-FFF2-40B4-BE49-F238E27FC236}">
-                <a16:creationId xmlns:a16="http://schemas.microsoft.com/office/drawing/2014/main" id="{7A7FAE2E-A97A-ED4E-84B9-0910D456624C}"/>
-              </a:ext>
-            </a:extLst>
-          </p:cNvPr>
-          <p:cNvSpPr/>
-          <p:nvPr/>
-        </p:nvSpPr>
-        <p:spPr>
-          <a:xfrm>
-            <a:off x="1279071" y="3465286"/>
-            <a:ext cx="6095708" cy="369332"/>
-          </a:xfrm>
-          <a:prstGeom prst="rect">
-            <a:avLst/>
-          </a:prstGeom>
-        </p:spPr>
-        <p:txBody>
-          <a:bodyPr wrap="square">
-            <a:spAutoFit/>
-          </a:bodyPr>
-          <a:lstStyle/>
-          <a:p>
-            <a:r>
-              <a:rPr kumimoji="1" lang="en-US" altLang="zh-CN" dirty="0"/>
-              <a:t>iOS</a:t>
-            </a:r>
-            <a:r>
-              <a:rPr kumimoji="1" lang="zh-CN" altLang="en-US" dirty="0"/>
-              <a:t>          </a:t>
-            </a:r>
-            <a:r>
-              <a:rPr kumimoji="1" lang="en-US" altLang="zh-CN" dirty="0"/>
-              <a:t>:</a:t>
-            </a:r>
-            <a:r>
-              <a:rPr kumimoji="1" lang="zh-CN" altLang="en-US" dirty="0"/>
-              <a:t>  我有</a:t>
-            </a:r>
-            <a:r>
-              <a:rPr kumimoji="1" lang="en-US" altLang="zh-CN" dirty="0"/>
-              <a:t>swift</a:t>
-            </a:r>
-            <a:r>
-              <a:rPr kumimoji="1" lang="zh-CN" altLang="en-US" dirty="0"/>
-              <a:t>那么好用，用你干嘛</a:t>
+              <a:t>提供了原生平台级别的编译（尚未成熟）</a:t>
             </a:r>
             <a:endParaRPr kumimoji="1" lang="en-US" altLang="zh-CN" dirty="0"/>
           </a:p>
-        </p:txBody>
-      </p:sp>
-      <p:sp>
-        <p:nvSpPr>
-          <p:cNvPr id="7" name="矩形 6">
-            <a:extLst>
-              <a:ext uri="{FF2B5EF4-FFF2-40B4-BE49-F238E27FC236}">
-                <a16:creationId xmlns:a16="http://schemas.microsoft.com/office/drawing/2014/main" id="{EF0EAEE2-EE8A-664E-814A-B20912CF6A73}"/>
-              </a:ext>
-            </a:extLst>
-          </p:cNvPr>
-          <p:cNvSpPr/>
-          <p:nvPr/>
-        </p:nvSpPr>
-        <p:spPr>
-          <a:xfrm>
-            <a:off x="1279071" y="3943617"/>
-            <a:ext cx="1648272" cy="369332"/>
-          </a:xfrm>
-          <a:prstGeom prst="rect">
-            <a:avLst/>
-          </a:prstGeom>
-        </p:spPr>
-        <p:txBody>
-          <a:bodyPr wrap="none">
-            <a:spAutoFit/>
-          </a:bodyPr>
-          <a:lstStyle/>
-          <a:p>
-            <a:r>
-              <a:rPr kumimoji="1" lang="en-US" altLang="zh-CN" dirty="0"/>
-              <a:t>C/C++</a:t>
-            </a:r>
-            <a:r>
-              <a:rPr kumimoji="1" lang="zh-CN" altLang="en-US" dirty="0"/>
-              <a:t>  </a:t>
-            </a:r>
-            <a:r>
-              <a:rPr kumimoji="1" lang="en-US" altLang="zh-CN" dirty="0"/>
-              <a:t>   :</a:t>
-            </a:r>
-            <a:r>
-              <a:rPr kumimoji="1" lang="zh-CN" altLang="en-US" dirty="0"/>
-              <a:t>  玩具</a:t>
-            </a:r>
+          <a:p>
             <a:endParaRPr kumimoji="1" lang="en-US" altLang="zh-CN" dirty="0"/>
           </a:p>
         </p:txBody>
@@ -14129,13 +17375,232 @@
     </p:spTree>
     <p:extLst>
       <p:ext uri="{BB962C8B-B14F-4D97-AF65-F5344CB8AC3E}">
-        <p14:creationId xmlns:p14="http://schemas.microsoft.com/office/powerpoint/2010/main" val="3716811530"/>
+        <p14:creationId xmlns:p14="http://schemas.microsoft.com/office/powerpoint/2010/main" val="2165228180"/>
       </p:ext>
     </p:extLst>
   </p:cSld>
   <p:clrMapOvr>
     <a:masterClrMapping/>
   </p:clrMapOvr>
+  <p:timing>
+    <p:tnLst>
+      <p:par>
+        <p:cTn id="1" dur="indefinite" restart="never" nodeType="tmRoot">
+          <p:childTnLst>
+            <p:seq concurrent="1" nextAc="seek">
+              <p:cTn id="2" dur="indefinite" nodeType="mainSeq">
+                <p:childTnLst>
+                  <p:par>
+                    <p:cTn id="3" fill="hold">
+                      <p:stCondLst>
+                        <p:cond delay="indefinite"/>
+                      </p:stCondLst>
+                      <p:childTnLst>
+                        <p:par>
+                          <p:cTn id="4" fill="hold">
+                            <p:stCondLst>
+                              <p:cond delay="0"/>
+                            </p:stCondLst>
+                            <p:childTnLst>
+                              <p:par>
+                                <p:cTn id="5" presetID="1" presetClass="entr" presetSubtype="0" fill="hold" grpId="0" nodeType="clickEffect">
+                                  <p:stCondLst>
+                                    <p:cond delay="0"/>
+                                  </p:stCondLst>
+                                  <p:childTnLst>
+                                    <p:set>
+                                      <p:cBhvr>
+                                        <p:cTn id="6" dur="1" fill="hold">
+                                          <p:stCondLst>
+                                            <p:cond delay="0"/>
+                                          </p:stCondLst>
+                                        </p:cTn>
+                                        <p:tgtEl>
+                                          <p:spTgt spid="4"/>
+                                        </p:tgtEl>
+                                        <p:attrNameLst>
+                                          <p:attrName>style.visibility</p:attrName>
+                                        </p:attrNameLst>
+                                      </p:cBhvr>
+                                      <p:to>
+                                        <p:strVal val="visible"/>
+                                      </p:to>
+                                    </p:set>
+                                  </p:childTnLst>
+                                </p:cTn>
+                              </p:par>
+                            </p:childTnLst>
+                          </p:cTn>
+                        </p:par>
+                      </p:childTnLst>
+                    </p:cTn>
+                  </p:par>
+                  <p:par>
+                    <p:cTn id="7" fill="hold">
+                      <p:stCondLst>
+                        <p:cond delay="indefinite"/>
+                      </p:stCondLst>
+                      <p:childTnLst>
+                        <p:par>
+                          <p:cTn id="8" fill="hold">
+                            <p:stCondLst>
+                              <p:cond delay="0"/>
+                            </p:stCondLst>
+                            <p:childTnLst>
+                              <p:par>
+                                <p:cTn id="9" presetID="1" presetClass="entr" presetSubtype="0" fill="hold" nodeType="clickEffect">
+                                  <p:stCondLst>
+                                    <p:cond delay="0"/>
+                                  </p:stCondLst>
+                                  <p:childTnLst>
+                                    <p:set>
+                                      <p:cBhvr>
+                                        <p:cTn id="10" dur="1" fill="hold">
+                                          <p:stCondLst>
+                                            <p:cond delay="0"/>
+                                          </p:stCondLst>
+                                        </p:cTn>
+                                        <p:tgtEl>
+                                          <p:spTgt spid="5">
+                                            <p:txEl>
+                                              <p:pRg st="0" end="0"/>
+                                            </p:txEl>
+                                          </p:spTgt>
+                                        </p:tgtEl>
+                                        <p:attrNameLst>
+                                          <p:attrName>style.visibility</p:attrName>
+                                        </p:attrNameLst>
+                                      </p:cBhvr>
+                                      <p:to>
+                                        <p:strVal val="visible"/>
+                                      </p:to>
+                                    </p:set>
+                                  </p:childTnLst>
+                                </p:cTn>
+                              </p:par>
+                            </p:childTnLst>
+                          </p:cTn>
+                        </p:par>
+                      </p:childTnLst>
+                    </p:cTn>
+                  </p:par>
+                  <p:par>
+                    <p:cTn id="11" fill="hold">
+                      <p:stCondLst>
+                        <p:cond delay="indefinite"/>
+                      </p:stCondLst>
+                      <p:childTnLst>
+                        <p:par>
+                          <p:cTn id="12" fill="hold">
+                            <p:stCondLst>
+                              <p:cond delay="0"/>
+                            </p:stCondLst>
+                            <p:childTnLst>
+                              <p:par>
+                                <p:cTn id="13" presetID="1" presetClass="entr" presetSubtype="0" fill="hold" grpId="0" nodeType="clickEffect">
+                                  <p:stCondLst>
+                                    <p:cond delay="0"/>
+                                  </p:stCondLst>
+                                  <p:childTnLst>
+                                    <p:set>
+                                      <p:cBhvr>
+                                        <p:cTn id="14" dur="1" fill="hold">
+                                          <p:stCondLst>
+                                            <p:cond delay="0"/>
+                                          </p:stCondLst>
+                                        </p:cTn>
+                                        <p:tgtEl>
+                                          <p:spTgt spid="10"/>
+                                        </p:tgtEl>
+                                        <p:attrNameLst>
+                                          <p:attrName>style.visibility</p:attrName>
+                                        </p:attrNameLst>
+                                      </p:cBhvr>
+                                      <p:to>
+                                        <p:strVal val="visible"/>
+                                      </p:to>
+                                    </p:set>
+                                  </p:childTnLst>
+                                </p:cTn>
+                              </p:par>
+                            </p:childTnLst>
+                          </p:cTn>
+                        </p:par>
+                      </p:childTnLst>
+                    </p:cTn>
+                  </p:par>
+                  <p:par>
+                    <p:cTn id="15" fill="hold">
+                      <p:stCondLst>
+                        <p:cond delay="indefinite"/>
+                      </p:stCondLst>
+                      <p:childTnLst>
+                        <p:par>
+                          <p:cTn id="16" fill="hold">
+                            <p:stCondLst>
+                              <p:cond delay="0"/>
+                            </p:stCondLst>
+                            <p:childTnLst>
+                              <p:par>
+                                <p:cTn id="17" presetID="1" presetClass="entr" presetSubtype="0" fill="hold" grpId="0" nodeType="clickEffect">
+                                  <p:stCondLst>
+                                    <p:cond delay="0"/>
+                                  </p:stCondLst>
+                                  <p:childTnLst>
+                                    <p:set>
+                                      <p:cBhvr>
+                                        <p:cTn id="18" dur="1" fill="hold">
+                                          <p:stCondLst>
+                                            <p:cond delay="0"/>
+                                          </p:stCondLst>
+                                        </p:cTn>
+                                        <p:tgtEl>
+                                          <p:spTgt spid="14"/>
+                                        </p:tgtEl>
+                                        <p:attrNameLst>
+                                          <p:attrName>style.visibility</p:attrName>
+                                        </p:attrNameLst>
+                                      </p:cBhvr>
+                                      <p:to>
+                                        <p:strVal val="visible"/>
+                                      </p:to>
+                                    </p:set>
+                                  </p:childTnLst>
+                                </p:cTn>
+                              </p:par>
+                            </p:childTnLst>
+                          </p:cTn>
+                        </p:par>
+                      </p:childTnLst>
+                    </p:cTn>
+                  </p:par>
+                </p:childTnLst>
+              </p:cTn>
+              <p:prevCondLst>
+                <p:cond evt="onPrev" delay="0">
+                  <p:tgtEl>
+                    <p:sldTgt/>
+                  </p:tgtEl>
+                </p:cond>
+              </p:prevCondLst>
+              <p:nextCondLst>
+                <p:cond evt="onNext" delay="0">
+                  <p:tgtEl>
+                    <p:sldTgt/>
+                  </p:tgtEl>
+                </p:cond>
+              </p:nextCondLst>
+            </p:seq>
+          </p:childTnLst>
+        </p:cTn>
+      </p:par>
+    </p:tnLst>
+    <p:bldLst>
+      <p:bldP spid="4" grpId="0"/>
+      <p:bldP spid="10" grpId="0"/>
+      <p:bldP spid="14" grpId="0"/>
+    </p:bldLst>
+  </p:timing>
 </p:sld>
 </file>
 
@@ -14436,87 +17901,45 @@
                 <a:cs typeface="+mn-ea"/>
                 <a:sym typeface="+mn-lt"/>
               </a:rPr>
-              <a:t>特性</a:t>
+              <a:t>发展</a:t>
             </a:r>
           </a:p>
         </p:txBody>
       </p:sp>
-      <p:sp>
-        <p:nvSpPr>
-          <p:cNvPr id="4" name="文本框 3">
+      <p:pic>
+        <p:nvPicPr>
+          <p:cNvPr id="2" name="图片 1">
             <a:extLst>
               <a:ext uri="{FF2B5EF4-FFF2-40B4-BE49-F238E27FC236}">
-                <a16:creationId xmlns:a16="http://schemas.microsoft.com/office/drawing/2014/main" id="{50FADBB5-C28C-394D-B100-CD8521A4B1F6}"/>
+                <a16:creationId xmlns:a16="http://schemas.microsoft.com/office/drawing/2014/main" id="{67B2FD67-C5CC-DF42-B940-8FEC9C8CD599}"/>
               </a:ext>
             </a:extLst>
           </p:cNvPr>
-          <p:cNvSpPr txBox="1"/>
+          <p:cNvPicPr>
+            <a:picLocks noChangeAspect="1"/>
+          </p:cNvPicPr>
           <p:nvPr/>
-        </p:nvSpPr>
-        <p:spPr>
-          <a:xfrm>
-            <a:off x="996315" y="2129161"/>
-            <a:ext cx="3775529" cy="1569660"/>
+        </p:nvPicPr>
+        <p:blipFill>
+          <a:blip r:embed="rId5"/>
+          <a:stretch>
+            <a:fillRect/>
+          </a:stretch>
+        </p:blipFill>
+        <p:spPr>
+          <a:xfrm>
+            <a:off x="965200" y="1025842"/>
+            <a:ext cx="10261600" cy="4953000"/>
           </a:xfrm>
           <a:prstGeom prst="rect">
             <a:avLst/>
           </a:prstGeom>
-          <a:noFill/>
-        </p:spPr>
-        <p:txBody>
-          <a:bodyPr wrap="square" rtlCol="0">
-            <a:spAutoFit/>
-          </a:bodyPr>
-          <a:lstStyle/>
-          <a:p>
-            <a:pPr marL="342900" indent="-342900">
-              <a:buFont typeface="Arial" panose="020B0604020202020204" pitchFamily="34" charset="0"/>
-              <a:buChar char="•"/>
-            </a:pPr>
-            <a:r>
-              <a:rPr kumimoji="1" lang="zh-CN" altLang="en-US" sz="2400" b="1" dirty="0"/>
-              <a:t>务实</a:t>
-            </a:r>
-            <a:endParaRPr kumimoji="1" lang="en-US" altLang="zh-CN" sz="2400" b="1" dirty="0"/>
-          </a:p>
-          <a:p>
-            <a:pPr marL="342900" indent="-342900">
-              <a:buFont typeface="Arial" panose="020B0604020202020204" pitchFamily="34" charset="0"/>
-              <a:buChar char="•"/>
-            </a:pPr>
-            <a:r>
-              <a:rPr kumimoji="1" lang="zh-CN" altLang="en-US" sz="2400" b="1" dirty="0"/>
-              <a:t>简洁</a:t>
-            </a:r>
-            <a:endParaRPr kumimoji="1" lang="en-US" altLang="zh-CN" sz="2400" b="1" dirty="0"/>
-          </a:p>
-          <a:p>
-            <a:pPr marL="342900" indent="-342900">
-              <a:buFont typeface="Arial" panose="020B0604020202020204" pitchFamily="34" charset="0"/>
-              <a:buChar char="•"/>
-            </a:pPr>
-            <a:r>
-              <a:rPr kumimoji="1" lang="zh-CN" altLang="en-US" sz="2400" b="1" dirty="0"/>
-              <a:t>安全</a:t>
-            </a:r>
-            <a:endParaRPr kumimoji="1" lang="en-US" altLang="zh-CN" sz="2400" b="1" dirty="0"/>
-          </a:p>
-          <a:p>
-            <a:pPr marL="342900" indent="-342900">
-              <a:buFont typeface="Arial" panose="020B0604020202020204" pitchFamily="34" charset="0"/>
-              <a:buChar char="•"/>
-            </a:pPr>
-            <a:r>
-              <a:rPr kumimoji="1" lang="zh-CN" altLang="en-US" sz="2400" b="1" dirty="0"/>
-              <a:t>互相操作</a:t>
-            </a:r>
-          </a:p>
-        </p:txBody>
-      </p:sp>
+        </p:spPr>
+      </p:pic>
     </p:spTree>
     <p:extLst>
       <p:ext uri="{BB962C8B-B14F-4D97-AF65-F5344CB8AC3E}">
-        <p14:creationId xmlns:p14="http://schemas.microsoft.com/office/powerpoint/2010/main" val="322667853"/>
+        <p14:creationId xmlns:p14="http://schemas.microsoft.com/office/powerpoint/2010/main" val="2192500447"/>
       </p:ext>
     </p:extLst>
   </p:cSld>
@@ -14823,7 +18246,7 @@
                 <a:cs typeface="+mn-ea"/>
                 <a:sym typeface="+mn-lt"/>
               </a:rPr>
-              <a:t>使用</a:t>
+              <a:t>定位</a:t>
             </a:r>
           </a:p>
         </p:txBody>
@@ -14842,8 +18265,8 @@
         </p:nvSpPr>
         <p:spPr>
           <a:xfrm>
-            <a:off x="996315" y="2129161"/>
-            <a:ext cx="9443085" cy="2308324"/>
+            <a:off x="1240971" y="1187456"/>
+            <a:ext cx="4146575" cy="461665"/>
           </a:xfrm>
           <a:prstGeom prst="rect">
             <a:avLst/>
@@ -14858,116 +18281,553 @@
           <a:p>
             <a:r>
               <a:rPr kumimoji="1" lang="zh-CN" altLang="en-US" sz="2400" b="1" dirty="0"/>
-              <a:t>方案一</a:t>
-            </a:r>
-            <a:r>
-              <a:rPr kumimoji="1" lang="en-US" altLang="zh-CN" sz="2400" b="1" dirty="0">
-                <a:sym typeface="Wingdings" pitchFamily="2" charset="2"/>
-              </a:rPr>
-              <a:t>: </a:t>
-            </a:r>
-            <a:r>
-              <a:rPr kumimoji="1" lang="zh-CN" altLang="en-US" sz="2400" b="1" dirty="0">
-                <a:sym typeface="Wingdings" pitchFamily="2" charset="2"/>
-              </a:rPr>
-              <a:t>下载编译器</a:t>
-            </a:r>
-            <a:endParaRPr kumimoji="1" lang="en-US" altLang="zh-CN" sz="2400" b="1" dirty="0">
-              <a:sym typeface="Wingdings" pitchFamily="2" charset="2"/>
-            </a:endParaRPr>
-          </a:p>
-          <a:p>
-            <a:r>
-              <a:rPr lang="en" altLang="zh-CN" sz="2400" dirty="0">
-                <a:hlinkClick r:id="rId5"/>
-              </a:rPr>
-              <a:t>https://github.com/JetBrains/kotlin/releases</a:t>
-            </a:r>
-            <a:r>
-              <a:rPr lang="en-US" altLang="zh-CN" sz="2400" dirty="0"/>
-              <a:t>/</a:t>
-            </a:r>
-            <a:br>
-              <a:rPr lang="en" altLang="zh-CN" sz="2400" dirty="0"/>
-            </a:br>
-            <a:br>
-              <a:rPr lang="en" altLang="zh-CN" sz="2400" dirty="0"/>
-            </a:br>
-            <a:r>
-              <a:rPr lang="zh-CN" altLang="en-US" sz="2400" b="1" dirty="0"/>
-              <a:t>方案二：使用</a:t>
-            </a:r>
-            <a:r>
-              <a:rPr lang="en-US" altLang="zh-CN" sz="2400" b="1" dirty="0"/>
-              <a:t>idea</a:t>
-            </a:r>
-            <a:r>
-              <a:rPr lang="zh-CN" altLang="en-US" sz="2400" b="1" dirty="0"/>
-              <a:t>、</a:t>
-            </a:r>
-            <a:r>
-              <a:rPr lang="en-US" altLang="zh-CN" sz="2400" b="1" dirty="0"/>
-              <a:t>Android Studio</a:t>
-            </a:r>
-            <a:r>
-              <a:rPr lang="zh-CN" altLang="en-US" sz="2400" b="1" dirty="0"/>
-              <a:t>作为开发工具直接创建</a:t>
-            </a:r>
-            <a:r>
-              <a:rPr lang="en-US" altLang="zh-CN" sz="2400" b="1" dirty="0"/>
+              <a:t>不开发者对</a:t>
+            </a:r>
+            <a:r>
+              <a:rPr kumimoji="1" lang="en-US" altLang="zh-CN" sz="2400" b="1" dirty="0"/>
               <a:t>Kotlin</a:t>
             </a:r>
             <a:r>
-              <a:rPr lang="zh-CN" altLang="en-US" sz="2400" b="1" dirty="0"/>
-              <a:t>工程</a:t>
-            </a:r>
-            <a:endParaRPr kumimoji="1" lang="en-US" altLang="zh-CN" sz="2400" b="1" dirty="0">
-              <a:sym typeface="Wingdings" pitchFamily="2" charset="2"/>
-            </a:endParaRPr>
-          </a:p>
-          <a:p>
-            <a:endParaRPr kumimoji="1" lang="en-US" altLang="zh-CN" sz="2400" b="1" dirty="0">
-              <a:sym typeface="Wingdings" pitchFamily="2" charset="2"/>
-            </a:endParaRPr>
-          </a:p>
-          <a:p>
-            <a:r>
-              <a:rPr kumimoji="1" lang="en" altLang="zh-CN" sz="2400" b="1" dirty="0">
-                <a:sym typeface="Wingdings" pitchFamily="2" charset="2"/>
-                <a:hlinkClick r:id="rId6"/>
-              </a:rPr>
-              <a:t>https://</a:t>
-            </a:r>
-            <a:r>
-              <a:rPr kumimoji="1" lang="en" altLang="zh-CN" sz="2400" b="1" dirty="0" err="1">
-                <a:sym typeface="Wingdings" pitchFamily="2" charset="2"/>
-                <a:hlinkClick r:id="rId6"/>
-              </a:rPr>
-              <a:t>www.jetbrains.com</a:t>
-            </a:r>
-            <a:r>
-              <a:rPr kumimoji="1" lang="en" altLang="zh-CN" sz="2400" b="1" dirty="0">
-                <a:sym typeface="Wingdings" pitchFamily="2" charset="2"/>
-                <a:hlinkClick r:id="rId6"/>
-              </a:rPr>
-              <a:t>/idea/download/</a:t>
-            </a:r>
-            <a:endParaRPr kumimoji="1" lang="en" altLang="zh-CN" sz="2400" b="1" dirty="0">
-              <a:sym typeface="Wingdings" pitchFamily="2" charset="2"/>
-            </a:endParaRPr>
+              <a:rPr kumimoji="1" lang="zh-CN" altLang="en-US" sz="2400" b="1" dirty="0"/>
+              <a:t>的心里定位</a:t>
+            </a:r>
+          </a:p>
+        </p:txBody>
+      </p:sp>
+      <p:sp>
+        <p:nvSpPr>
+          <p:cNvPr id="5" name="文本框 4">
+            <a:extLst>
+              <a:ext uri="{FF2B5EF4-FFF2-40B4-BE49-F238E27FC236}">
+                <a16:creationId xmlns:a16="http://schemas.microsoft.com/office/drawing/2014/main" id="{1944730D-0DB9-264D-8FBE-EA3110D10CE0}"/>
+              </a:ext>
+            </a:extLst>
+          </p:cNvPr>
+          <p:cNvSpPr txBox="1"/>
+          <p:nvPr/>
+        </p:nvSpPr>
+        <p:spPr>
+          <a:xfrm>
+            <a:off x="1240971" y="2080986"/>
+            <a:ext cx="9579429" cy="369332"/>
+          </a:xfrm>
+          <a:prstGeom prst="rect">
+            <a:avLst/>
+          </a:prstGeom>
+          <a:noFill/>
+        </p:spPr>
+        <p:txBody>
+          <a:bodyPr wrap="square" rtlCol="0">
+            <a:spAutoFit/>
+          </a:bodyPr>
+          <a:lstStyle/>
+          <a:p>
+            <a:r>
+              <a:rPr kumimoji="1" lang="en-US" altLang="zh-CN" dirty="0"/>
+              <a:t>Java</a:t>
+            </a:r>
+            <a:r>
+              <a:rPr kumimoji="1" lang="zh-CN" altLang="en-US" dirty="0"/>
+              <a:t>后端 </a:t>
+            </a:r>
+            <a:r>
+              <a:rPr kumimoji="1" lang="en-US" altLang="zh-CN" dirty="0"/>
+              <a:t>:</a:t>
+            </a:r>
+            <a:r>
+              <a:rPr kumimoji="1" lang="zh-CN" altLang="en-US" dirty="0"/>
+              <a:t>  一个语法糖框架</a:t>
+            </a:r>
+            <a:endParaRPr kumimoji="1" lang="en-US" altLang="zh-CN" dirty="0"/>
+          </a:p>
+        </p:txBody>
+      </p:sp>
+      <p:sp>
+        <p:nvSpPr>
+          <p:cNvPr id="11" name="文本框 10">
+            <a:extLst>
+              <a:ext uri="{FF2B5EF4-FFF2-40B4-BE49-F238E27FC236}">
+                <a16:creationId xmlns:a16="http://schemas.microsoft.com/office/drawing/2014/main" id="{66E29E41-35F3-B340-829B-F3045341B493}"/>
+              </a:ext>
+            </a:extLst>
+          </p:cNvPr>
+          <p:cNvSpPr txBox="1"/>
+          <p:nvPr/>
+        </p:nvSpPr>
+        <p:spPr>
+          <a:xfrm>
+            <a:off x="1240971" y="2525486"/>
+            <a:ext cx="9579429" cy="369332"/>
+          </a:xfrm>
+          <a:prstGeom prst="rect">
+            <a:avLst/>
+          </a:prstGeom>
+          <a:noFill/>
+        </p:spPr>
+        <p:txBody>
+          <a:bodyPr wrap="square" rtlCol="0">
+            <a:spAutoFit/>
+          </a:bodyPr>
+          <a:lstStyle/>
+          <a:p>
+            <a:r>
+              <a:rPr kumimoji="1" lang="zh-CN" altLang="en-US" dirty="0"/>
+              <a:t>前端        </a:t>
+            </a:r>
+            <a:r>
+              <a:rPr kumimoji="1" lang="en-US" altLang="zh-CN" dirty="0"/>
+              <a:t>:</a:t>
+            </a:r>
+            <a:r>
+              <a:rPr kumimoji="1" lang="zh-CN" altLang="en-US" dirty="0"/>
+              <a:t>  </a:t>
+            </a:r>
+            <a:r>
+              <a:rPr kumimoji="1" lang="en-US" altLang="zh-CN" dirty="0"/>
+              <a:t>JavaScript</a:t>
+            </a:r>
+            <a:r>
+              <a:rPr kumimoji="1" lang="zh-CN" altLang="en-US" dirty="0"/>
+              <a:t>怎么又多了个爸爸</a:t>
+            </a:r>
+            <a:endParaRPr kumimoji="1" lang="en-US" altLang="zh-CN" dirty="0"/>
+          </a:p>
+        </p:txBody>
+      </p:sp>
+      <p:sp>
+        <p:nvSpPr>
+          <p:cNvPr id="12" name="文本框 11">
+            <a:extLst>
+              <a:ext uri="{FF2B5EF4-FFF2-40B4-BE49-F238E27FC236}">
+                <a16:creationId xmlns:a16="http://schemas.microsoft.com/office/drawing/2014/main" id="{5DB820A4-4EAB-6244-BEB4-3AD102317616}"/>
+              </a:ext>
+            </a:extLst>
+          </p:cNvPr>
+          <p:cNvSpPr txBox="1"/>
+          <p:nvPr/>
+        </p:nvSpPr>
+        <p:spPr>
+          <a:xfrm>
+            <a:off x="1279071" y="2995386"/>
+            <a:ext cx="9579429" cy="369332"/>
+          </a:xfrm>
+          <a:prstGeom prst="rect">
+            <a:avLst/>
+          </a:prstGeom>
+          <a:noFill/>
+        </p:spPr>
+        <p:txBody>
+          <a:bodyPr wrap="square" rtlCol="0">
+            <a:spAutoFit/>
+          </a:bodyPr>
+          <a:lstStyle/>
+          <a:p>
+            <a:r>
+              <a:rPr kumimoji="1" lang="en-US" altLang="zh-CN" dirty="0"/>
+              <a:t>Android</a:t>
+            </a:r>
+            <a:r>
+              <a:rPr kumimoji="1" lang="zh-CN" altLang="en-US" dirty="0"/>
+              <a:t>  </a:t>
+            </a:r>
+            <a:r>
+              <a:rPr kumimoji="1" lang="en-US" altLang="zh-CN" dirty="0"/>
+              <a:t>:</a:t>
+            </a:r>
+            <a:r>
+              <a:rPr kumimoji="1" lang="zh-CN" altLang="en-US" dirty="0"/>
+              <a:t>  </a:t>
+            </a:r>
+            <a:r>
+              <a:rPr kumimoji="1" lang="en-US" altLang="zh-CN" dirty="0"/>
+              <a:t>Google</a:t>
+            </a:r>
+            <a:r>
+              <a:rPr kumimoji="1" lang="zh-CN" altLang="en-US" dirty="0"/>
+              <a:t>要立的太子</a:t>
+            </a:r>
+            <a:endParaRPr kumimoji="1" lang="en-US" altLang="zh-CN" dirty="0"/>
+          </a:p>
+        </p:txBody>
+      </p:sp>
+      <p:sp>
+        <p:nvSpPr>
+          <p:cNvPr id="2" name="矩形 1">
+            <a:extLst>
+              <a:ext uri="{FF2B5EF4-FFF2-40B4-BE49-F238E27FC236}">
+                <a16:creationId xmlns:a16="http://schemas.microsoft.com/office/drawing/2014/main" id="{7A7FAE2E-A97A-ED4E-84B9-0910D456624C}"/>
+              </a:ext>
+            </a:extLst>
+          </p:cNvPr>
+          <p:cNvSpPr/>
+          <p:nvPr/>
+        </p:nvSpPr>
+        <p:spPr>
+          <a:xfrm>
+            <a:off x="1279071" y="3465286"/>
+            <a:ext cx="6095708" cy="369332"/>
+          </a:xfrm>
+          <a:prstGeom prst="rect">
+            <a:avLst/>
+          </a:prstGeom>
+        </p:spPr>
+        <p:txBody>
+          <a:bodyPr wrap="square">
+            <a:spAutoFit/>
+          </a:bodyPr>
+          <a:lstStyle/>
+          <a:p>
+            <a:r>
+              <a:rPr kumimoji="1" lang="en-US" altLang="zh-CN" dirty="0"/>
+              <a:t>iOS</a:t>
+            </a:r>
+            <a:r>
+              <a:rPr kumimoji="1" lang="zh-CN" altLang="en-US" dirty="0"/>
+              <a:t>          </a:t>
+            </a:r>
+            <a:r>
+              <a:rPr kumimoji="1" lang="en-US" altLang="zh-CN" dirty="0"/>
+              <a:t>:</a:t>
+            </a:r>
+            <a:r>
+              <a:rPr kumimoji="1" lang="zh-CN" altLang="en-US" dirty="0"/>
+              <a:t>  不要你觉得有用，要我觉得</a:t>
+            </a:r>
+            <a:endParaRPr kumimoji="1" lang="en-US" altLang="zh-CN" dirty="0"/>
+          </a:p>
+        </p:txBody>
+      </p:sp>
+      <p:sp>
+        <p:nvSpPr>
+          <p:cNvPr id="7" name="矩形 6">
+            <a:extLst>
+              <a:ext uri="{FF2B5EF4-FFF2-40B4-BE49-F238E27FC236}">
+                <a16:creationId xmlns:a16="http://schemas.microsoft.com/office/drawing/2014/main" id="{EF0EAEE2-EE8A-664E-814A-B20912CF6A73}"/>
+              </a:ext>
+            </a:extLst>
+          </p:cNvPr>
+          <p:cNvSpPr/>
+          <p:nvPr/>
+        </p:nvSpPr>
+        <p:spPr>
+          <a:xfrm>
+            <a:off x="1279071" y="3943617"/>
+            <a:ext cx="1648272" cy="369332"/>
+          </a:xfrm>
+          <a:prstGeom prst="rect">
+            <a:avLst/>
+          </a:prstGeom>
+        </p:spPr>
+        <p:txBody>
+          <a:bodyPr wrap="none">
+            <a:spAutoFit/>
+          </a:bodyPr>
+          <a:lstStyle/>
+          <a:p>
+            <a:r>
+              <a:rPr kumimoji="1" lang="en-US" altLang="zh-CN" dirty="0"/>
+              <a:t>C/C++</a:t>
+            </a:r>
+            <a:r>
+              <a:rPr kumimoji="1" lang="zh-CN" altLang="en-US" dirty="0"/>
+              <a:t>  </a:t>
+            </a:r>
+            <a:r>
+              <a:rPr kumimoji="1" lang="en-US" altLang="zh-CN" dirty="0"/>
+              <a:t>   :</a:t>
+            </a:r>
+            <a:r>
+              <a:rPr kumimoji="1" lang="zh-CN" altLang="en-US" dirty="0"/>
+              <a:t>  玩具</a:t>
+            </a:r>
+            <a:endParaRPr kumimoji="1" lang="en-US" altLang="zh-CN" dirty="0"/>
           </a:p>
         </p:txBody>
       </p:sp>
     </p:spTree>
     <p:extLst>
       <p:ext uri="{BB962C8B-B14F-4D97-AF65-F5344CB8AC3E}">
-        <p14:creationId xmlns:p14="http://schemas.microsoft.com/office/powerpoint/2010/main" val="191364829"/>
+        <p14:creationId xmlns:p14="http://schemas.microsoft.com/office/powerpoint/2010/main" val="3716811530"/>
       </p:ext>
     </p:extLst>
   </p:cSld>
   <p:clrMapOvr>
     <a:masterClrMapping/>
   </p:clrMapOvr>
+  <p:timing>
+    <p:tnLst>
+      <p:par>
+        <p:cTn id="1" dur="indefinite" restart="never" nodeType="tmRoot">
+          <p:childTnLst>
+            <p:seq concurrent="1" nextAc="seek">
+              <p:cTn id="2" dur="indefinite" nodeType="mainSeq">
+                <p:childTnLst>
+                  <p:par>
+                    <p:cTn id="3" fill="hold">
+                      <p:stCondLst>
+                        <p:cond delay="indefinite"/>
+                      </p:stCondLst>
+                      <p:childTnLst>
+                        <p:par>
+                          <p:cTn id="4" fill="hold">
+                            <p:stCondLst>
+                              <p:cond delay="0"/>
+                            </p:stCondLst>
+                            <p:childTnLst>
+                              <p:par>
+                                <p:cTn id="5" presetID="1" presetClass="entr" presetSubtype="0" fill="hold" grpId="0" nodeType="clickEffect">
+                                  <p:stCondLst>
+                                    <p:cond delay="0"/>
+                                  </p:stCondLst>
+                                  <p:childTnLst>
+                                    <p:set>
+                                      <p:cBhvr>
+                                        <p:cTn id="6" dur="1" fill="hold">
+                                          <p:stCondLst>
+                                            <p:cond delay="0"/>
+                                          </p:stCondLst>
+                                        </p:cTn>
+                                        <p:tgtEl>
+                                          <p:spTgt spid="5"/>
+                                        </p:tgtEl>
+                                        <p:attrNameLst>
+                                          <p:attrName>style.visibility</p:attrName>
+                                        </p:attrNameLst>
+                                      </p:cBhvr>
+                                      <p:to>
+                                        <p:strVal val="visible"/>
+                                      </p:to>
+                                    </p:set>
+                                  </p:childTnLst>
+                                </p:cTn>
+                              </p:par>
+                            </p:childTnLst>
+                          </p:cTn>
+                        </p:par>
+                      </p:childTnLst>
+                    </p:cTn>
+                  </p:par>
+                  <p:par>
+                    <p:cTn id="7" fill="hold">
+                      <p:stCondLst>
+                        <p:cond delay="indefinite"/>
+                      </p:stCondLst>
+                      <p:childTnLst>
+                        <p:par>
+                          <p:cTn id="8" fill="hold">
+                            <p:stCondLst>
+                              <p:cond delay="0"/>
+                            </p:stCondLst>
+                            <p:childTnLst>
+                              <p:par>
+                                <p:cTn id="9" presetID="1" presetClass="entr" presetSubtype="0" fill="hold" nodeType="clickEffect">
+                                  <p:stCondLst>
+                                    <p:cond delay="0"/>
+                                  </p:stCondLst>
+                                  <p:childTnLst>
+                                    <p:set>
+                                      <p:cBhvr>
+                                        <p:cTn id="10" dur="1" fill="hold">
+                                          <p:stCondLst>
+                                            <p:cond delay="0"/>
+                                          </p:stCondLst>
+                                        </p:cTn>
+                                        <p:tgtEl>
+                                          <p:spTgt spid="11">
+                                            <p:txEl>
+                                              <p:pRg st="0" end="0"/>
+                                            </p:txEl>
+                                          </p:spTgt>
+                                        </p:tgtEl>
+                                        <p:attrNameLst>
+                                          <p:attrName>style.visibility</p:attrName>
+                                        </p:attrNameLst>
+                                      </p:cBhvr>
+                                      <p:to>
+                                        <p:strVal val="visible"/>
+                                      </p:to>
+                                    </p:set>
+                                  </p:childTnLst>
+                                </p:cTn>
+                              </p:par>
+                            </p:childTnLst>
+                          </p:cTn>
+                        </p:par>
+                      </p:childTnLst>
+                    </p:cTn>
+                  </p:par>
+                  <p:par>
+                    <p:cTn id="11" fill="hold">
+                      <p:stCondLst>
+                        <p:cond delay="indefinite"/>
+                      </p:stCondLst>
+                      <p:childTnLst>
+                        <p:par>
+                          <p:cTn id="12" fill="hold">
+                            <p:stCondLst>
+                              <p:cond delay="0"/>
+                            </p:stCondLst>
+                            <p:childTnLst>
+                              <p:par>
+                                <p:cTn id="13" presetID="1" presetClass="entr" presetSubtype="0" fill="hold" nodeType="clickEffect">
+                                  <p:stCondLst>
+                                    <p:cond delay="0"/>
+                                  </p:stCondLst>
+                                  <p:childTnLst>
+                                    <p:set>
+                                      <p:cBhvr>
+                                        <p:cTn id="14" dur="1" fill="hold">
+                                          <p:stCondLst>
+                                            <p:cond delay="0"/>
+                                          </p:stCondLst>
+                                        </p:cTn>
+                                        <p:tgtEl>
+                                          <p:spTgt spid="12">
+                                            <p:txEl>
+                                              <p:pRg st="0" end="0"/>
+                                            </p:txEl>
+                                          </p:spTgt>
+                                        </p:tgtEl>
+                                        <p:attrNameLst>
+                                          <p:attrName>style.visibility</p:attrName>
+                                        </p:attrNameLst>
+                                      </p:cBhvr>
+                                      <p:to>
+                                        <p:strVal val="visible"/>
+                                      </p:to>
+                                    </p:set>
+                                  </p:childTnLst>
+                                </p:cTn>
+                              </p:par>
+                            </p:childTnLst>
+                          </p:cTn>
+                        </p:par>
+                      </p:childTnLst>
+                    </p:cTn>
+                  </p:par>
+                  <p:par>
+                    <p:cTn id="15" fill="hold">
+                      <p:stCondLst>
+                        <p:cond delay="indefinite"/>
+                      </p:stCondLst>
+                      <p:childTnLst>
+                        <p:par>
+                          <p:cTn id="16" fill="hold">
+                            <p:stCondLst>
+                              <p:cond delay="0"/>
+                            </p:stCondLst>
+                            <p:childTnLst>
+                              <p:par>
+                                <p:cTn id="17" presetID="1" presetClass="entr" presetSubtype="0" fill="hold" nodeType="clickEffect">
+                                  <p:stCondLst>
+                                    <p:cond delay="0"/>
+                                  </p:stCondLst>
+                                  <p:childTnLst>
+                                    <p:set>
+                                      <p:cBhvr>
+                                        <p:cTn id="18" dur="1" fill="hold">
+                                          <p:stCondLst>
+                                            <p:cond delay="0"/>
+                                          </p:stCondLst>
+                                        </p:cTn>
+                                        <p:tgtEl>
+                                          <p:spTgt spid="2">
+                                            <p:txEl>
+                                              <p:pRg st="0" end="0"/>
+                                            </p:txEl>
+                                          </p:spTgt>
+                                        </p:tgtEl>
+                                        <p:attrNameLst>
+                                          <p:attrName>style.visibility</p:attrName>
+                                        </p:attrNameLst>
+                                      </p:cBhvr>
+                                      <p:to>
+                                        <p:strVal val="visible"/>
+                                      </p:to>
+                                    </p:set>
+                                  </p:childTnLst>
+                                </p:cTn>
+                              </p:par>
+                            </p:childTnLst>
+                          </p:cTn>
+                        </p:par>
+                      </p:childTnLst>
+                    </p:cTn>
+                  </p:par>
+                  <p:par>
+                    <p:cTn id="19" fill="hold">
+                      <p:stCondLst>
+                        <p:cond delay="indefinite"/>
+                      </p:stCondLst>
+                      <p:childTnLst>
+                        <p:par>
+                          <p:cTn id="20" fill="hold">
+                            <p:stCondLst>
+                              <p:cond delay="0"/>
+                            </p:stCondLst>
+                            <p:childTnLst>
+                              <p:par>
+                                <p:cTn id="21" presetID="1" presetClass="entr" presetSubtype="0" fill="hold" nodeType="clickEffect">
+                                  <p:stCondLst>
+                                    <p:cond delay="0"/>
+                                  </p:stCondLst>
+                                  <p:childTnLst>
+                                    <p:set>
+                                      <p:cBhvr>
+                                        <p:cTn id="22" dur="1" fill="hold">
+                                          <p:stCondLst>
+                                            <p:cond delay="0"/>
+                                          </p:stCondLst>
+                                        </p:cTn>
+                                        <p:tgtEl>
+                                          <p:spTgt spid="7">
+                                            <p:txEl>
+                                              <p:pRg st="0" end="0"/>
+                                            </p:txEl>
+                                          </p:spTgt>
+                                        </p:tgtEl>
+                                        <p:attrNameLst>
+                                          <p:attrName>style.visibility</p:attrName>
+                                        </p:attrNameLst>
+                                      </p:cBhvr>
+                                      <p:to>
+                                        <p:strVal val="visible"/>
+                                      </p:to>
+                                    </p:set>
+                                  </p:childTnLst>
+                                </p:cTn>
+                              </p:par>
+                            </p:childTnLst>
+                          </p:cTn>
+                        </p:par>
+                      </p:childTnLst>
+                    </p:cTn>
+                  </p:par>
+                </p:childTnLst>
+              </p:cTn>
+              <p:prevCondLst>
+                <p:cond evt="onPrev" delay="0">
+                  <p:tgtEl>
+                    <p:sldTgt/>
+                  </p:tgtEl>
+                </p:cond>
+              </p:prevCondLst>
+              <p:nextCondLst>
+                <p:cond evt="onNext" delay="0">
+                  <p:tgtEl>
+                    <p:sldTgt/>
+                  </p:tgtEl>
+                </p:cond>
+              </p:nextCondLst>
+            </p:seq>
+          </p:childTnLst>
+        </p:cTn>
+      </p:par>
+    </p:tnLst>
+    <p:bldLst>
+      <p:bldP spid="5" grpId="0"/>
+    </p:bldLst>
+  </p:timing>
 </p:sld>
 </file>
 
@@ -15268,77 +19128,17 @@
                 <a:cs typeface="+mn-ea"/>
                 <a:sym typeface="+mn-lt"/>
               </a:rPr>
-              <a:t>建立项目</a:t>
+              <a:t>特性</a:t>
             </a:r>
           </a:p>
         </p:txBody>
       </p:sp>
-      <p:pic>
-        <p:nvPicPr>
-          <p:cNvPr id="2" name="图片 1">
+      <p:sp>
+        <p:nvSpPr>
+          <p:cNvPr id="4" name="文本框 3">
             <a:extLst>
               <a:ext uri="{FF2B5EF4-FFF2-40B4-BE49-F238E27FC236}">
-                <a16:creationId xmlns:a16="http://schemas.microsoft.com/office/drawing/2014/main" id="{2A4EE0D3-29BB-4A45-9BF7-653FF038E9E6}"/>
-              </a:ext>
-            </a:extLst>
-          </p:cNvPr>
-          <p:cNvPicPr>
-            <a:picLocks noChangeAspect="1"/>
-          </p:cNvPicPr>
-          <p:nvPr/>
-        </p:nvPicPr>
-        <p:blipFill>
-          <a:blip r:embed="rId5"/>
-          <a:stretch>
-            <a:fillRect/>
-          </a:stretch>
-        </p:blipFill>
-        <p:spPr>
-          <a:xfrm>
-            <a:off x="1043264" y="1187456"/>
-            <a:ext cx="5052736" cy="3463825"/>
-          </a:xfrm>
-          <a:prstGeom prst="rect">
-            <a:avLst/>
-          </a:prstGeom>
-        </p:spPr>
-      </p:pic>
-      <p:pic>
-        <p:nvPicPr>
-          <p:cNvPr id="3" name="图片 2">
-            <a:extLst>
-              <a:ext uri="{FF2B5EF4-FFF2-40B4-BE49-F238E27FC236}">
-                <a16:creationId xmlns:a16="http://schemas.microsoft.com/office/drawing/2014/main" id="{2CCBE2AC-797B-EA45-869A-0BAF74C73665}"/>
-              </a:ext>
-            </a:extLst>
-          </p:cNvPr>
-          <p:cNvPicPr>
-            <a:picLocks noChangeAspect="1"/>
-          </p:cNvPicPr>
-          <p:nvPr/>
-        </p:nvPicPr>
-        <p:blipFill>
-          <a:blip r:embed="rId6"/>
-          <a:stretch>
-            <a:fillRect/>
-          </a:stretch>
-        </p:blipFill>
-        <p:spPr>
-          <a:xfrm>
-            <a:off x="6438901" y="1187456"/>
-            <a:ext cx="4330699" cy="3474183"/>
-          </a:xfrm>
-          <a:prstGeom prst="rect">
-            <a:avLst/>
-          </a:prstGeom>
-        </p:spPr>
-      </p:pic>
-      <p:sp>
-        <p:nvSpPr>
-          <p:cNvPr id="5" name="文本框 4">
-            <a:extLst>
-              <a:ext uri="{FF2B5EF4-FFF2-40B4-BE49-F238E27FC236}">
-                <a16:creationId xmlns:a16="http://schemas.microsoft.com/office/drawing/2014/main" id="{35EFAE28-B985-ED40-B99B-3C3BE40D9CD5}"/>
+                <a16:creationId xmlns:a16="http://schemas.microsoft.com/office/drawing/2014/main" id="{50FADBB5-C28C-394D-B100-CD8521A4B1F6}"/>
               </a:ext>
             </a:extLst>
           </p:cNvPr>
@@ -15347,8 +19147,8 @@
         </p:nvSpPr>
         <p:spPr>
           <a:xfrm>
-            <a:off x="2260600" y="5041900"/>
-            <a:ext cx="2590800" cy="369332"/>
+            <a:off x="996315" y="2129161"/>
+            <a:ext cx="3775529" cy="1569660"/>
           </a:xfrm>
           <a:prstGeom prst="rect">
             <a:avLst/>
@@ -15361,62 +19161,54 @@
           </a:bodyPr>
           <a:lstStyle/>
           <a:p>
-            <a:r>
-              <a:rPr kumimoji="1" lang="en-US" altLang="zh-CN" dirty="0"/>
-              <a:t>Idea(JAVA)</a:t>
-            </a:r>
-            <a:endParaRPr kumimoji="1" lang="zh-CN" altLang="en-US" dirty="0"/>
-          </a:p>
-        </p:txBody>
-      </p:sp>
-      <p:sp>
-        <p:nvSpPr>
-          <p:cNvPr id="7" name="文本框 6">
-            <a:extLst>
-              <a:ext uri="{FF2B5EF4-FFF2-40B4-BE49-F238E27FC236}">
-                <a16:creationId xmlns:a16="http://schemas.microsoft.com/office/drawing/2014/main" id="{2E252499-1C2A-5642-B123-3D2E3370A879}"/>
-              </a:ext>
-            </a:extLst>
-          </p:cNvPr>
-          <p:cNvSpPr txBox="1"/>
-          <p:nvPr/>
-        </p:nvSpPr>
-        <p:spPr>
-          <a:xfrm>
-            <a:off x="7696200" y="5041900"/>
-            <a:ext cx="2425700" cy="369332"/>
-          </a:xfrm>
-          <a:prstGeom prst="rect">
-            <a:avLst/>
-          </a:prstGeom>
-          <a:noFill/>
-        </p:spPr>
-        <p:txBody>
-          <a:bodyPr wrap="square" rtlCol="0">
-            <a:spAutoFit/>
-          </a:bodyPr>
-          <a:lstStyle/>
-          <a:p>
-            <a:r>
-              <a:rPr kumimoji="1" lang="en-US" altLang="zh-CN" dirty="0"/>
-              <a:t>Android</a:t>
-            </a:r>
-            <a:r>
-              <a:rPr kumimoji="1" lang="zh-CN" altLang="en-US" dirty="0"/>
-              <a:t> </a:t>
-            </a:r>
-            <a:r>
-              <a:rPr kumimoji="1" lang="en-US" altLang="zh-CN" dirty="0"/>
-              <a:t>Studio(Android)</a:t>
-            </a:r>
-            <a:endParaRPr kumimoji="1" lang="zh-CN" altLang="en-US" dirty="0"/>
+            <a:pPr marL="342900" indent="-342900">
+              <a:buFont typeface="Arial" panose="020B0604020202020204" pitchFamily="34" charset="0"/>
+              <a:buChar char="•"/>
+            </a:pPr>
+            <a:r>
+              <a:rPr kumimoji="1" lang="zh-CN" altLang="en-US" sz="2400" b="1" dirty="0"/>
+              <a:t>务实</a:t>
+            </a:r>
+            <a:endParaRPr kumimoji="1" lang="en-US" altLang="zh-CN" sz="2400" b="1" dirty="0"/>
+          </a:p>
+          <a:p>
+            <a:pPr marL="342900" indent="-342900">
+              <a:buFont typeface="Arial" panose="020B0604020202020204" pitchFamily="34" charset="0"/>
+              <a:buChar char="•"/>
+            </a:pPr>
+            <a:r>
+              <a:rPr kumimoji="1" lang="zh-CN" altLang="en-US" sz="2400" b="1" dirty="0"/>
+              <a:t>简洁</a:t>
+            </a:r>
+            <a:endParaRPr kumimoji="1" lang="en-US" altLang="zh-CN" sz="2400" b="1" dirty="0"/>
+          </a:p>
+          <a:p>
+            <a:pPr marL="342900" indent="-342900">
+              <a:buFont typeface="Arial" panose="020B0604020202020204" pitchFamily="34" charset="0"/>
+              <a:buChar char="•"/>
+            </a:pPr>
+            <a:r>
+              <a:rPr kumimoji="1" lang="zh-CN" altLang="en-US" sz="2400" b="1" dirty="0"/>
+              <a:t>安全</a:t>
+            </a:r>
+            <a:endParaRPr kumimoji="1" lang="en-US" altLang="zh-CN" sz="2400" b="1" dirty="0"/>
+          </a:p>
+          <a:p>
+            <a:pPr marL="342900" indent="-342900">
+              <a:buFont typeface="Arial" panose="020B0604020202020204" pitchFamily="34" charset="0"/>
+              <a:buChar char="•"/>
+            </a:pPr>
+            <a:r>
+              <a:rPr kumimoji="1" lang="zh-CN" altLang="en-US" sz="2400" b="1" dirty="0"/>
+              <a:t>互相操作</a:t>
+            </a:r>
           </a:p>
         </p:txBody>
       </p:sp>
     </p:spTree>
     <p:extLst>
       <p:ext uri="{BB962C8B-B14F-4D97-AF65-F5344CB8AC3E}">
-        <p14:creationId xmlns:p14="http://schemas.microsoft.com/office/powerpoint/2010/main" val="2894189147"/>
+        <p14:creationId xmlns:p14="http://schemas.microsoft.com/office/powerpoint/2010/main" val="322667853"/>
       </p:ext>
     </p:extLst>
   </p:cSld>
@@ -15723,17 +19515,17 @@
                 <a:cs typeface="+mn-ea"/>
                 <a:sym typeface="+mn-lt"/>
               </a:rPr>
-              <a:t>语法速览</a:t>
+              <a:t>使用</a:t>
             </a:r>
           </a:p>
         </p:txBody>
       </p:sp>
       <p:sp>
         <p:nvSpPr>
-          <p:cNvPr id="2" name="文本框 1">
+          <p:cNvPr id="4" name="文本框 3">
             <a:extLst>
               <a:ext uri="{FF2B5EF4-FFF2-40B4-BE49-F238E27FC236}">
-                <a16:creationId xmlns:a16="http://schemas.microsoft.com/office/drawing/2014/main" id="{B65D59DC-24BF-554C-8126-3C39A8899F95}"/>
+                <a16:creationId xmlns:a16="http://schemas.microsoft.com/office/drawing/2014/main" id="{50FADBB5-C28C-394D-B100-CD8521A4B1F6}"/>
               </a:ext>
             </a:extLst>
           </p:cNvPr>
@@ -15742,8 +19534,8 @@
         </p:nvSpPr>
         <p:spPr>
           <a:xfrm>
-            <a:off x="1086522" y="1187456"/>
-            <a:ext cx="7651078" cy="1200329"/>
+            <a:off x="996315" y="2129161"/>
+            <a:ext cx="9443085" cy="2308324"/>
           </a:xfrm>
           <a:prstGeom prst="rect">
             <a:avLst/>
@@ -15756,272 +19548,112 @@
           </a:bodyPr>
           <a:lstStyle/>
           <a:p>
-            <a:pPr marL="285750" indent="-285750">
-              <a:buFont typeface="Arial" panose="020B0604020202020204" pitchFamily="34" charset="0"/>
-              <a:buChar char="•"/>
-            </a:pPr>
-            <a:r>
-              <a:rPr kumimoji="1" lang="zh-CN" altLang="en-US" dirty="0"/>
-              <a:t>在不知道对象为什么类型的时候可以声明为</a:t>
-            </a:r>
-            <a:r>
-              <a:rPr kumimoji="1" lang="en-US" altLang="zh-CN" dirty="0"/>
-              <a:t>var</a:t>
-            </a:r>
-            <a:r>
-              <a:rPr kumimoji="1" lang="zh-CN" altLang="en-US" dirty="0"/>
+            <a:r>
+              <a:rPr kumimoji="1" lang="zh-CN" altLang="en-US" sz="2400" b="1" dirty="0"/>
+              <a:t>方案一</a:t>
+            </a:r>
+            <a:r>
+              <a:rPr kumimoji="1" lang="en-US" altLang="zh-CN" sz="2400" b="1" dirty="0">
+                <a:sym typeface="Wingdings" pitchFamily="2" charset="2"/>
+              </a:rPr>
+              <a:t>: </a:t>
+            </a:r>
+            <a:r>
+              <a:rPr kumimoji="1" lang="zh-CN" altLang="en-US" sz="2400" b="1" dirty="0">
+                <a:sym typeface="Wingdings" pitchFamily="2" charset="2"/>
+              </a:rPr>
+              <a:t>下载编译器</a:t>
+            </a:r>
+            <a:endParaRPr kumimoji="1" lang="en-US" altLang="zh-CN" sz="2400" b="1" dirty="0">
+              <a:sym typeface="Wingdings" pitchFamily="2" charset="2"/>
+            </a:endParaRPr>
+          </a:p>
+          <a:p>
+            <a:r>
+              <a:rPr lang="en" altLang="zh-CN" sz="2400" dirty="0">
+                <a:hlinkClick r:id="rId5"/>
+              </a:rPr>
+              <a:t>https://github.com/JetBrains/kotlin/releases</a:t>
+            </a:r>
+            <a:r>
+              <a:rPr lang="en-US" altLang="zh-CN" sz="2400" dirty="0"/>
+              <a:t>/</a:t>
+            </a:r>
+            <a:br>
+              <a:rPr lang="en" altLang="zh-CN" sz="2400" dirty="0"/>
+            </a:br>
+            <a:br>
+              <a:rPr lang="en" altLang="zh-CN" sz="2400" dirty="0"/>
+            </a:br>
+            <a:r>
+              <a:rPr lang="zh-CN" altLang="en-US" sz="2400" b="1" dirty="0"/>
+              <a:t>方案二：使用</a:t>
+            </a:r>
+            <a:r>
+              <a:rPr lang="en-US" altLang="zh-CN" sz="2400" b="1" dirty="0"/>
+              <a:t>idea</a:t>
+            </a:r>
+            <a:r>
+              <a:rPr lang="zh-CN" altLang="en-US" sz="2400" b="1" dirty="0"/>
               <a:t>、</a:t>
             </a:r>
             <a:r>
-              <a:rPr kumimoji="1" lang="en-US" altLang="zh-CN" dirty="0" err="1"/>
-              <a:t>val</a:t>
-            </a:r>
-            <a:r>
-              <a:rPr kumimoji="1" lang="zh-CN" altLang="en-US" dirty="0"/>
-              <a:t>由</a:t>
-            </a:r>
-            <a:r>
-              <a:rPr kumimoji="1" lang="en-US" altLang="zh-CN" dirty="0"/>
-              <a:t>JVM</a:t>
-            </a:r>
-            <a:r>
-              <a:rPr kumimoji="1" lang="zh-CN" altLang="en-US" dirty="0"/>
-              <a:t>运行时推导出具体类型</a:t>
-            </a:r>
-            <a:r>
-              <a:rPr kumimoji="1" lang="en-US" altLang="zh-CN" dirty="0"/>
-              <a:t>,</a:t>
-            </a:r>
-            <a:r>
-              <a:rPr kumimoji="1" lang="zh-CN" altLang="en-US" dirty="0"/>
-              <a:t>但声明过后无法对类型进行更改</a:t>
-            </a:r>
-            <a:endParaRPr kumimoji="1" lang="en-US" altLang="zh-CN" dirty="0"/>
-          </a:p>
-          <a:p>
-            <a:endParaRPr lang="en" altLang="zh-CN" dirty="0"/>
-          </a:p>
-          <a:p>
-            <a:pPr lvl="3"/>
-            <a:endParaRPr kumimoji="1" lang="en-US" altLang="zh-CN" dirty="0"/>
+              <a:rPr lang="en-US" altLang="zh-CN" sz="2400" b="1" dirty="0"/>
+              <a:t>Android Studio</a:t>
+            </a:r>
+            <a:r>
+              <a:rPr lang="zh-CN" altLang="en-US" sz="2400" b="1" dirty="0"/>
+              <a:t>作为开发工具直接创建</a:t>
+            </a:r>
+            <a:r>
+              <a:rPr lang="en-US" altLang="zh-CN" sz="2400" b="1" dirty="0"/>
+              <a:t>Kotlin</a:t>
+            </a:r>
+            <a:r>
+              <a:rPr lang="zh-CN" altLang="en-US" sz="2400" b="1" dirty="0"/>
+              <a:t>工程</a:t>
+            </a:r>
+            <a:endParaRPr kumimoji="1" lang="en-US" altLang="zh-CN" sz="2400" b="1" dirty="0">
+              <a:sym typeface="Wingdings" pitchFamily="2" charset="2"/>
+            </a:endParaRPr>
+          </a:p>
+          <a:p>
+            <a:endParaRPr kumimoji="1" lang="en-US" altLang="zh-CN" sz="2400" b="1" dirty="0">
+              <a:sym typeface="Wingdings" pitchFamily="2" charset="2"/>
+            </a:endParaRPr>
+          </a:p>
+          <a:p>
+            <a:r>
+              <a:rPr kumimoji="1" lang="en" altLang="zh-CN" sz="2400" b="1" dirty="0">
+                <a:sym typeface="Wingdings" pitchFamily="2" charset="2"/>
+                <a:hlinkClick r:id="rId6"/>
+              </a:rPr>
+              <a:t>https://</a:t>
+            </a:r>
+            <a:r>
+              <a:rPr kumimoji="1" lang="en" altLang="zh-CN" sz="2400" b="1" dirty="0" err="1">
+                <a:sym typeface="Wingdings" pitchFamily="2" charset="2"/>
+                <a:hlinkClick r:id="rId6"/>
+              </a:rPr>
+              <a:t>www.jetbrains.com</a:t>
+            </a:r>
+            <a:r>
+              <a:rPr kumimoji="1" lang="en" altLang="zh-CN" sz="2400" b="1" dirty="0">
+                <a:sym typeface="Wingdings" pitchFamily="2" charset="2"/>
+                <a:hlinkClick r:id="rId6"/>
+              </a:rPr>
+              <a:t>/idea/download/</a:t>
+            </a:r>
+            <a:endParaRPr kumimoji="1" lang="en" altLang="zh-CN" sz="2400" b="1" dirty="0">
+              <a:sym typeface="Wingdings" pitchFamily="2" charset="2"/>
+            </a:endParaRPr>
           </a:p>
         </p:txBody>
       </p:sp>
-      <p:pic>
-        <p:nvPicPr>
-          <p:cNvPr id="3" name="图片 2">
-            <a:extLst>
-              <a:ext uri="{FF2B5EF4-FFF2-40B4-BE49-F238E27FC236}">
-                <a16:creationId xmlns:a16="http://schemas.microsoft.com/office/drawing/2014/main" id="{6BCEFF29-A576-DB4E-BCC5-F65EFE04171D}"/>
-              </a:ext>
-            </a:extLst>
-          </p:cNvPr>
-          <p:cNvPicPr>
-            <a:picLocks noChangeAspect="1"/>
-          </p:cNvPicPr>
-          <p:nvPr/>
-        </p:nvPicPr>
-        <p:blipFill>
-          <a:blip r:embed="rId5"/>
-          <a:stretch>
-            <a:fillRect/>
-          </a:stretch>
-        </p:blipFill>
-        <p:spPr>
-          <a:xfrm>
-            <a:off x="2349500" y="2029784"/>
-            <a:ext cx="2438400" cy="635000"/>
-          </a:xfrm>
-          <a:prstGeom prst="rect">
-            <a:avLst/>
-          </a:prstGeom>
-        </p:spPr>
-      </p:pic>
-      <p:pic>
-        <p:nvPicPr>
-          <p:cNvPr id="5" name="图片 4">
-            <a:extLst>
-              <a:ext uri="{FF2B5EF4-FFF2-40B4-BE49-F238E27FC236}">
-                <a16:creationId xmlns:a16="http://schemas.microsoft.com/office/drawing/2014/main" id="{31C6E88D-46E6-AA46-BE46-2E73E3F28FB6}"/>
-              </a:ext>
-            </a:extLst>
-          </p:cNvPr>
-          <p:cNvPicPr>
-            <a:picLocks noChangeAspect="1"/>
-          </p:cNvPicPr>
-          <p:nvPr/>
-        </p:nvPicPr>
-        <p:blipFill>
-          <a:blip r:embed="rId6"/>
-          <a:stretch>
-            <a:fillRect/>
-          </a:stretch>
-        </p:blipFill>
-        <p:spPr>
-          <a:xfrm>
-            <a:off x="5562600" y="2029784"/>
-            <a:ext cx="2209800" cy="787400"/>
-          </a:xfrm>
-          <a:prstGeom prst="rect">
-            <a:avLst/>
-          </a:prstGeom>
-        </p:spPr>
-      </p:pic>
-      <p:sp>
-        <p:nvSpPr>
-          <p:cNvPr id="7" name="文本框 6">
-            <a:extLst>
-              <a:ext uri="{FF2B5EF4-FFF2-40B4-BE49-F238E27FC236}">
-                <a16:creationId xmlns:a16="http://schemas.microsoft.com/office/drawing/2014/main" id="{05D6609B-C9B6-9D42-A3DA-DE714B4CFEB1}"/>
-              </a:ext>
-            </a:extLst>
-          </p:cNvPr>
-          <p:cNvSpPr txBox="1"/>
-          <p:nvPr/>
-        </p:nvSpPr>
-        <p:spPr>
-          <a:xfrm>
-            <a:off x="1086522" y="3340100"/>
-            <a:ext cx="7485978" cy="1477328"/>
-          </a:xfrm>
-          <a:prstGeom prst="rect">
-            <a:avLst/>
-          </a:prstGeom>
-          <a:noFill/>
-        </p:spPr>
-        <p:txBody>
-          <a:bodyPr wrap="square" rtlCol="0">
-            <a:spAutoFit/>
-          </a:bodyPr>
-          <a:lstStyle/>
-          <a:p>
-            <a:pPr marL="285750" indent="-285750">
-              <a:buFont typeface="Arial" panose="020B0604020202020204" pitchFamily="34" charset="0"/>
-              <a:buChar char="•"/>
-            </a:pPr>
-            <a:r>
-              <a:rPr kumimoji="1" lang="zh-CN" altLang="en-US" dirty="0"/>
-              <a:t>声明对象不需要</a:t>
-            </a:r>
-            <a:r>
-              <a:rPr kumimoji="1" lang="en-US" altLang="zh-CN" dirty="0"/>
-              <a:t>new  </a:t>
-            </a:r>
-            <a:r>
-              <a:rPr kumimoji="1" lang="zh-CN" altLang="en-US" dirty="0"/>
-              <a:t>默认所有变量自带</a:t>
-            </a:r>
-            <a:r>
-              <a:rPr kumimoji="1" lang="en-US" altLang="zh-CN" dirty="0"/>
-              <a:t>getter</a:t>
-            </a:r>
-            <a:r>
-              <a:rPr kumimoji="1" lang="zh-CN" altLang="en-US" dirty="0"/>
-              <a:t>、</a:t>
-            </a:r>
-            <a:r>
-              <a:rPr kumimoji="1" lang="en-US" altLang="zh-CN" dirty="0"/>
-              <a:t>setter</a:t>
-            </a:r>
-            <a:r>
-              <a:rPr kumimoji="1" lang="zh-CN" altLang="en-US" dirty="0"/>
-              <a:t>方法，不必再写，以成员变量的方式访问</a:t>
-            </a:r>
-            <a:r>
-              <a:rPr kumimoji="1" lang="en-US" altLang="zh-CN" dirty="0"/>
-              <a:t>,</a:t>
-            </a:r>
-          </a:p>
-          <a:p>
-            <a:pPr marL="285750" indent="-285750">
-              <a:buFont typeface="Arial" panose="020B0604020202020204" pitchFamily="34" charset="0"/>
-              <a:buChar char="•"/>
-            </a:pPr>
-            <a:r>
-              <a:rPr kumimoji="1" lang="zh-CN" altLang="en-US" dirty="0"/>
-              <a:t>没有</a:t>
-            </a:r>
-            <a:r>
-              <a:rPr kumimoji="1" lang="en-US" altLang="zh-CN" dirty="0"/>
-              <a:t>Java</a:t>
-            </a:r>
-            <a:r>
-              <a:rPr kumimoji="1" lang="zh-CN" altLang="en-US" dirty="0"/>
-              <a:t>中的静态变量用法，取而代之的是伴生对象</a:t>
-            </a:r>
-          </a:p>
-          <a:p>
-            <a:endParaRPr kumimoji="1" lang="en-US" altLang="zh-CN" dirty="0"/>
-          </a:p>
-          <a:p>
-            <a:endParaRPr kumimoji="1" lang="zh-CN" altLang="en-US" dirty="0"/>
-          </a:p>
-        </p:txBody>
-      </p:sp>
-      <p:pic>
-        <p:nvPicPr>
-          <p:cNvPr id="11" name="图片 10">
-            <a:extLst>
-              <a:ext uri="{FF2B5EF4-FFF2-40B4-BE49-F238E27FC236}">
-                <a16:creationId xmlns:a16="http://schemas.microsoft.com/office/drawing/2014/main" id="{15D2ABD0-F266-F244-AC1F-4A4CC8FC4491}"/>
-              </a:ext>
-            </a:extLst>
-          </p:cNvPr>
-          <p:cNvPicPr>
-            <a:picLocks noChangeAspect="1"/>
-          </p:cNvPicPr>
-          <p:nvPr/>
-        </p:nvPicPr>
-        <p:blipFill>
-          <a:blip r:embed="rId7"/>
-          <a:stretch>
-            <a:fillRect/>
-          </a:stretch>
-        </p:blipFill>
-        <p:spPr>
-          <a:xfrm>
-            <a:off x="1397000" y="4512628"/>
-            <a:ext cx="3835400" cy="609600"/>
-          </a:xfrm>
-          <a:prstGeom prst="rect">
-            <a:avLst/>
-          </a:prstGeom>
-        </p:spPr>
-      </p:pic>
-      <p:pic>
-        <p:nvPicPr>
-          <p:cNvPr id="12" name="图片 11">
-            <a:extLst>
-              <a:ext uri="{FF2B5EF4-FFF2-40B4-BE49-F238E27FC236}">
-                <a16:creationId xmlns:a16="http://schemas.microsoft.com/office/drawing/2014/main" id="{C5D7D63C-0FD2-FE48-9DF7-013A37507A7E}"/>
-              </a:ext>
-            </a:extLst>
-          </p:cNvPr>
-          <p:cNvPicPr>
-            <a:picLocks noChangeAspect="1"/>
-          </p:cNvPicPr>
-          <p:nvPr/>
-        </p:nvPicPr>
-        <p:blipFill>
-          <a:blip r:embed="rId8"/>
-          <a:stretch>
-            <a:fillRect/>
-          </a:stretch>
-        </p:blipFill>
-        <p:spPr>
-          <a:xfrm>
-            <a:off x="5651500" y="4322128"/>
-            <a:ext cx="3886200" cy="1295400"/>
-          </a:xfrm>
-          <a:prstGeom prst="rect">
-            <a:avLst/>
-          </a:prstGeom>
-        </p:spPr>
-      </p:pic>
     </p:spTree>
     <p:extLst>
       <p:ext uri="{BB962C8B-B14F-4D97-AF65-F5344CB8AC3E}">
-        <p14:creationId xmlns:p14="http://schemas.microsoft.com/office/powerpoint/2010/main" val="1213443336"/>
+        <p14:creationId xmlns:p14="http://schemas.microsoft.com/office/powerpoint/2010/main" val="191364829"/>
       </p:ext>
     </p:extLst>
   </p:cSld>
@@ -16328,93 +19960,17 @@
                 <a:cs typeface="+mn-ea"/>
                 <a:sym typeface="+mn-lt"/>
               </a:rPr>
-              <a:t>语法速览</a:t>
+              <a:t>建立项目</a:t>
             </a:r>
           </a:p>
         </p:txBody>
       </p:sp>
-      <p:sp>
-        <p:nvSpPr>
-          <p:cNvPr id="2" name="文本框 1">
+      <p:pic>
+        <p:nvPicPr>
+          <p:cNvPr id="2" name="图片 1">
             <a:extLst>
               <a:ext uri="{FF2B5EF4-FFF2-40B4-BE49-F238E27FC236}">
-                <a16:creationId xmlns:a16="http://schemas.microsoft.com/office/drawing/2014/main" id="{B65D59DC-24BF-554C-8126-3C39A8899F95}"/>
-              </a:ext>
-            </a:extLst>
-          </p:cNvPr>
-          <p:cNvSpPr txBox="1"/>
-          <p:nvPr/>
-        </p:nvSpPr>
-        <p:spPr>
-          <a:xfrm>
-            <a:off x="1086522" y="1187456"/>
-            <a:ext cx="7651078" cy="646331"/>
-          </a:xfrm>
-          <a:prstGeom prst="rect">
-            <a:avLst/>
-          </a:prstGeom>
-          <a:noFill/>
-        </p:spPr>
-        <p:txBody>
-          <a:bodyPr wrap="square" rtlCol="0">
-            <a:spAutoFit/>
-          </a:bodyPr>
-          <a:lstStyle/>
-          <a:p>
-            <a:pPr marL="285750" indent="-285750">
-              <a:buFont typeface="Arial" panose="020B0604020202020204" pitchFamily="34" charset="0"/>
-              <a:buChar char="•"/>
-            </a:pPr>
-            <a:r>
-              <a:rPr kumimoji="1" lang="zh-CN" altLang="en-US" dirty="0"/>
-              <a:t>使用</a:t>
-            </a:r>
-            <a:r>
-              <a:rPr kumimoji="1" lang="en-US" altLang="zh-CN" dirty="0"/>
-              <a:t>fun</a:t>
-            </a:r>
-            <a:r>
-              <a:rPr kumimoji="1" lang="zh-CN" altLang="en-US" dirty="0"/>
-              <a:t>关键字声明方法</a:t>
-            </a:r>
-            <a:r>
-              <a:rPr kumimoji="1" lang="en-US" altLang="zh-CN" dirty="0"/>
-              <a:t>:</a:t>
-            </a:r>
-            <a:r>
-              <a:rPr kumimoji="1" lang="zh-CN" altLang="en-US" dirty="0"/>
-              <a:t>后面接返回值类型</a:t>
-            </a:r>
-            <a:r>
-              <a:rPr kumimoji="1" lang="en-US" altLang="zh-CN" dirty="0"/>
-              <a:t>,</a:t>
-            </a:r>
-            <a:r>
-              <a:rPr kumimoji="1" lang="zh-CN" altLang="en-US" dirty="0"/>
-              <a:t>默认为</a:t>
-            </a:r>
-            <a:r>
-              <a:rPr kumimoji="1" lang="en-US" altLang="zh-CN" dirty="0"/>
-              <a:t>Unit</a:t>
-            </a:r>
-            <a:r>
-              <a:rPr kumimoji="1" lang="zh-CN" altLang="en-US" dirty="0"/>
-              <a:t>，支持命名参数</a:t>
-            </a:r>
-            <a:endParaRPr lang="en" altLang="zh-CN" dirty="0"/>
-          </a:p>
-          <a:p>
-            <a:pPr lvl="3"/>
-            <a:endParaRPr kumimoji="1" lang="en-US" altLang="zh-CN" dirty="0"/>
-          </a:p>
-        </p:txBody>
-      </p:sp>
-      <p:pic>
-        <p:nvPicPr>
-          <p:cNvPr id="4" name="图片 3">
-            <a:extLst>
-              <a:ext uri="{FF2B5EF4-FFF2-40B4-BE49-F238E27FC236}">
-                <a16:creationId xmlns:a16="http://schemas.microsoft.com/office/drawing/2014/main" id="{24AE0E4F-20C4-DF4A-AEDC-30AFDC53D9FC}"/>
+                <a16:creationId xmlns:a16="http://schemas.microsoft.com/office/drawing/2014/main" id="{2A4EE0D3-29BB-4A45-9BF7-653FF038E9E6}"/>
               </a:ext>
             </a:extLst>
           </p:cNvPr>
@@ -16431,8 +19987,8 @@
         </p:blipFill>
         <p:spPr>
           <a:xfrm>
-            <a:off x="1086522" y="1769658"/>
-            <a:ext cx="4279900" cy="1092200"/>
+            <a:off x="1043264" y="1187456"/>
+            <a:ext cx="5052736" cy="3463825"/>
           </a:xfrm>
           <a:prstGeom prst="rect">
             <a:avLst/>
@@ -16441,10 +19997,10 @@
       </p:pic>
       <p:pic>
         <p:nvPicPr>
-          <p:cNvPr id="8" name="图片 7">
+          <p:cNvPr id="3" name="图片 2">
             <a:extLst>
               <a:ext uri="{FF2B5EF4-FFF2-40B4-BE49-F238E27FC236}">
-                <a16:creationId xmlns:a16="http://schemas.microsoft.com/office/drawing/2014/main" id="{1CBA3B8B-576D-004E-AC62-BFAE08C309AC}"/>
+                <a16:creationId xmlns:a16="http://schemas.microsoft.com/office/drawing/2014/main" id="{2CCBE2AC-797B-EA45-869A-0BAF74C73665}"/>
               </a:ext>
             </a:extLst>
           </p:cNvPr>
@@ -16461,50 +20017,20 @@
         </p:blipFill>
         <p:spPr>
           <a:xfrm>
-            <a:off x="6724650" y="1928722"/>
-            <a:ext cx="2781300" cy="838200"/>
+            <a:off x="6438901" y="1187456"/>
+            <a:ext cx="4330699" cy="3474183"/>
           </a:xfrm>
           <a:prstGeom prst="rect">
             <a:avLst/>
           </a:prstGeom>
         </p:spPr>
       </p:pic>
-      <p:pic>
-        <p:nvPicPr>
-          <p:cNvPr id="9" name="图片 8">
+      <p:sp>
+        <p:nvSpPr>
+          <p:cNvPr id="5" name="文本框 4">
             <a:extLst>
               <a:ext uri="{FF2B5EF4-FFF2-40B4-BE49-F238E27FC236}">
-                <a16:creationId xmlns:a16="http://schemas.microsoft.com/office/drawing/2014/main" id="{CF4CF16F-A42D-284F-984A-7F0A03A2DA84}"/>
-              </a:ext>
-            </a:extLst>
-          </p:cNvPr>
-          <p:cNvPicPr>
-            <a:picLocks noChangeAspect="1"/>
-          </p:cNvPicPr>
-          <p:nvPr/>
-        </p:nvPicPr>
-        <p:blipFill>
-          <a:blip r:embed="rId7"/>
-          <a:stretch>
-            <a:fillRect/>
-          </a:stretch>
-        </p:blipFill>
-        <p:spPr>
-          <a:xfrm>
-            <a:off x="3067722" y="3253559"/>
-            <a:ext cx="4597400" cy="736600"/>
-          </a:xfrm>
-          <a:prstGeom prst="rect">
-            <a:avLst/>
-          </a:prstGeom>
-        </p:spPr>
-      </p:pic>
-      <p:sp>
-        <p:nvSpPr>
-          <p:cNvPr id="10" name="文本框 9">
-            <a:extLst>
-              <a:ext uri="{FF2B5EF4-FFF2-40B4-BE49-F238E27FC236}">
-                <a16:creationId xmlns:a16="http://schemas.microsoft.com/office/drawing/2014/main" id="{A488DDD3-7667-554B-BCC4-3D83A6C06588}"/>
+                <a16:creationId xmlns:a16="http://schemas.microsoft.com/office/drawing/2014/main" id="{35EFAE28-B985-ED40-B99B-3C3BE40D9CD5}"/>
               </a:ext>
             </a:extLst>
           </p:cNvPr>
@@ -16513,8 +20039,8 @@
         </p:nvSpPr>
         <p:spPr>
           <a:xfrm>
-            <a:off x="1086522" y="4305300"/>
-            <a:ext cx="8145334" cy="369332"/>
+            <a:off x="2260600" y="5041900"/>
+            <a:ext cx="2590800" cy="369332"/>
           </a:xfrm>
           <a:prstGeom prst="rect">
             <a:avLst/>
@@ -16527,89 +20053,62 @@
           </a:bodyPr>
           <a:lstStyle/>
           <a:p>
-            <a:pPr marL="285750" indent="-285750">
-              <a:buFont typeface="Arial" panose="020B0604020202020204" pitchFamily="34" charset="0"/>
-              <a:buChar char="•"/>
-            </a:pPr>
-            <a:r>
-              <a:rPr kumimoji="1" lang="zh-CN" altLang="en-US" dirty="0"/>
-              <a:t>扩展函数</a:t>
-            </a:r>
             <a:r>
               <a:rPr kumimoji="1" lang="en-US" altLang="zh-CN" dirty="0"/>
-              <a:t>, </a:t>
-            </a:r>
-            <a:r>
-              <a:rPr kumimoji="1" lang="zh-CN" altLang="en-US" dirty="0"/>
-              <a:t>允许在外部为已有类增加方法</a:t>
-            </a:r>
+              <a:t>Idea(JAVA)</a:t>
+            </a:r>
+            <a:endParaRPr kumimoji="1" lang="zh-CN" altLang="en-US" dirty="0"/>
           </a:p>
         </p:txBody>
       </p:sp>
-      <p:pic>
-        <p:nvPicPr>
-          <p:cNvPr id="14" name="图片 13">
+      <p:sp>
+        <p:nvSpPr>
+          <p:cNvPr id="7" name="文本框 6">
             <a:extLst>
               <a:ext uri="{FF2B5EF4-FFF2-40B4-BE49-F238E27FC236}">
-                <a16:creationId xmlns:a16="http://schemas.microsoft.com/office/drawing/2014/main" id="{A4F55E30-36D3-1E47-AE28-78C60808D819}"/>
+                <a16:creationId xmlns:a16="http://schemas.microsoft.com/office/drawing/2014/main" id="{2E252499-1C2A-5642-B123-3D2E3370A879}"/>
               </a:ext>
             </a:extLst>
           </p:cNvPr>
-          <p:cNvPicPr>
-            <a:picLocks noChangeAspect="1"/>
-          </p:cNvPicPr>
+          <p:cNvSpPr txBox="1"/>
           <p:nvPr/>
-        </p:nvPicPr>
-        <p:blipFill>
-          <a:blip r:embed="rId8"/>
-          <a:stretch>
-            <a:fillRect/>
-          </a:stretch>
-        </p:blipFill>
-        <p:spPr>
-          <a:xfrm>
-            <a:off x="1086522" y="4781544"/>
-            <a:ext cx="5372100" cy="889000"/>
+        </p:nvSpPr>
+        <p:spPr>
+          <a:xfrm>
+            <a:off x="7696200" y="5041900"/>
+            <a:ext cx="2425700" cy="369332"/>
           </a:xfrm>
           <a:prstGeom prst="rect">
             <a:avLst/>
           </a:prstGeom>
-        </p:spPr>
-      </p:pic>
-      <p:pic>
-        <p:nvPicPr>
-          <p:cNvPr id="15" name="图片 14">
-            <a:extLst>
-              <a:ext uri="{FF2B5EF4-FFF2-40B4-BE49-F238E27FC236}">
-                <a16:creationId xmlns:a16="http://schemas.microsoft.com/office/drawing/2014/main" id="{F677B5FB-3B35-C74A-8FE7-41EA87753092}"/>
-              </a:ext>
-            </a:extLst>
-          </p:cNvPr>
-          <p:cNvPicPr>
-            <a:picLocks noChangeAspect="1"/>
-          </p:cNvPicPr>
-          <p:nvPr/>
-        </p:nvPicPr>
-        <p:blipFill>
-          <a:blip r:embed="rId9"/>
-          <a:stretch>
-            <a:fillRect/>
-          </a:stretch>
-        </p:blipFill>
-        <p:spPr>
-          <a:xfrm>
-            <a:off x="6724650" y="4946338"/>
-            <a:ext cx="3162300" cy="622300"/>
-          </a:xfrm>
-          <a:prstGeom prst="rect">
-            <a:avLst/>
-          </a:prstGeom>
-        </p:spPr>
-      </p:pic>
+          <a:noFill/>
+        </p:spPr>
+        <p:txBody>
+          <a:bodyPr wrap="square" rtlCol="0">
+            <a:spAutoFit/>
+          </a:bodyPr>
+          <a:lstStyle/>
+          <a:p>
+            <a:r>
+              <a:rPr kumimoji="1" lang="en-US" altLang="zh-CN" dirty="0"/>
+              <a:t>Android</a:t>
+            </a:r>
+            <a:r>
+              <a:rPr kumimoji="1" lang="zh-CN" altLang="en-US" dirty="0"/>
+              <a:t> </a:t>
+            </a:r>
+            <a:r>
+              <a:rPr kumimoji="1" lang="en-US" altLang="zh-CN" dirty="0"/>
+              <a:t>Studio(Android)</a:t>
+            </a:r>
+            <a:endParaRPr kumimoji="1" lang="zh-CN" altLang="en-US" dirty="0"/>
+          </a:p>
+        </p:txBody>
+      </p:sp>
     </p:spTree>
     <p:extLst>
       <p:ext uri="{BB962C8B-B14F-4D97-AF65-F5344CB8AC3E}">
-        <p14:creationId xmlns:p14="http://schemas.microsoft.com/office/powerpoint/2010/main" val="3609016528"/>
+        <p14:creationId xmlns:p14="http://schemas.microsoft.com/office/powerpoint/2010/main" val="2894189147"/>
       </p:ext>
     </p:extLst>
   </p:cSld>
